--- a/OS-03.pptx
+++ b/OS-03.pptx
@@ -1,75 +1,75 @@
 
 <file path=ppt/presentation.xml><?xml version="1.0" encoding="utf-8"?>
-<p:presentation xmlns:a="http://schemas.openxmlformats.org/drawingml/2006/main" xmlns:r="http://schemas.openxmlformats.org/officeDocument/2006/relationships" xmlns:p="http://schemas.openxmlformats.org/presentationml/2006/main" saveSubsetFonts="1" autoCompressPictures="0">
+<p:presentation xmlns:a="http://schemas.openxmlformats.org/drawingml/2006/main" xmlns:r="http://schemas.openxmlformats.org/officeDocument/2006/relationships" xmlns:p="http://schemas.openxmlformats.org/presentationml/2006/main" autoCompressPictures="0">
   <p:sldMasterIdLst>
-    <p:sldMasterId id="2147483660" r:id="rId1"/>
+    <p:sldMasterId id="2147483648" r:id="rId1"/>
   </p:sldMasterIdLst>
   <p:notesMasterIdLst>
-    <p:notesMasterId r:id="rId61"/>
+    <p:notesMasterId r:id="rId7"/>
   </p:notesMasterIdLst>
   <p:handoutMasterIdLst>
-    <p:handoutMasterId r:id="rId62"/>
+    <p:handoutMasterId r:id="rId63"/>
   </p:handoutMasterIdLst>
   <p:sldIdLst>
-    <p:sldId id="360" r:id="rId2"/>
-    <p:sldId id="449" r:id="rId3"/>
-    <p:sldId id="495" r:id="rId4"/>
-    <p:sldId id="555" r:id="rId5"/>
-    <p:sldId id="496" r:id="rId6"/>
-    <p:sldId id="497" r:id="rId7"/>
-    <p:sldId id="498" r:id="rId8"/>
-    <p:sldId id="499" r:id="rId9"/>
-    <p:sldId id="500" r:id="rId10"/>
-    <p:sldId id="501" r:id="rId11"/>
-    <p:sldId id="502" r:id="rId12"/>
-    <p:sldId id="503" r:id="rId13"/>
-    <p:sldId id="504" r:id="rId14"/>
-    <p:sldId id="505" r:id="rId15"/>
-    <p:sldId id="506" r:id="rId16"/>
-    <p:sldId id="538" r:id="rId17"/>
-    <p:sldId id="539" r:id="rId18"/>
-    <p:sldId id="540" r:id="rId19"/>
-    <p:sldId id="541" r:id="rId20"/>
-    <p:sldId id="542" r:id="rId21"/>
-    <p:sldId id="543" r:id="rId22"/>
-    <p:sldId id="544" r:id="rId23"/>
-    <p:sldId id="545" r:id="rId24"/>
-    <p:sldId id="546" r:id="rId25"/>
-    <p:sldId id="547" r:id="rId26"/>
-    <p:sldId id="548" r:id="rId27"/>
-    <p:sldId id="537" r:id="rId28"/>
-    <p:sldId id="552" r:id="rId29"/>
-    <p:sldId id="553" r:id="rId30"/>
-    <p:sldId id="549" r:id="rId31"/>
-    <p:sldId id="550" r:id="rId32"/>
-    <p:sldId id="551" r:id="rId33"/>
-    <p:sldId id="554" r:id="rId34"/>
-    <p:sldId id="535" r:id="rId35"/>
-    <p:sldId id="507" r:id="rId36"/>
-    <p:sldId id="508" r:id="rId37"/>
-    <p:sldId id="509" r:id="rId38"/>
-    <p:sldId id="510" r:id="rId39"/>
-    <p:sldId id="511" r:id="rId40"/>
-    <p:sldId id="512" r:id="rId41"/>
-    <p:sldId id="513" r:id="rId42"/>
-    <p:sldId id="514" r:id="rId43"/>
-    <p:sldId id="515" r:id="rId44"/>
-    <p:sldId id="516" r:id="rId45"/>
-    <p:sldId id="517" r:id="rId46"/>
-    <p:sldId id="518" r:id="rId47"/>
-    <p:sldId id="519" r:id="rId48"/>
-    <p:sldId id="520" r:id="rId49"/>
-    <p:sldId id="521" r:id="rId50"/>
-    <p:sldId id="522" r:id="rId51"/>
-    <p:sldId id="523" r:id="rId52"/>
-    <p:sldId id="524" r:id="rId53"/>
-    <p:sldId id="525" r:id="rId54"/>
-    <p:sldId id="526" r:id="rId55"/>
-    <p:sldId id="532" r:id="rId56"/>
-    <p:sldId id="531" r:id="rId57"/>
-    <p:sldId id="527" r:id="rId58"/>
-    <p:sldId id="528" r:id="rId59"/>
-    <p:sldId id="529" r:id="rId60"/>
+    <p:sldId id="360" r:id="rId3"/>
+    <p:sldId id="449" r:id="rId4"/>
+    <p:sldId id="495" r:id="rId5"/>
+    <p:sldId id="555" r:id="rId6"/>
+    <p:sldId id="496" r:id="rId8"/>
+    <p:sldId id="497" r:id="rId9"/>
+    <p:sldId id="498" r:id="rId10"/>
+    <p:sldId id="499" r:id="rId11"/>
+    <p:sldId id="500" r:id="rId12"/>
+    <p:sldId id="501" r:id="rId13"/>
+    <p:sldId id="502" r:id="rId14"/>
+    <p:sldId id="503" r:id="rId15"/>
+    <p:sldId id="504" r:id="rId16"/>
+    <p:sldId id="505" r:id="rId17"/>
+    <p:sldId id="506" r:id="rId18"/>
+    <p:sldId id="538" r:id="rId19"/>
+    <p:sldId id="539" r:id="rId20"/>
+    <p:sldId id="540" r:id="rId21"/>
+    <p:sldId id="541" r:id="rId22"/>
+    <p:sldId id="542" r:id="rId23"/>
+    <p:sldId id="543" r:id="rId24"/>
+    <p:sldId id="544" r:id="rId25"/>
+    <p:sldId id="545" r:id="rId26"/>
+    <p:sldId id="546" r:id="rId27"/>
+    <p:sldId id="547" r:id="rId28"/>
+    <p:sldId id="548" r:id="rId29"/>
+    <p:sldId id="537" r:id="rId30"/>
+    <p:sldId id="552" r:id="rId31"/>
+    <p:sldId id="553" r:id="rId32"/>
+    <p:sldId id="549" r:id="rId33"/>
+    <p:sldId id="550" r:id="rId34"/>
+    <p:sldId id="551" r:id="rId35"/>
+    <p:sldId id="554" r:id="rId36"/>
+    <p:sldId id="535" r:id="rId37"/>
+    <p:sldId id="507" r:id="rId38"/>
+    <p:sldId id="508" r:id="rId39"/>
+    <p:sldId id="509" r:id="rId40"/>
+    <p:sldId id="510" r:id="rId41"/>
+    <p:sldId id="511" r:id="rId42"/>
+    <p:sldId id="512" r:id="rId43"/>
+    <p:sldId id="513" r:id="rId44"/>
+    <p:sldId id="514" r:id="rId45"/>
+    <p:sldId id="515" r:id="rId46"/>
+    <p:sldId id="516" r:id="rId47"/>
+    <p:sldId id="517" r:id="rId48"/>
+    <p:sldId id="518" r:id="rId49"/>
+    <p:sldId id="519" r:id="rId50"/>
+    <p:sldId id="520" r:id="rId51"/>
+    <p:sldId id="521" r:id="rId52"/>
+    <p:sldId id="522" r:id="rId53"/>
+    <p:sldId id="523" r:id="rId54"/>
+    <p:sldId id="524" r:id="rId55"/>
+    <p:sldId id="525" r:id="rId56"/>
+    <p:sldId id="526" r:id="rId57"/>
+    <p:sldId id="532" r:id="rId58"/>
+    <p:sldId id="531" r:id="rId59"/>
+    <p:sldId id="527" r:id="rId60"/>
+    <p:sldId id="528" r:id="rId61"/>
+    <p:sldId id="529" r:id="rId62"/>
   </p:sldIdLst>
   <p:sldSz cx="9144000" cy="6858000" type="screen4x3"/>
   <p:notesSz cx="6858000" cy="9144000"/>
@@ -168,22 +168,6 @@
       </a:defRPr>
     </a:lvl9pPr>
   </p:defaultTextStyle>
-  <p:extLst>
-    <p:ext uri="{EFAFB233-063F-42B5-8137-9DF3F51BA10A}">
-      <p15:sldGuideLst xmlns:p15="http://schemas.microsoft.com/office/powerpoint/2012/main">
-        <p15:guide id="1" orient="horz" pos="2160">
-          <p15:clr>
-            <a:srgbClr val="A4A3A4"/>
-          </p15:clr>
-        </p15:guide>
-        <p15:guide id="2" pos="2880">
-          <p15:clr>
-            <a:srgbClr val="A4A3A4"/>
-          </p15:clr>
-        </p15:guide>
-      </p15:sldGuideLst>
-    </p:ext>
-  </p:extLst>
 </p:presentation>
 </file>
 
@@ -269,7 +253,6 @@
           <a:p>
             <a:fld id="{ED7FCD99-416C-1E4C-91AE-7C710A194FD7}" type="datetimeFigureOut">
               <a:rPr lang="en-US" smtClean="0"/>
-              <a:t>3/8/18</a:t>
             </a:fld>
             <a:endParaRPr lang="en-US"/>
           </a:p>
@@ -335,18 +318,12 @@
           <a:p>
             <a:fld id="{58A862E9-1CCD-8547-8627-25483D0C94F3}" type="slidenum">
               <a:rPr lang="en-US" smtClean="0"/>
-              <a:t>‹#›</a:t>
             </a:fld>
             <a:endParaRPr lang="en-US"/>
           </a:p>
         </p:txBody>
       </p:sp>
     </p:spTree>
-    <p:extLst>
-      <p:ext uri="{BB962C8B-B14F-4D97-AF65-F5344CB8AC3E}">
-        <p14:creationId xmlns:p14="http://schemas.microsoft.com/office/powerpoint/2010/main" val="154114753"/>
-      </p:ext>
-    </p:extLst>
   </p:cSld>
   <p:clrMap bg1="lt1" tx1="dk1" bg2="lt2" tx2="dk2" accent1="accent1" accent2="accent2" accent3="accent3" accent4="accent4" accent5="accent5" accent6="accent6" hlink="hlink" folHlink="folHlink"/>
 </p:handoutMaster>
@@ -434,7 +411,6 @@
           <a:p>
             <a:fld id="{DC3489AC-15D1-D947-8A56-FBEC975101C8}" type="datetimeFigureOut">
               <a:rPr lang="en-US" smtClean="0"/>
-              <a:t>3/8/18</a:t>
             </a:fld>
             <a:endParaRPr lang="en-US"/>
           </a:p>
@@ -501,6 +477,7 @@
               <a:rPr lang="en-US" smtClean="0"/>
               <a:t>Click to edit Master text styles</a:t>
             </a:r>
+            <a:endParaRPr lang="en-US" smtClean="0"/>
           </a:p>
           <a:p>
             <a:pPr lvl="1"/>
@@ -508,6 +485,7 @@
               <a:rPr lang="en-US" smtClean="0"/>
               <a:t>Second level</a:t>
             </a:r>
+            <a:endParaRPr lang="en-US" smtClean="0"/>
           </a:p>
           <a:p>
             <a:pPr lvl="2"/>
@@ -515,6 +493,7 @@
               <a:rPr lang="en-US" smtClean="0"/>
               <a:t>Third level</a:t>
             </a:r>
+            <a:endParaRPr lang="en-US" smtClean="0"/>
           </a:p>
           <a:p>
             <a:pPr lvl="3"/>
@@ -522,6 +501,7 @@
               <a:rPr lang="en-US" smtClean="0"/>
               <a:t>Fourth level</a:t>
             </a:r>
+            <a:endParaRPr lang="en-US" smtClean="0"/>
           </a:p>
           <a:p>
             <a:pPr lvl="4"/>
@@ -593,18 +573,12 @@
           <a:p>
             <a:fld id="{3D487F6E-C39A-AB4E-8930-83723449EF7A}" type="slidenum">
               <a:rPr lang="en-US" smtClean="0"/>
-              <a:t>‹#›</a:t>
             </a:fld>
             <a:endParaRPr lang="en-US"/>
           </a:p>
         </p:txBody>
       </p:sp>
     </p:spTree>
-    <p:extLst>
-      <p:ext uri="{BB962C8B-B14F-4D97-AF65-F5344CB8AC3E}">
-        <p14:creationId xmlns:p14="http://schemas.microsoft.com/office/powerpoint/2010/main" val="2238033038"/>
-      </p:ext>
-    </p:extLst>
   </p:cSld>
   <p:clrMap bg1="lt1" tx1="dk1" bg2="lt2" tx2="dk2" accent1="accent1" accent2="accent2" accent3="accent3" accent4="accent4" accent5="accent5" accent6="accent6" hlink="hlink" folHlink="folHlink"/>
   <p:notesStyle>
@@ -798,6 +772,7 @@
               <a:rPr kumimoji="1" lang="en-US" altLang="zh-CN" baseline="0" dirty="0" smtClean="0"/>
               <a:t>OS.</a:t>
             </a:r>
+            <a:endParaRPr kumimoji="1" lang="en-US" altLang="zh-CN" baseline="0" dirty="0" smtClean="0"/>
           </a:p>
           <a:p>
             <a:r>
@@ -852,6 +827,7 @@
               <a:rPr kumimoji="1" lang="en-US" altLang="zh-CN" baseline="0" dirty="0" smtClean="0"/>
               <a:t>not?</a:t>
             </a:r>
+            <a:endParaRPr kumimoji="1" lang="en-US" altLang="zh-CN" baseline="0" dirty="0" smtClean="0"/>
           </a:p>
           <a:p>
             <a:r>
@@ -882,6 +858,7 @@
               <a:rPr kumimoji="1" lang="en-US" altLang="zh-CN" baseline="0" dirty="0" smtClean="0"/>
               <a:t>OS?</a:t>
             </a:r>
+            <a:endParaRPr kumimoji="1" lang="en-US" altLang="zh-CN" baseline="0" dirty="0" smtClean="0"/>
           </a:p>
           <a:p>
             <a:r>
@@ -984,6 +961,7 @@
               <a:rPr kumimoji="1" lang="en-US" altLang="zh-CN" baseline="0" dirty="0" smtClean="0"/>
               <a:t>ISA.</a:t>
             </a:r>
+            <a:endParaRPr kumimoji="1" lang="en-US" altLang="zh-CN" baseline="0" dirty="0" smtClean="0"/>
           </a:p>
           <a:p>
             <a:r>
@@ -1131,18 +1109,12 @@
           <a:p>
             <a:fld id="{3D487F6E-C39A-AB4E-8930-83723449EF7A}" type="slidenum">
               <a:rPr lang="en-US" smtClean="0"/>
-              <a:t>4</a:t>
             </a:fld>
             <a:endParaRPr lang="en-US"/>
           </a:p>
         </p:txBody>
       </p:sp>
     </p:spTree>
-    <p:extLst>
-      <p:ext uri="{BB962C8B-B14F-4D97-AF65-F5344CB8AC3E}">
-        <p14:creationId xmlns:p14="http://schemas.microsoft.com/office/powerpoint/2010/main" val="700696102"/>
-      </p:ext>
-    </p:extLst>
   </p:cSld>
   <p:clrMapOvr>
     <a:masterClrMapping/>
@@ -1197,7 +1169,7 @@
           <a:lstStyle/>
           <a:p>
             <a:pPr>
-              <a:buFont typeface="Arial" pitchFamily="34" charset="0"/>
+              <a:buFont typeface="Arial" panose="020B0604020202020204" pitchFamily="34" charset="0"/>
               <a:buChar char="•"/>
             </a:pPr>
             <a:r>
@@ -1232,6 +1204,7 @@
               <a:rPr lang="en-US" altLang="ko-KR" baseline="0" dirty="0" smtClean="0"/>
               <a:t>.</a:t>
             </a:r>
+            <a:endParaRPr lang="en-US" altLang="ko-KR" baseline="0" dirty="0" smtClean="0"/>
           </a:p>
           <a:p>
             <a:pPr marL="0" marR="0" lvl="1" indent="0" algn="l" defTabSz="457200" rtl="0" eaLnBrk="1" fontAlgn="auto" latinLnBrk="0" hangingPunct="1">
@@ -1246,9 +1219,8 @@
               </a:spcAft>
               <a:buClrTx/>
               <a:buSzTx/>
-              <a:buFont typeface="Arial" pitchFamily="34" charset="0"/>
+              <a:buFont typeface="Arial" panose="020B0604020202020204" pitchFamily="34" charset="0"/>
               <a:buChar char="•"/>
-              <a:tabLst/>
               <a:defRPr/>
             </a:pPr>
             <a:r>
@@ -1267,6 +1239,7 @@
               <a:rPr lang="en-US" altLang="ko-KR" dirty="0" smtClean="0"/>
               <a:t>.</a:t>
             </a:r>
+            <a:endParaRPr lang="en-US" altLang="ko-KR" dirty="0" smtClean="0"/>
           </a:p>
           <a:p>
             <a:pPr marL="0" marR="0" lvl="1" indent="0" algn="l" defTabSz="457200" rtl="0" eaLnBrk="1" fontAlgn="auto" latinLnBrk="0" hangingPunct="1">
@@ -1281,9 +1254,8 @@
               </a:spcAft>
               <a:buClrTx/>
               <a:buSzTx/>
-              <a:buFont typeface="Arial" pitchFamily="34" charset="0"/>
+              <a:buFont typeface="Arial" panose="020B0604020202020204" pitchFamily="34" charset="0"/>
               <a:buChar char="•"/>
-              <a:tabLst/>
               <a:defRPr/>
             </a:pPr>
             <a:r>
@@ -1334,19 +1306,12 @@
           <a:p>
             <a:fld id="{1BEE7376-8900-C74F-A3DA-A493F43D55D9}" type="slidenum">
               <a:rPr lang="en-US" smtClean="0"/>
-              <a:pPr/>
-              <a:t>43</a:t>
             </a:fld>
             <a:endParaRPr lang="en-US"/>
           </a:p>
         </p:txBody>
       </p:sp>
     </p:spTree>
-    <p:extLst>
-      <p:ext uri="{BB962C8B-B14F-4D97-AF65-F5344CB8AC3E}">
-        <p14:creationId xmlns:p14="http://schemas.microsoft.com/office/powerpoint/2010/main" val="4181018562"/>
-      </p:ext>
-    </p:extLst>
   </p:cSld>
   <p:clrMapOvr>
     <a:masterClrMapping/>
@@ -1414,13 +1379,13 @@
               <a:buSzTx/>
               <a:buFontTx/>
               <a:buNone/>
-              <a:tabLst/>
               <a:defRPr/>
             </a:pPr>
             <a:r>
               <a:rPr lang="en-US" altLang="ko-KR" dirty="0" smtClean="0"/>
               <a:t>Exokernel are much smaller than a normal kernel (monolithic kernel). They give more direct access to the hardware, thus removing most abstractions</a:t>
             </a:r>
+            <a:endParaRPr lang="en-US" altLang="ko-KR" dirty="0" smtClean="0"/>
           </a:p>
           <a:p>
             <a:endParaRPr lang="ko-KR" altLang="en-US" dirty="0"/>
@@ -1444,19 +1409,12 @@
           <a:p>
             <a:fld id="{1BEE7376-8900-C74F-A3DA-A493F43D55D9}" type="slidenum">
               <a:rPr lang="en-US" smtClean="0"/>
-              <a:pPr/>
-              <a:t>44</a:t>
             </a:fld>
             <a:endParaRPr lang="en-US"/>
           </a:p>
         </p:txBody>
       </p:sp>
     </p:spTree>
-    <p:extLst>
-      <p:ext uri="{BB962C8B-B14F-4D97-AF65-F5344CB8AC3E}">
-        <p14:creationId xmlns:p14="http://schemas.microsoft.com/office/powerpoint/2010/main" val="997123632"/>
-      </p:ext>
-    </p:extLst>
   </p:cSld>
   <p:clrMapOvr>
     <a:masterClrMapping/>
@@ -1531,19 +1489,12 @@
           <a:p>
             <a:fld id="{1BEE7376-8900-C74F-A3DA-A493F43D55D9}" type="slidenum">
               <a:rPr lang="en-US" smtClean="0"/>
-              <a:pPr/>
-              <a:t>45</a:t>
             </a:fld>
             <a:endParaRPr lang="en-US"/>
           </a:p>
         </p:txBody>
       </p:sp>
     </p:spTree>
-    <p:extLst>
-      <p:ext uri="{BB962C8B-B14F-4D97-AF65-F5344CB8AC3E}">
-        <p14:creationId xmlns:p14="http://schemas.microsoft.com/office/powerpoint/2010/main" val="1580099133"/>
-      </p:ext>
-    </p:extLst>
   </p:cSld>
   <p:clrMapOvr>
     <a:masterClrMapping/>
@@ -1618,19 +1569,12 @@
           <a:p>
             <a:fld id="{1BEE7376-8900-C74F-A3DA-A493F43D55D9}" type="slidenum">
               <a:rPr lang="en-US" smtClean="0"/>
-              <a:pPr/>
-              <a:t>46</a:t>
             </a:fld>
             <a:endParaRPr lang="en-US"/>
           </a:p>
         </p:txBody>
       </p:sp>
     </p:spTree>
-    <p:extLst>
-      <p:ext uri="{BB962C8B-B14F-4D97-AF65-F5344CB8AC3E}">
-        <p14:creationId xmlns:p14="http://schemas.microsoft.com/office/powerpoint/2010/main" val="423652899"/>
-      </p:ext>
-    </p:extLst>
   </p:cSld>
   <p:clrMapOvr>
     <a:masterClrMapping/>
@@ -1721,19 +1665,12 @@
           <a:p>
             <a:fld id="{1BEE7376-8900-C74F-A3DA-A493F43D55D9}" type="slidenum">
               <a:rPr lang="en-US" smtClean="0"/>
-              <a:pPr/>
-              <a:t>47</a:t>
             </a:fld>
             <a:endParaRPr lang="en-US"/>
           </a:p>
         </p:txBody>
       </p:sp>
     </p:spTree>
-    <p:extLst>
-      <p:ext uri="{BB962C8B-B14F-4D97-AF65-F5344CB8AC3E}">
-        <p14:creationId xmlns:p14="http://schemas.microsoft.com/office/powerpoint/2010/main" val="1436901881"/>
-      </p:ext>
-    </p:extLst>
   </p:cSld>
   <p:clrMapOvr>
     <a:masterClrMapping/>
@@ -1814,19 +1751,12 @@
           <a:p>
             <a:fld id="{1BEE7376-8900-C74F-A3DA-A493F43D55D9}" type="slidenum">
               <a:rPr lang="en-US" smtClean="0"/>
-              <a:pPr/>
-              <a:t>48</a:t>
             </a:fld>
             <a:endParaRPr lang="en-US"/>
           </a:p>
         </p:txBody>
       </p:sp>
     </p:spTree>
-    <p:extLst>
-      <p:ext uri="{BB962C8B-B14F-4D97-AF65-F5344CB8AC3E}">
-        <p14:creationId xmlns:p14="http://schemas.microsoft.com/office/powerpoint/2010/main" val="4073927963"/>
-      </p:ext>
-    </p:extLst>
   </p:cSld>
   <p:clrMapOvr>
     <a:masterClrMapping/>
@@ -1892,7 +1822,6 @@
               <a:buSzTx/>
               <a:buFontTx/>
               <a:buNone/>
-              <a:tabLst/>
               <a:defRPr/>
             </a:pPr>
             <a:r>
@@ -1920,19 +1849,12 @@
           <a:p>
             <a:fld id="{1BEE7376-8900-C74F-A3DA-A493F43D55D9}" type="slidenum">
               <a:rPr lang="en-US" smtClean="0"/>
-              <a:pPr/>
-              <a:t>49</a:t>
             </a:fld>
             <a:endParaRPr lang="en-US"/>
           </a:p>
         </p:txBody>
       </p:sp>
     </p:spTree>
-    <p:extLst>
-      <p:ext uri="{BB962C8B-B14F-4D97-AF65-F5344CB8AC3E}">
-        <p14:creationId xmlns:p14="http://schemas.microsoft.com/office/powerpoint/2010/main" val="1432161878"/>
-      </p:ext>
-    </p:extLst>
   </p:cSld>
   <p:clrMapOvr>
     <a:masterClrMapping/>
@@ -1998,7 +1920,6 @@
               <a:buSzTx/>
               <a:buFontTx/>
               <a:buNone/>
-              <a:tabLst/>
               <a:defRPr/>
             </a:pPr>
             <a:r>
@@ -2037,19 +1958,12 @@
           <a:p>
             <a:fld id="{1BEE7376-8900-C74F-A3DA-A493F43D55D9}" type="slidenum">
               <a:rPr lang="en-US" smtClean="0"/>
-              <a:pPr/>
-              <a:t>50</a:t>
             </a:fld>
             <a:endParaRPr lang="en-US"/>
           </a:p>
         </p:txBody>
       </p:sp>
     </p:spTree>
-    <p:extLst>
-      <p:ext uri="{BB962C8B-B14F-4D97-AF65-F5344CB8AC3E}">
-        <p14:creationId xmlns:p14="http://schemas.microsoft.com/office/powerpoint/2010/main" val="329496086"/>
-      </p:ext>
-    </p:extLst>
   </p:cSld>
   <p:clrMapOvr>
     <a:masterClrMapping/>
@@ -2117,7 +2031,6 @@
               <a:buSzTx/>
               <a:buFontTx/>
               <a:buNone/>
-              <a:tabLst/>
               <a:defRPr/>
             </a:pPr>
             <a:r>
@@ -2164,19 +2077,12 @@
           <a:p>
             <a:fld id="{1BEE7376-8900-C74F-A3DA-A493F43D55D9}" type="slidenum">
               <a:rPr lang="en-US" smtClean="0"/>
-              <a:pPr/>
-              <a:t>51</a:t>
             </a:fld>
             <a:endParaRPr lang="en-US"/>
           </a:p>
         </p:txBody>
       </p:sp>
     </p:spTree>
-    <p:extLst>
-      <p:ext uri="{BB962C8B-B14F-4D97-AF65-F5344CB8AC3E}">
-        <p14:creationId xmlns:p14="http://schemas.microsoft.com/office/powerpoint/2010/main" val="589041328"/>
-      </p:ext>
-    </p:extLst>
   </p:cSld>
   <p:clrMapOvr>
     <a:masterClrMapping/>
@@ -2299,19 +2205,12 @@
           <a:p>
             <a:fld id="{1BEE7376-8900-C74F-A3DA-A493F43D55D9}" type="slidenum">
               <a:rPr lang="en-US" smtClean="0"/>
-              <a:pPr/>
-              <a:t>52</a:t>
             </a:fld>
             <a:endParaRPr lang="en-US"/>
           </a:p>
         </p:txBody>
       </p:sp>
     </p:spTree>
-    <p:extLst>
-      <p:ext uri="{BB962C8B-B14F-4D97-AF65-F5344CB8AC3E}">
-        <p14:creationId xmlns:p14="http://schemas.microsoft.com/office/powerpoint/2010/main" val="2648883408"/>
-      </p:ext>
-    </p:extLst>
   </p:cSld>
   <p:clrMapOvr>
     <a:masterClrMapping/>
@@ -2468,18 +2367,12 @@
           <a:p>
             <a:fld id="{3D487F6E-C39A-AB4E-8930-83723449EF7A}" type="slidenum">
               <a:rPr lang="en-US" smtClean="0"/>
-              <a:t>7</a:t>
             </a:fld>
             <a:endParaRPr lang="en-US"/>
           </a:p>
         </p:txBody>
       </p:sp>
     </p:spTree>
-    <p:extLst>
-      <p:ext uri="{BB962C8B-B14F-4D97-AF65-F5344CB8AC3E}">
-        <p14:creationId xmlns:p14="http://schemas.microsoft.com/office/powerpoint/2010/main" val="167960637"/>
-      </p:ext>
-    </p:extLst>
   </p:cSld>
   <p:clrMapOvr>
     <a:masterClrMapping/>
@@ -2637,6 +2530,7 @@
               <a:rPr lang="en-US" altLang="zh-CN" baseline="0" dirty="0" smtClean="0"/>
               <a:t> which one has the best performance</a:t>
             </a:r>
+            <a:endParaRPr lang="en-US" altLang="zh-CN" baseline="0" dirty="0" smtClean="0"/>
           </a:p>
           <a:p>
             <a:r>
@@ -2664,18 +2558,12 @@
           <a:p>
             <a:fld id="{7F72C8B5-2FAE-A04D-A162-E918EBB94277}" type="slidenum">
               <a:rPr kumimoji="1" lang="zh-CN" altLang="en-US" smtClean="0"/>
-              <a:t>56</a:t>
             </a:fld>
             <a:endParaRPr kumimoji="1" lang="zh-CN" altLang="en-US"/>
           </a:p>
         </p:txBody>
       </p:sp>
     </p:spTree>
-    <p:extLst>
-      <p:ext uri="{BB962C8B-B14F-4D97-AF65-F5344CB8AC3E}">
-        <p14:creationId xmlns:p14="http://schemas.microsoft.com/office/powerpoint/2010/main" val="2024819240"/>
-      </p:ext>
-    </p:extLst>
   </p:cSld>
   <p:clrMapOvr>
     <a:masterClrMapping/>
@@ -2710,9 +2598,7 @@
             <p:ph type="sldImg"/>
           </p:nvPr>
         </p:nvSpPr>
-        <p:spPr>
-          <a:ln/>
-        </p:spPr>
+        <p:spPr/>
       </p:sp>
       <p:sp>
         <p:nvSpPr>
@@ -2912,15 +2798,13 @@
               </a:rPr>
               <a:t>。</a:t>
             </a:r>
+            <a:endParaRPr lang="zh-CN" altLang="en-US" dirty="0" smtClean="0">
+              <a:latin typeface="Times" pitchFamily="18" charset="0"/>
+            </a:endParaRPr>
           </a:p>
         </p:txBody>
       </p:sp>
     </p:spTree>
-    <p:extLst>
-      <p:ext uri="{BB962C8B-B14F-4D97-AF65-F5344CB8AC3E}">
-        <p14:creationId xmlns:p14="http://schemas.microsoft.com/office/powerpoint/2010/main" val="1095149267"/>
-      </p:ext>
-    </p:extLst>
   </p:cSld>
   <p:clrMapOvr>
     <a:masterClrMapping/>
@@ -2986,7 +2870,6 @@
               <a:buSzTx/>
               <a:buFontTx/>
               <a:buNone/>
-              <a:tabLst/>
               <a:defRPr/>
             </a:pPr>
             <a:r>
@@ -3014,7 +2897,6 @@
               <a:buSzTx/>
               <a:buFontTx/>
               <a:buNone/>
-              <a:tabLst/>
               <a:defRPr/>
             </a:pPr>
             <a:endParaRPr lang="en-US" altLang="zh-CN" sz="2800" dirty="0" smtClean="0"/>
@@ -3045,19 +2927,12 @@
           <a:p>
             <a:fld id="{1BEE7376-8900-C74F-A3DA-A493F43D55D9}" type="slidenum">
               <a:rPr lang="en-US" smtClean="0"/>
-              <a:pPr/>
-              <a:t>36</a:t>
             </a:fld>
             <a:endParaRPr lang="en-US"/>
           </a:p>
         </p:txBody>
       </p:sp>
     </p:spTree>
-    <p:extLst>
-      <p:ext uri="{BB962C8B-B14F-4D97-AF65-F5344CB8AC3E}">
-        <p14:creationId xmlns:p14="http://schemas.microsoft.com/office/powerpoint/2010/main" val="74162682"/>
-      </p:ext>
-    </p:extLst>
   </p:cSld>
   <p:clrMapOvr>
     <a:masterClrMapping/>
@@ -3132,19 +3007,12 @@
           <a:p>
             <a:fld id="{1BEE7376-8900-C74F-A3DA-A493F43D55D9}" type="slidenum">
               <a:rPr lang="en-US" smtClean="0"/>
-              <a:pPr/>
-              <a:t>37</a:t>
             </a:fld>
             <a:endParaRPr lang="en-US"/>
           </a:p>
         </p:txBody>
       </p:sp>
     </p:spTree>
-    <p:extLst>
-      <p:ext uri="{BB962C8B-B14F-4D97-AF65-F5344CB8AC3E}">
-        <p14:creationId xmlns:p14="http://schemas.microsoft.com/office/powerpoint/2010/main" val="4129817356"/>
-      </p:ext>
-    </p:extLst>
   </p:cSld>
   <p:clrMapOvr>
     <a:masterClrMapping/>
@@ -3219,19 +3087,12 @@
           <a:p>
             <a:fld id="{1BEE7376-8900-C74F-A3DA-A493F43D55D9}" type="slidenum">
               <a:rPr lang="en-US" smtClean="0"/>
-              <a:pPr/>
-              <a:t>38</a:t>
             </a:fld>
             <a:endParaRPr lang="en-US"/>
           </a:p>
         </p:txBody>
       </p:sp>
     </p:spTree>
-    <p:extLst>
-      <p:ext uri="{BB962C8B-B14F-4D97-AF65-F5344CB8AC3E}">
-        <p14:creationId xmlns:p14="http://schemas.microsoft.com/office/powerpoint/2010/main" val="3628970803"/>
-      </p:ext>
-    </p:extLst>
   </p:cSld>
   <p:clrMapOvr>
     <a:masterClrMapping/>
@@ -3304,19 +3165,12 @@
           <a:p>
             <a:fld id="{1BEE7376-8900-C74F-A3DA-A493F43D55D9}" type="slidenum">
               <a:rPr lang="en-US" smtClean="0"/>
-              <a:pPr/>
-              <a:t>39</a:t>
             </a:fld>
             <a:endParaRPr lang="en-US"/>
           </a:p>
         </p:txBody>
       </p:sp>
     </p:spTree>
-    <p:extLst>
-      <p:ext uri="{BB962C8B-B14F-4D97-AF65-F5344CB8AC3E}">
-        <p14:creationId xmlns:p14="http://schemas.microsoft.com/office/powerpoint/2010/main" val="1513384183"/>
-      </p:ext>
-    </p:extLst>
   </p:cSld>
   <p:clrMapOvr>
     <a:masterClrMapping/>
@@ -3382,9 +3236,8 @@
               </a:spcAft>
               <a:buClrTx/>
               <a:buSzTx/>
-              <a:buFont typeface="Arial" pitchFamily="34" charset="0"/>
+              <a:buFont typeface="Arial" panose="020B0604020202020204" pitchFamily="34" charset="0"/>
               <a:buChar char="•"/>
-              <a:tabLst/>
               <a:defRPr/>
             </a:pPr>
             <a:r>
@@ -3442,15 +3295,15 @@
               </a:spcAft>
               <a:buClrTx/>
               <a:buSzTx/>
-              <a:buFont typeface="Arial" pitchFamily="34" charset="0"/>
+              <a:buFont typeface="Arial" panose="020B0604020202020204" pitchFamily="34" charset="0"/>
               <a:buChar char="•"/>
-              <a:tabLst/>
               <a:defRPr/>
             </a:pPr>
             <a:r>
               <a:rPr lang="en-US" altLang="ko-KR" dirty="0" smtClean="0"/>
               <a:t> One option is to remove the kernel completely and program directly to the hardware, but then the entire machine would be dedicated to the application being written</a:t>
             </a:r>
+            <a:endParaRPr lang="en-US" altLang="ko-KR" dirty="0" smtClean="0"/>
           </a:p>
           <a:p>
             <a:pPr marL="0" marR="0" lvl="1" indent="0" algn="l" defTabSz="457200" rtl="0" eaLnBrk="1" fontAlgn="auto" latinLnBrk="0" hangingPunct="1">
@@ -3465,15 +3318,15 @@
               </a:spcAft>
               <a:buClrTx/>
               <a:buSzTx/>
-              <a:buFont typeface="Arial" pitchFamily="34" charset="0"/>
+              <a:buFont typeface="Arial" panose="020B0604020202020204" pitchFamily="34" charset="0"/>
               <a:buChar char="•"/>
-              <a:tabLst/>
               <a:defRPr/>
             </a:pPr>
             <a:r>
               <a:rPr lang="en-US" altLang="ko-KR" dirty="0" smtClean="0"/>
               <a:t> Exokernel concept is a compromise</a:t>
             </a:r>
+            <a:endParaRPr lang="en-US" altLang="ko-KR" dirty="0" smtClean="0"/>
           </a:p>
           <a:p>
             <a:pPr marL="0" marR="0" lvl="1" indent="0" algn="l" defTabSz="457200" rtl="0" eaLnBrk="1" fontAlgn="auto" latinLnBrk="0" hangingPunct="1">
@@ -3488,9 +3341,8 @@
               </a:spcAft>
               <a:buClrTx/>
               <a:buSzTx/>
-              <a:buFont typeface="Arial" pitchFamily="34" charset="0"/>
+              <a:buFont typeface="Arial" panose="020B0604020202020204" pitchFamily="34" charset="0"/>
               <a:buChar char="•"/>
-              <a:tabLst/>
               <a:defRPr/>
             </a:pPr>
             <a:endParaRPr lang="en-US" altLang="ko-KR" dirty="0" smtClean="0"/>
@@ -3517,19 +3369,12 @@
           <a:p>
             <a:fld id="{1BEE7376-8900-C74F-A3DA-A493F43D55D9}" type="slidenum">
               <a:rPr lang="en-US" smtClean="0"/>
-              <a:pPr/>
-              <a:t>41</a:t>
             </a:fld>
             <a:endParaRPr lang="en-US"/>
           </a:p>
         </p:txBody>
       </p:sp>
     </p:spTree>
-    <p:extLst>
-      <p:ext uri="{BB962C8B-B14F-4D97-AF65-F5344CB8AC3E}">
-        <p14:creationId xmlns:p14="http://schemas.microsoft.com/office/powerpoint/2010/main" val="2147509117"/>
-      </p:ext>
-    </p:extLst>
   </p:cSld>
   <p:clrMapOvr>
     <a:masterClrMapping/>
@@ -3584,7 +3429,7 @@
           <a:lstStyle/>
           <a:p>
             <a:pPr>
-              <a:buFont typeface="Arial" pitchFamily="34" charset="0"/>
+              <a:buFont typeface="Arial" panose="020B0604020202020204" pitchFamily="34" charset="0"/>
               <a:buChar char="•"/>
             </a:pPr>
             <a:r>
@@ -3627,7 +3472,7 @@
           </a:p>
           <a:p>
             <a:pPr>
-              <a:buFont typeface="Arial" pitchFamily="34" charset="0"/>
+              <a:buFont typeface="Arial" panose="020B0604020202020204" pitchFamily="34" charset="0"/>
               <a:buChar char="•"/>
             </a:pPr>
             <a:r>
@@ -3638,10 +3483,11 @@
               <a:rPr lang="en-US" altLang="ko-KR" baseline="0" dirty="0" smtClean="0"/>
               <a:t> to a support library that implements the abstractions it needs ( or it can implements its own).</a:t>
             </a:r>
+            <a:endParaRPr lang="en-US" altLang="ko-KR" baseline="0" dirty="0" smtClean="0"/>
           </a:p>
           <a:p>
             <a:pPr>
-              <a:buFont typeface="Arial" pitchFamily="34" charset="0"/>
+              <a:buFont typeface="Arial" panose="020B0604020202020204" pitchFamily="34" charset="0"/>
               <a:buChar char="•"/>
             </a:pPr>
             <a:r>
@@ -3668,10 +3514,11 @@
               <a:rPr lang="ko-KR" altLang="en-US" dirty="0" smtClean="0"/>
               <a:t>하다</a:t>
             </a:r>
+            <a:endParaRPr lang="ko-KR" altLang="en-US" dirty="0" smtClean="0"/>
           </a:p>
           <a:p>
             <a:pPr>
-              <a:buFont typeface="Arial" pitchFamily="34" charset="0"/>
+              <a:buFont typeface="Arial" panose="020B0604020202020204" pitchFamily="34" charset="0"/>
               <a:buChar char="•"/>
             </a:pPr>
             <a:r>
@@ -3686,20 +3533,22 @@
               <a:rPr lang="en-US" altLang="ko-KR" dirty="0" smtClean="0"/>
               <a:t>’ implementation of message passing</a:t>
             </a:r>
+            <a:endParaRPr lang="en-US" altLang="ko-KR" dirty="0" smtClean="0"/>
           </a:p>
           <a:p>
             <a:pPr>
-              <a:buFont typeface="Arial" pitchFamily="34" charset="0"/>
+              <a:buFont typeface="Arial" panose="020B0604020202020204" pitchFamily="34" charset="0"/>
               <a:buChar char="•"/>
             </a:pPr>
             <a:r>
               <a:rPr lang="en-US" altLang="ko-KR" dirty="0" smtClean="0"/>
               <a:t> Monolithic kernels; implementation of abstractions</a:t>
             </a:r>
+            <a:endParaRPr lang="en-US" altLang="ko-KR" dirty="0" smtClean="0"/>
           </a:p>
           <a:p>
             <a:pPr>
-              <a:buFont typeface="Arial" pitchFamily="34" charset="0"/>
+              <a:buFont typeface="Arial" panose="020B0604020202020204" pitchFamily="34" charset="0"/>
               <a:buChar char="•"/>
             </a:pPr>
             <a:r>
@@ -3738,19 +3587,12 @@
           <a:p>
             <a:fld id="{1BEE7376-8900-C74F-A3DA-A493F43D55D9}" type="slidenum">
               <a:rPr lang="en-US" smtClean="0"/>
-              <a:pPr/>
-              <a:t>42</a:t>
             </a:fld>
             <a:endParaRPr lang="en-US"/>
           </a:p>
         </p:txBody>
       </p:sp>
     </p:spTree>
-    <p:extLst>
-      <p:ext uri="{BB962C8B-B14F-4D97-AF65-F5344CB8AC3E}">
-        <p14:creationId xmlns:p14="http://schemas.microsoft.com/office/powerpoint/2010/main" val="3555972138"/>
-      </p:ext>
-    </p:extLst>
   </p:cSld>
   <p:clrMapOvr>
     <a:masterClrMapping/>
@@ -3939,7 +3781,6 @@
           <a:p>
             <a:fld id="{1D7E7FC8-D600-B146-BD60-E8C3D9C16429}" type="datetimeFigureOut">
               <a:rPr lang="en-US" smtClean="0"/>
-              <a:t>3/8/18</a:t>
             </a:fld>
             <a:endParaRPr lang="en-US"/>
           </a:p>
@@ -3981,7 +3822,6 @@
           <a:p>
             <a:fld id="{CF24911A-08D5-C549-A319-21F36147472E}" type="slidenum">
               <a:rPr lang="en-US" smtClean="0"/>
-              <a:t>‹#›</a:t>
             </a:fld>
             <a:endParaRPr lang="en-US"/>
           </a:p>
@@ -4055,6 +3895,7 @@
               <a:rPr lang="en-US" smtClean="0"/>
               <a:t>Click to edit Master text styles</a:t>
             </a:r>
+            <a:endParaRPr lang="en-US" smtClean="0"/>
           </a:p>
           <a:p>
             <a:pPr lvl="1"/>
@@ -4062,6 +3903,7 @@
               <a:rPr lang="en-US" smtClean="0"/>
               <a:t>Second level</a:t>
             </a:r>
+            <a:endParaRPr lang="en-US" smtClean="0"/>
           </a:p>
           <a:p>
             <a:pPr lvl="2"/>
@@ -4069,6 +3911,7 @@
               <a:rPr lang="en-US" smtClean="0"/>
               <a:t>Third level</a:t>
             </a:r>
+            <a:endParaRPr lang="en-US" smtClean="0"/>
           </a:p>
           <a:p>
             <a:pPr lvl="3"/>
@@ -4076,6 +3919,7 @@
               <a:rPr lang="en-US" smtClean="0"/>
               <a:t>Fourth level</a:t>
             </a:r>
+            <a:endParaRPr lang="en-US" smtClean="0"/>
           </a:p>
           <a:p>
             <a:pPr lvl="4"/>
@@ -4104,7 +3948,6 @@
           <a:p>
             <a:fld id="{1D7E7FC8-D600-B146-BD60-E8C3D9C16429}" type="datetimeFigureOut">
               <a:rPr lang="en-US" smtClean="0"/>
-              <a:t>3/8/18</a:t>
             </a:fld>
             <a:endParaRPr lang="en-US"/>
           </a:p>
@@ -4146,7 +3989,6 @@
           <a:p>
             <a:fld id="{CF24911A-08D5-C549-A319-21F36147472E}" type="slidenum">
               <a:rPr lang="en-US" smtClean="0"/>
-              <a:t>‹#›</a:t>
             </a:fld>
             <a:endParaRPr lang="en-US"/>
           </a:p>
@@ -4230,6 +4072,7 @@
               <a:rPr lang="en-US" smtClean="0"/>
               <a:t>Click to edit Master text styles</a:t>
             </a:r>
+            <a:endParaRPr lang="en-US" smtClean="0"/>
           </a:p>
           <a:p>
             <a:pPr lvl="1"/>
@@ -4237,6 +4080,7 @@
               <a:rPr lang="en-US" smtClean="0"/>
               <a:t>Second level</a:t>
             </a:r>
+            <a:endParaRPr lang="en-US" smtClean="0"/>
           </a:p>
           <a:p>
             <a:pPr lvl="2"/>
@@ -4244,6 +4088,7 @@
               <a:rPr lang="en-US" smtClean="0"/>
               <a:t>Third level</a:t>
             </a:r>
+            <a:endParaRPr lang="en-US" smtClean="0"/>
           </a:p>
           <a:p>
             <a:pPr lvl="3"/>
@@ -4251,6 +4096,7 @@
               <a:rPr lang="en-US" smtClean="0"/>
               <a:t>Fourth level</a:t>
             </a:r>
+            <a:endParaRPr lang="en-US" smtClean="0"/>
           </a:p>
           <a:p>
             <a:pPr lvl="4"/>
@@ -4279,7 +4125,6 @@
           <a:p>
             <a:fld id="{1D7E7FC8-D600-B146-BD60-E8C3D9C16429}" type="datetimeFigureOut">
               <a:rPr lang="en-US" smtClean="0"/>
-              <a:t>3/8/18</a:t>
             </a:fld>
             <a:endParaRPr lang="en-US"/>
           </a:p>
@@ -4321,7 +4166,6 @@
           <a:p>
             <a:fld id="{CF24911A-08D5-C549-A319-21F36147472E}" type="slidenum">
               <a:rPr lang="en-US" smtClean="0"/>
-              <a:t>‹#›</a:t>
             </a:fld>
             <a:endParaRPr lang="en-US"/>
           </a:p>
@@ -4395,6 +4239,7 @@
               <a:rPr lang="en-US" smtClean="0"/>
               <a:t>Click to edit Master text styles</a:t>
             </a:r>
+            <a:endParaRPr lang="en-US" smtClean="0"/>
           </a:p>
           <a:p>
             <a:pPr lvl="1"/>
@@ -4402,6 +4247,7 @@
               <a:rPr lang="en-US" smtClean="0"/>
               <a:t>Second level</a:t>
             </a:r>
+            <a:endParaRPr lang="en-US" smtClean="0"/>
           </a:p>
           <a:p>
             <a:pPr lvl="2"/>
@@ -4409,6 +4255,7 @@
               <a:rPr lang="en-US" smtClean="0"/>
               <a:t>Third level</a:t>
             </a:r>
+            <a:endParaRPr lang="en-US" smtClean="0"/>
           </a:p>
           <a:p>
             <a:pPr lvl="3"/>
@@ -4416,6 +4263,7 @@
               <a:rPr lang="en-US" smtClean="0"/>
               <a:t>Fourth level</a:t>
             </a:r>
+            <a:endParaRPr lang="en-US" smtClean="0"/>
           </a:p>
           <a:p>
             <a:pPr lvl="4"/>
@@ -4444,7 +4292,6 @@
           <a:p>
             <a:fld id="{1D7E7FC8-D600-B146-BD60-E8C3D9C16429}" type="datetimeFigureOut">
               <a:rPr lang="en-US" smtClean="0"/>
-              <a:t>3/8/18</a:t>
             </a:fld>
             <a:endParaRPr lang="en-US"/>
           </a:p>
@@ -4486,7 +4333,6 @@
           <a:p>
             <a:fld id="{CF24911A-08D5-C549-A319-21F36147472E}" type="slidenum">
               <a:rPr lang="en-US" smtClean="0"/>
-              <a:t>‹#›</a:t>
             </a:fld>
             <a:endParaRPr lang="en-US"/>
           </a:p>
@@ -4665,6 +4511,7 @@
               <a:rPr lang="en-US" smtClean="0"/>
               <a:t>Click to edit Master text styles</a:t>
             </a:r>
+            <a:endParaRPr lang="en-US" smtClean="0"/>
           </a:p>
         </p:txBody>
       </p:sp>
@@ -4685,7 +4532,6 @@
           <a:p>
             <a:fld id="{1D7E7FC8-D600-B146-BD60-E8C3D9C16429}" type="datetimeFigureOut">
               <a:rPr lang="en-US" smtClean="0"/>
-              <a:t>3/8/18</a:t>
             </a:fld>
             <a:endParaRPr lang="en-US"/>
           </a:p>
@@ -4727,7 +4573,6 @@
           <a:p>
             <a:fld id="{CF24911A-08D5-C549-A319-21F36147472E}" type="slidenum">
               <a:rPr lang="en-US" smtClean="0"/>
-              <a:t>‹#›</a:t>
             </a:fld>
             <a:endParaRPr lang="en-US"/>
           </a:p>
@@ -4834,6 +4679,7 @@
               <a:rPr lang="en-US" smtClean="0"/>
               <a:t>Click to edit Master text styles</a:t>
             </a:r>
+            <a:endParaRPr lang="en-US" smtClean="0"/>
           </a:p>
           <a:p>
             <a:pPr lvl="1"/>
@@ -4841,6 +4687,7 @@
               <a:rPr lang="en-US" smtClean="0"/>
               <a:t>Second level</a:t>
             </a:r>
+            <a:endParaRPr lang="en-US" smtClean="0"/>
           </a:p>
           <a:p>
             <a:pPr lvl="2"/>
@@ -4848,6 +4695,7 @@
               <a:rPr lang="en-US" smtClean="0"/>
               <a:t>Third level</a:t>
             </a:r>
+            <a:endParaRPr lang="en-US" smtClean="0"/>
           </a:p>
           <a:p>
             <a:pPr lvl="3"/>
@@ -4855,6 +4703,7 @@
               <a:rPr lang="en-US" smtClean="0"/>
               <a:t>Fourth level</a:t>
             </a:r>
+            <a:endParaRPr lang="en-US" smtClean="0"/>
           </a:p>
           <a:p>
             <a:pPr lvl="4"/>
@@ -4919,6 +4768,7 @@
               <a:rPr lang="en-US" smtClean="0"/>
               <a:t>Click to edit Master text styles</a:t>
             </a:r>
+            <a:endParaRPr lang="en-US" smtClean="0"/>
           </a:p>
           <a:p>
             <a:pPr lvl="1"/>
@@ -4926,6 +4776,7 @@
               <a:rPr lang="en-US" smtClean="0"/>
               <a:t>Second level</a:t>
             </a:r>
+            <a:endParaRPr lang="en-US" smtClean="0"/>
           </a:p>
           <a:p>
             <a:pPr lvl="2"/>
@@ -4933,6 +4784,7 @@
               <a:rPr lang="en-US" smtClean="0"/>
               <a:t>Third level</a:t>
             </a:r>
+            <a:endParaRPr lang="en-US" smtClean="0"/>
           </a:p>
           <a:p>
             <a:pPr lvl="3"/>
@@ -4940,6 +4792,7 @@
               <a:rPr lang="en-US" smtClean="0"/>
               <a:t>Fourth level</a:t>
             </a:r>
+            <a:endParaRPr lang="en-US" smtClean="0"/>
           </a:p>
           <a:p>
             <a:pPr lvl="4"/>
@@ -4968,7 +4821,6 @@
           <a:p>
             <a:fld id="{1D7E7FC8-D600-B146-BD60-E8C3D9C16429}" type="datetimeFigureOut">
               <a:rPr lang="en-US" smtClean="0"/>
-              <a:t>3/8/18</a:t>
             </a:fld>
             <a:endParaRPr lang="en-US"/>
           </a:p>
@@ -5010,7 +4862,6 @@
           <a:p>
             <a:fld id="{CF24911A-08D5-C549-A319-21F36147472E}" type="slidenum">
               <a:rPr lang="en-US" smtClean="0"/>
-              <a:t>‹#›</a:t>
             </a:fld>
             <a:endParaRPr lang="en-US"/>
           </a:p>
@@ -5130,6 +4981,7 @@
               <a:rPr lang="en-US" smtClean="0"/>
               <a:t>Click to edit Master text styles</a:t>
             </a:r>
+            <a:endParaRPr lang="en-US" smtClean="0"/>
           </a:p>
         </p:txBody>
       </p:sp>
@@ -5186,6 +5038,7 @@
               <a:rPr lang="en-US" smtClean="0"/>
               <a:t>Click to edit Master text styles</a:t>
             </a:r>
+            <a:endParaRPr lang="en-US" smtClean="0"/>
           </a:p>
           <a:p>
             <a:pPr lvl="1"/>
@@ -5193,6 +5046,7 @@
               <a:rPr lang="en-US" smtClean="0"/>
               <a:t>Second level</a:t>
             </a:r>
+            <a:endParaRPr lang="en-US" smtClean="0"/>
           </a:p>
           <a:p>
             <a:pPr lvl="2"/>
@@ -5200,6 +5054,7 @@
               <a:rPr lang="en-US" smtClean="0"/>
               <a:t>Third level</a:t>
             </a:r>
+            <a:endParaRPr lang="en-US" smtClean="0"/>
           </a:p>
           <a:p>
             <a:pPr lvl="3"/>
@@ -5207,6 +5062,7 @@
               <a:rPr lang="en-US" smtClean="0"/>
               <a:t>Fourth level</a:t>
             </a:r>
+            <a:endParaRPr lang="en-US" smtClean="0"/>
           </a:p>
           <a:p>
             <a:pPr lvl="4"/>
@@ -5280,6 +5136,7 @@
               <a:rPr lang="en-US" smtClean="0"/>
               <a:t>Click to edit Master text styles</a:t>
             </a:r>
+            <a:endParaRPr lang="en-US" smtClean="0"/>
           </a:p>
         </p:txBody>
       </p:sp>
@@ -5336,6 +5193,7 @@
               <a:rPr lang="en-US" smtClean="0"/>
               <a:t>Click to edit Master text styles</a:t>
             </a:r>
+            <a:endParaRPr lang="en-US" smtClean="0"/>
           </a:p>
           <a:p>
             <a:pPr lvl="1"/>
@@ -5343,6 +5201,7 @@
               <a:rPr lang="en-US" smtClean="0"/>
               <a:t>Second level</a:t>
             </a:r>
+            <a:endParaRPr lang="en-US" smtClean="0"/>
           </a:p>
           <a:p>
             <a:pPr lvl="2"/>
@@ -5350,6 +5209,7 @@
               <a:rPr lang="en-US" smtClean="0"/>
               <a:t>Third level</a:t>
             </a:r>
+            <a:endParaRPr lang="en-US" smtClean="0"/>
           </a:p>
           <a:p>
             <a:pPr lvl="3"/>
@@ -5357,6 +5217,7 @@
               <a:rPr lang="en-US" smtClean="0"/>
               <a:t>Fourth level</a:t>
             </a:r>
+            <a:endParaRPr lang="en-US" smtClean="0"/>
           </a:p>
           <a:p>
             <a:pPr lvl="4"/>
@@ -5385,7 +5246,6 @@
           <a:p>
             <a:fld id="{1D7E7FC8-D600-B146-BD60-E8C3D9C16429}" type="datetimeFigureOut">
               <a:rPr lang="en-US" smtClean="0"/>
-              <a:t>3/8/18</a:t>
             </a:fld>
             <a:endParaRPr lang="en-US"/>
           </a:p>
@@ -5427,7 +5287,6 @@
           <a:p>
             <a:fld id="{CF24911A-08D5-C549-A319-21F36147472E}" type="slidenum">
               <a:rPr lang="en-US" smtClean="0"/>
-              <a:t>‹#›</a:t>
             </a:fld>
             <a:endParaRPr lang="en-US"/>
           </a:p>
@@ -5498,7 +5357,6 @@
           <a:p>
             <a:fld id="{1D7E7FC8-D600-B146-BD60-E8C3D9C16429}" type="datetimeFigureOut">
               <a:rPr lang="en-US" smtClean="0"/>
-              <a:t>3/8/18</a:t>
             </a:fld>
             <a:endParaRPr lang="en-US"/>
           </a:p>
@@ -5540,7 +5398,6 @@
           <a:p>
             <a:fld id="{CF24911A-08D5-C549-A319-21F36147472E}" type="slidenum">
               <a:rPr lang="en-US" smtClean="0"/>
-              <a:t>‹#›</a:t>
             </a:fld>
             <a:endParaRPr lang="en-US"/>
           </a:p>
@@ -5588,7 +5445,6 @@
           <a:p>
             <a:fld id="{1D7E7FC8-D600-B146-BD60-E8C3D9C16429}" type="datetimeFigureOut">
               <a:rPr lang="en-US" smtClean="0"/>
-              <a:t>3/8/18</a:t>
             </a:fld>
             <a:endParaRPr lang="en-US"/>
           </a:p>
@@ -5630,7 +5486,6 @@
           <a:p>
             <a:fld id="{CF24911A-08D5-C549-A319-21F36147472E}" type="slidenum">
               <a:rPr lang="en-US" smtClean="0"/>
-              <a:t>‹#›</a:t>
             </a:fld>
             <a:endParaRPr lang="en-US"/>
           </a:p>
@@ -5746,6 +5601,7 @@
               <a:rPr lang="en-US" smtClean="0"/>
               <a:t>Click to edit Master text styles</a:t>
             </a:r>
+            <a:endParaRPr lang="en-US" smtClean="0"/>
           </a:p>
           <a:p>
             <a:pPr lvl="1"/>
@@ -5753,6 +5609,7 @@
               <a:rPr lang="en-US" smtClean="0"/>
               <a:t>Second level</a:t>
             </a:r>
+            <a:endParaRPr lang="en-US" smtClean="0"/>
           </a:p>
           <a:p>
             <a:pPr lvl="2"/>
@@ -5760,6 +5617,7 @@
               <a:rPr lang="en-US" smtClean="0"/>
               <a:t>Third level</a:t>
             </a:r>
+            <a:endParaRPr lang="en-US" smtClean="0"/>
           </a:p>
           <a:p>
             <a:pPr lvl="3"/>
@@ -5767,6 +5625,7 @@
               <a:rPr lang="en-US" smtClean="0"/>
               <a:t>Fourth level</a:t>
             </a:r>
+            <a:endParaRPr lang="en-US" smtClean="0"/>
           </a:p>
           <a:p>
             <a:pPr lvl="4"/>
@@ -5840,6 +5699,7 @@
               <a:rPr lang="en-US" smtClean="0"/>
               <a:t>Click to edit Master text styles</a:t>
             </a:r>
+            <a:endParaRPr lang="en-US" smtClean="0"/>
           </a:p>
         </p:txBody>
       </p:sp>
@@ -5860,7 +5720,6 @@
           <a:p>
             <a:fld id="{1D7E7FC8-D600-B146-BD60-E8C3D9C16429}" type="datetimeFigureOut">
               <a:rPr lang="en-US" smtClean="0"/>
-              <a:t>3/8/18</a:t>
             </a:fld>
             <a:endParaRPr lang="en-US"/>
           </a:p>
@@ -5902,7 +5761,6 @@
           <a:p>
             <a:fld id="{CF24911A-08D5-C549-A319-21F36147472E}" type="slidenum">
               <a:rPr lang="en-US" smtClean="0"/>
-              <a:t>‹#›</a:t>
             </a:fld>
             <a:endParaRPr lang="en-US"/>
           </a:p>
@@ -5972,7 +5830,7 @@
             <a:spLocks noGrp="1"/>
           </p:cNvSpPr>
           <p:nvPr>
-            <p:ph type="pic" idx="1"/>
+            <p:ph type="pic" idx="1" hasCustomPrompt="1"/>
           </p:nvPr>
         </p:nvSpPr>
         <p:spPr>
@@ -6092,6 +5950,7 @@
               <a:rPr lang="en-US" smtClean="0"/>
               <a:t>Click to edit Master text styles</a:t>
             </a:r>
+            <a:endParaRPr lang="en-US" smtClean="0"/>
           </a:p>
         </p:txBody>
       </p:sp>
@@ -6112,7 +5971,6 @@
           <a:p>
             <a:fld id="{1D7E7FC8-D600-B146-BD60-E8C3D9C16429}" type="datetimeFigureOut">
               <a:rPr lang="en-US" smtClean="0"/>
-              <a:t>3/8/18</a:t>
             </a:fld>
             <a:endParaRPr lang="en-US"/>
           </a:p>
@@ -6154,7 +6012,6 @@
           <a:p>
             <a:fld id="{CF24911A-08D5-C549-A319-21F36147472E}" type="slidenum">
               <a:rPr lang="en-US" smtClean="0"/>
-              <a:t>‹#›</a:t>
             </a:fld>
             <a:endParaRPr lang="en-US"/>
           </a:p>
@@ -6253,6 +6110,7 @@
               <a:rPr lang="en-US" smtClean="0"/>
               <a:t>Click to edit Master text styles</a:t>
             </a:r>
+            <a:endParaRPr lang="en-US" smtClean="0"/>
           </a:p>
           <a:p>
             <a:pPr lvl="1"/>
@@ -6260,6 +6118,7 @@
               <a:rPr lang="en-US" smtClean="0"/>
               <a:t>Second level</a:t>
             </a:r>
+            <a:endParaRPr lang="en-US" smtClean="0"/>
           </a:p>
           <a:p>
             <a:pPr lvl="2"/>
@@ -6267,6 +6126,7 @@
               <a:rPr lang="en-US" smtClean="0"/>
               <a:t>Third level</a:t>
             </a:r>
+            <a:endParaRPr lang="en-US" smtClean="0"/>
           </a:p>
           <a:p>
             <a:pPr lvl="3"/>
@@ -6274,6 +6134,7 @@
               <a:rPr lang="en-US" smtClean="0"/>
               <a:t>Fourth level</a:t>
             </a:r>
+            <a:endParaRPr lang="en-US" smtClean="0"/>
           </a:p>
           <a:p>
             <a:pPr lvl="4"/>
@@ -6320,7 +6181,6 @@
           <a:p>
             <a:fld id="{1D7E7FC8-D600-B146-BD60-E8C3D9C16429}" type="datetimeFigureOut">
               <a:rPr lang="en-US" smtClean="0"/>
-              <a:t>3/8/18</a:t>
             </a:fld>
             <a:endParaRPr lang="en-US"/>
           </a:p>
@@ -6398,7 +6258,6 @@
           <a:p>
             <a:fld id="{CF24911A-08D5-C549-A319-21F36147472E}" type="slidenum">
               <a:rPr lang="en-US" smtClean="0"/>
-              <a:t>‹#›</a:t>
             </a:fld>
             <a:endParaRPr lang="en-US"/>
           </a:p>
@@ -6408,17 +6267,17 @@
   </p:cSld>
   <p:clrMap bg1="lt1" tx1="dk1" bg2="lt2" tx2="dk2" accent1="accent1" accent2="accent2" accent3="accent3" accent4="accent4" accent5="accent5" accent6="accent6" hlink="hlink" folHlink="folHlink"/>
   <p:sldLayoutIdLst>
-    <p:sldLayoutId id="2147483661" r:id="rId1"/>
-    <p:sldLayoutId id="2147483662" r:id="rId2"/>
-    <p:sldLayoutId id="2147483663" r:id="rId3"/>
-    <p:sldLayoutId id="2147483664" r:id="rId4"/>
-    <p:sldLayoutId id="2147483665" r:id="rId5"/>
-    <p:sldLayoutId id="2147483666" r:id="rId6"/>
-    <p:sldLayoutId id="2147483667" r:id="rId7"/>
-    <p:sldLayoutId id="2147483668" r:id="rId8"/>
-    <p:sldLayoutId id="2147483669" r:id="rId9"/>
-    <p:sldLayoutId id="2147483670" r:id="rId10"/>
-    <p:sldLayoutId id="2147483671" r:id="rId11"/>
+    <p:sldLayoutId id="2147483649" r:id="rId1"/>
+    <p:sldLayoutId id="2147483650" r:id="rId2"/>
+    <p:sldLayoutId id="2147483651" r:id="rId3"/>
+    <p:sldLayoutId id="2147483652" r:id="rId4"/>
+    <p:sldLayoutId id="2147483653" r:id="rId5"/>
+    <p:sldLayoutId id="2147483654" r:id="rId6"/>
+    <p:sldLayoutId id="2147483655" r:id="rId7"/>
+    <p:sldLayoutId id="2147483656" r:id="rId8"/>
+    <p:sldLayoutId id="2147483657" r:id="rId9"/>
+    <p:sldLayoutId id="2147483658" r:id="rId10"/>
+    <p:sldLayoutId id="2147483659" r:id="rId11"/>
   </p:sldLayoutIdLst>
   <p:txStyles>
     <p:titleStyle>
@@ -6431,9 +6290,9 @@
           <a:solidFill>
             <a:srgbClr val="3366FF"/>
           </a:solidFill>
-          <a:latin typeface="Tahoma"/>
+          <a:latin typeface="Tahoma" panose="020B0604030504040204"/>
           <a:ea typeface="+mj-ea"/>
-          <a:cs typeface="Tahoma"/>
+          <a:cs typeface="Tahoma" panose="020B0604030504040204"/>
         </a:defRPr>
       </a:lvl1pPr>
     </p:titleStyle>
@@ -6442,82 +6301,82 @@
         <a:spcBef>
           <a:spcPct val="20000"/>
         </a:spcBef>
-        <a:buFont typeface="Arial" pitchFamily="34" charset="0"/>
+        <a:buFont typeface="Arial" panose="020B0604020202020204" pitchFamily="34" charset="0"/>
         <a:buChar char="•"/>
         <a:defRPr sz="2800" kern="1200">
           <a:solidFill>
             <a:schemeClr val="tx1"/>
           </a:solidFill>
-          <a:latin typeface="Arial"/>
+          <a:latin typeface="Arial" panose="020B0604020202020204"/>
           <a:ea typeface="+mn-ea"/>
-          <a:cs typeface="Arial"/>
+          <a:cs typeface="Arial" panose="020B0604020202020204"/>
         </a:defRPr>
       </a:lvl1pPr>
       <a:lvl2pPr marL="742950" indent="-285750" algn="l" defTabSz="914400" rtl="0" eaLnBrk="1" latinLnBrk="0" hangingPunct="1">
         <a:spcBef>
           <a:spcPct val="20000"/>
         </a:spcBef>
-        <a:buFont typeface="Arial" pitchFamily="34" charset="0"/>
+        <a:buFont typeface="Arial" panose="020B0604020202020204" pitchFamily="34" charset="0"/>
         <a:buChar char="–"/>
         <a:defRPr sz="2400" kern="1200">
           <a:solidFill>
             <a:schemeClr val="tx1"/>
           </a:solidFill>
-          <a:latin typeface="Arial"/>
+          <a:latin typeface="Arial" panose="020B0604020202020204"/>
           <a:ea typeface="+mn-ea"/>
-          <a:cs typeface="Arial"/>
+          <a:cs typeface="Arial" panose="020B0604020202020204"/>
         </a:defRPr>
       </a:lvl2pPr>
       <a:lvl3pPr marL="1143000" indent="-228600" algn="l" defTabSz="914400" rtl="0" eaLnBrk="1" latinLnBrk="0" hangingPunct="1">
         <a:spcBef>
           <a:spcPct val="20000"/>
         </a:spcBef>
-        <a:buFont typeface="Arial" pitchFamily="34" charset="0"/>
+        <a:buFont typeface="Arial" panose="020B0604020202020204" pitchFamily="34" charset="0"/>
         <a:buChar char="•"/>
         <a:defRPr sz="2000" kern="1200">
           <a:solidFill>
             <a:schemeClr val="tx1"/>
           </a:solidFill>
-          <a:latin typeface="Arial"/>
+          <a:latin typeface="Arial" panose="020B0604020202020204"/>
           <a:ea typeface="+mn-ea"/>
-          <a:cs typeface="Arial"/>
+          <a:cs typeface="Arial" panose="020B0604020202020204"/>
         </a:defRPr>
       </a:lvl3pPr>
       <a:lvl4pPr marL="1600200" indent="-228600" algn="l" defTabSz="914400" rtl="0" eaLnBrk="1" latinLnBrk="0" hangingPunct="1">
         <a:spcBef>
           <a:spcPct val="20000"/>
         </a:spcBef>
-        <a:buFont typeface="Arial" pitchFamily="34" charset="0"/>
+        <a:buFont typeface="Arial" panose="020B0604020202020204" pitchFamily="34" charset="0"/>
         <a:buChar char="–"/>
         <a:defRPr sz="1800" kern="1200">
           <a:solidFill>
             <a:schemeClr val="tx1"/>
           </a:solidFill>
-          <a:latin typeface="Arial"/>
+          <a:latin typeface="Arial" panose="020B0604020202020204"/>
           <a:ea typeface="+mn-ea"/>
-          <a:cs typeface="Arial"/>
+          <a:cs typeface="Arial" panose="020B0604020202020204"/>
         </a:defRPr>
       </a:lvl4pPr>
       <a:lvl5pPr marL="2057400" indent="-228600" algn="l" defTabSz="914400" rtl="0" eaLnBrk="1" latinLnBrk="0" hangingPunct="1">
         <a:spcBef>
           <a:spcPct val="20000"/>
         </a:spcBef>
-        <a:buFont typeface="Arial" pitchFamily="34" charset="0"/>
+        <a:buFont typeface="Arial" panose="020B0604020202020204" pitchFamily="34" charset="0"/>
         <a:buChar char="»"/>
         <a:defRPr sz="1800" kern="1200">
           <a:solidFill>
             <a:schemeClr val="tx1"/>
           </a:solidFill>
-          <a:latin typeface="Arial"/>
+          <a:latin typeface="Arial" panose="020B0604020202020204"/>
           <a:ea typeface="+mn-ea"/>
-          <a:cs typeface="Arial"/>
+          <a:cs typeface="Arial" panose="020B0604020202020204"/>
         </a:defRPr>
       </a:lvl5pPr>
       <a:lvl6pPr marL="2514600" indent="-228600" algn="l" defTabSz="914400" rtl="0" eaLnBrk="1" latinLnBrk="0" hangingPunct="1">
         <a:spcBef>
           <a:spcPct val="20000"/>
         </a:spcBef>
-        <a:buFont typeface="Arial" pitchFamily="34" charset="0"/>
+        <a:buFont typeface="Arial" panose="020B0604020202020204" pitchFamily="34" charset="0"/>
         <a:buChar char="•"/>
         <a:defRPr sz="2000" kern="1200">
           <a:solidFill>
@@ -6532,7 +6391,7 @@
         <a:spcBef>
           <a:spcPct val="20000"/>
         </a:spcBef>
-        <a:buFont typeface="Arial" pitchFamily="34" charset="0"/>
+        <a:buFont typeface="Arial" panose="020B0604020202020204" pitchFamily="34" charset="0"/>
         <a:buChar char="•"/>
         <a:defRPr sz="2000" kern="1200">
           <a:solidFill>
@@ -6547,7 +6406,7 @@
         <a:spcBef>
           <a:spcPct val="20000"/>
         </a:spcBef>
-        <a:buFont typeface="Arial" pitchFamily="34" charset="0"/>
+        <a:buFont typeface="Arial" panose="020B0604020202020204" pitchFamily="34" charset="0"/>
         <a:buChar char="•"/>
         <a:defRPr sz="2000" kern="1200">
           <a:solidFill>
@@ -6562,7 +6421,7 @@
         <a:spcBef>
           <a:spcPct val="20000"/>
         </a:spcBef>
-        <a:buFont typeface="Arial" pitchFamily="34" charset="0"/>
+        <a:buFont typeface="Arial" panose="020B0604020202020204" pitchFamily="34" charset="0"/>
         <a:buChar char="•"/>
         <a:defRPr sz="2000" kern="1200">
           <a:solidFill>
@@ -6757,11 +6616,6 @@
         </p:txBody>
       </p:sp>
     </p:spTree>
-    <p:extLst>
-      <p:ext uri="{BB962C8B-B14F-4D97-AF65-F5344CB8AC3E}">
-        <p14:creationId xmlns:p14="http://schemas.microsoft.com/office/powerpoint/2010/main" val="1133277693"/>
-      </p:ext>
-    </p:extLst>
   </p:cSld>
   <p:clrMapOvr>
     <a:masterClrMapping/>
@@ -6815,10 +6669,13 @@
           <a:p>
             <a:r>
               <a:rPr lang="en-US" altLang="zh-CN" smtClean="0">
-                <a:ea typeface="宋体" charset="-122"/>
+                <a:ea typeface="宋体" panose="02010600030101010101" pitchFamily="2" charset="-122"/>
               </a:rPr>
               <a:t>Layered Approach</a:t>
             </a:r>
+            <a:endParaRPr lang="en-US" altLang="zh-CN" smtClean="0">
+              <a:ea typeface="宋体" panose="02010600030101010101" pitchFamily="2" charset="-122"/>
+            </a:endParaRPr>
           </a:p>
         </p:txBody>
       </p:sp>
@@ -6847,10 +6704,13 @@
             </a:pPr>
             <a:r>
               <a:rPr lang="en-US" altLang="zh-CN" dirty="0" smtClean="0">
-                <a:ea typeface="宋体" charset="-122"/>
+                <a:ea typeface="宋体" panose="02010600030101010101" pitchFamily="2" charset="-122"/>
               </a:rPr>
               <a:t>The operating system is divided into a number of layers (levels)</a:t>
             </a:r>
+            <a:endParaRPr lang="en-US" altLang="zh-CN" dirty="0" smtClean="0">
+              <a:ea typeface="宋体" panose="02010600030101010101" pitchFamily="2" charset="-122"/>
+            </a:endParaRPr>
           </a:p>
           <a:p>
             <a:pPr marL="457200" lvl="1" indent="0">
@@ -6858,16 +6718,19 @@
             </a:pPr>
             <a:r>
               <a:rPr lang="en-US" altLang="zh-CN" dirty="0">
-                <a:ea typeface="宋体" charset="-122"/>
+                <a:ea typeface="宋体" panose="02010600030101010101" pitchFamily="2" charset="-122"/>
               </a:rPr>
               <a:t>E</a:t>
             </a:r>
             <a:r>
               <a:rPr lang="en-US" altLang="zh-CN" dirty="0" smtClean="0">
-                <a:ea typeface="宋体" charset="-122"/>
+                <a:ea typeface="宋体" panose="02010600030101010101" pitchFamily="2" charset="-122"/>
               </a:rPr>
               <a:t>ach built on top of lower layers</a:t>
             </a:r>
+            <a:endParaRPr lang="en-US" altLang="zh-CN" dirty="0" smtClean="0">
+              <a:ea typeface="宋体" panose="02010600030101010101" pitchFamily="2" charset="-122"/>
+            </a:endParaRPr>
           </a:p>
           <a:p>
             <a:pPr marL="457200" lvl="1" indent="0">
@@ -6875,10 +6738,13 @@
             </a:pPr>
             <a:r>
               <a:rPr lang="en-US" altLang="zh-CN" dirty="0" smtClean="0">
-                <a:ea typeface="宋体" charset="-122"/>
+                <a:ea typeface="宋体" panose="02010600030101010101" pitchFamily="2" charset="-122"/>
               </a:rPr>
               <a:t>The bottom layer (layer 0), is the hardware</a:t>
             </a:r>
+            <a:endParaRPr lang="en-US" altLang="zh-CN" dirty="0" smtClean="0">
+              <a:ea typeface="宋体" panose="02010600030101010101" pitchFamily="2" charset="-122"/>
+            </a:endParaRPr>
           </a:p>
           <a:p>
             <a:pPr marL="457200" lvl="1" indent="0">
@@ -6886,23 +6752,26 @@
             </a:pPr>
             <a:r>
               <a:rPr lang="en-US" altLang="zh-CN" dirty="0">
-                <a:ea typeface="宋体" charset="-122"/>
+                <a:ea typeface="宋体" panose="02010600030101010101" pitchFamily="2" charset="-122"/>
               </a:rPr>
               <a:t>T</a:t>
             </a:r>
             <a:r>
               <a:rPr lang="en-US" altLang="zh-CN" dirty="0" smtClean="0">
-                <a:ea typeface="宋体" charset="-122"/>
+                <a:ea typeface="宋体" panose="02010600030101010101" pitchFamily="2" charset="-122"/>
               </a:rPr>
               <a:t>he highest (layer N) is the user interface</a:t>
             </a:r>
+            <a:endParaRPr lang="en-US" altLang="zh-CN" dirty="0" smtClean="0">
+              <a:ea typeface="宋体" panose="02010600030101010101" pitchFamily="2" charset="-122"/>
+            </a:endParaRPr>
           </a:p>
           <a:p>
             <a:pPr marL="0" indent="0">
               <a:buNone/>
             </a:pPr>
             <a:endParaRPr lang="en-US" altLang="zh-CN" dirty="0" smtClean="0">
-              <a:ea typeface="宋体" charset="-122"/>
+              <a:ea typeface="宋体" panose="02010600030101010101" pitchFamily="2" charset="-122"/>
             </a:endParaRPr>
           </a:p>
           <a:p>
@@ -6911,10 +6780,13 @@
             </a:pPr>
             <a:r>
               <a:rPr lang="en-US" altLang="zh-CN" dirty="0" smtClean="0">
-                <a:ea typeface="宋体" charset="-122"/>
+                <a:ea typeface="宋体" panose="02010600030101010101" pitchFamily="2" charset="-122"/>
               </a:rPr>
               <a:t>With modularity, layers are selected such that</a:t>
             </a:r>
+            <a:endParaRPr lang="en-US" altLang="zh-CN" dirty="0" smtClean="0">
+              <a:ea typeface="宋体" panose="02010600030101010101" pitchFamily="2" charset="-122"/>
+            </a:endParaRPr>
           </a:p>
           <a:p>
             <a:pPr marL="457200" lvl="1" indent="0">
@@ -6922,19 +6794,17 @@
             </a:pPr>
             <a:r>
               <a:rPr lang="en-US" altLang="zh-CN" dirty="0" smtClean="0">
-                <a:ea typeface="宋体" charset="-122"/>
+                <a:ea typeface="宋体" panose="02010600030101010101" pitchFamily="2" charset="-122"/>
               </a:rPr>
               <a:t>each uses functions (operations) and services of only lower-level layers</a:t>
             </a:r>
+            <a:endParaRPr lang="en-US" altLang="zh-CN" dirty="0" smtClean="0">
+              <a:ea typeface="宋体" panose="02010600030101010101" pitchFamily="2" charset="-122"/>
+            </a:endParaRPr>
           </a:p>
         </p:txBody>
       </p:sp>
     </p:spTree>
-    <p:extLst>
-      <p:ext uri="{BB962C8B-B14F-4D97-AF65-F5344CB8AC3E}">
-        <p14:creationId xmlns:p14="http://schemas.microsoft.com/office/powerpoint/2010/main" val="4247399656"/>
-      </p:ext>
-    </p:extLst>
   </p:cSld>
   <p:clrMapOvr>
     <a:masterClrMapping/>
@@ -6989,10 +6859,13 @@
           <a:p>
             <a:r>
               <a:rPr lang="en-US" altLang="zh-CN" smtClean="0">
-                <a:ea typeface="宋体" charset="-122"/>
+                <a:ea typeface="宋体" panose="02010600030101010101" pitchFamily="2" charset="-122"/>
               </a:rPr>
               <a:t>Layered Operating System</a:t>
             </a:r>
+            <a:endParaRPr lang="en-US" altLang="zh-CN" smtClean="0">
+              <a:ea typeface="宋体" panose="02010600030101010101" pitchFamily="2" charset="-122"/>
+            </a:endParaRPr>
           </a:p>
         </p:txBody>
       </p:sp>
@@ -7005,7 +6878,7 @@
           <p:nvPr/>
         </p:nvPicPr>
         <p:blipFill>
-          <a:blip r:embed="rId2" cstate="print"/>
+          <a:blip r:embed="rId1" cstate="print"/>
           <a:srcRect l="13089" t="708" r="13089" b="708"/>
           <a:stretch>
             <a:fillRect/>
@@ -7031,11 +6904,6 @@
         </p:spPr>
       </p:pic>
     </p:spTree>
-    <p:extLst>
-      <p:ext uri="{BB962C8B-B14F-4D97-AF65-F5344CB8AC3E}">
-        <p14:creationId xmlns:p14="http://schemas.microsoft.com/office/powerpoint/2010/main" val="4242154725"/>
-      </p:ext>
-    </p:extLst>
   </p:cSld>
   <p:clrMapOvr>
     <a:masterClrMapping/>
@@ -7092,12 +6960,12 @@
           <a:p>
             <a:r>
               <a:rPr lang="en-US" altLang="zh-CN" dirty="0" smtClean="0">
-                <a:ea typeface="宋体" charset="-122"/>
+                <a:ea typeface="宋体" panose="02010600030101010101" pitchFamily="2" charset="-122"/>
               </a:rPr>
               <a:t>UNIX</a:t>
             </a:r>
             <a:endParaRPr lang="en-US" altLang="zh-CN" sz="1800" dirty="0" smtClean="0">
-              <a:ea typeface="宋体" charset="-122"/>
+              <a:ea typeface="宋体" panose="02010600030101010101" pitchFamily="2" charset="-122"/>
             </a:endParaRPr>
           </a:p>
         </p:txBody>
@@ -7129,10 +6997,13 @@
             </a:pPr>
             <a:r>
               <a:rPr lang="en-US" altLang="zh-CN" dirty="0" smtClean="0">
-                <a:ea typeface="宋体" charset="-122"/>
+                <a:ea typeface="宋体" panose="02010600030101010101" pitchFamily="2" charset="-122"/>
               </a:rPr>
               <a:t>UNIX – limited by hardware functionality</a:t>
             </a:r>
+            <a:endParaRPr lang="en-US" altLang="zh-CN" dirty="0" smtClean="0">
+              <a:ea typeface="宋体" panose="02010600030101010101" pitchFamily="2" charset="-122"/>
+            </a:endParaRPr>
           </a:p>
           <a:p>
             <a:pPr marL="457200" lvl="1" indent="0">
@@ -7140,17 +7011,20 @@
             </a:pPr>
             <a:r>
               <a:rPr lang="en-US" altLang="zh-CN" dirty="0" smtClean="0">
-                <a:ea typeface="宋体" charset="-122"/>
+                <a:ea typeface="宋体" panose="02010600030101010101" pitchFamily="2" charset="-122"/>
               </a:rPr>
               <a:t>the original UNIX operating system had limited structuring.  </a:t>
             </a:r>
+            <a:endParaRPr lang="en-US" altLang="zh-CN" dirty="0" smtClean="0">
+              <a:ea typeface="宋体" panose="02010600030101010101" pitchFamily="2" charset="-122"/>
+            </a:endParaRPr>
           </a:p>
           <a:p>
             <a:pPr marL="0" indent="0">
               <a:buNone/>
             </a:pPr>
             <a:endParaRPr lang="en-US" altLang="zh-CN" dirty="0" smtClean="0">
-              <a:ea typeface="宋体" charset="-122"/>
+              <a:ea typeface="宋体" panose="02010600030101010101" pitchFamily="2" charset="-122"/>
             </a:endParaRPr>
           </a:p>
           <a:p>
@@ -7159,10 +7033,13 @@
             </a:pPr>
             <a:r>
               <a:rPr lang="en-US" altLang="zh-CN" dirty="0" smtClean="0">
-                <a:ea typeface="宋体" charset="-122"/>
+                <a:ea typeface="宋体" panose="02010600030101010101" pitchFamily="2" charset="-122"/>
               </a:rPr>
               <a:t>The UNIX OS consists of two separable parts</a:t>
             </a:r>
+            <a:endParaRPr lang="en-US" altLang="zh-CN" dirty="0" smtClean="0">
+              <a:ea typeface="宋体" panose="02010600030101010101" pitchFamily="2" charset="-122"/>
+            </a:endParaRPr>
           </a:p>
           <a:p>
             <a:pPr marL="457200" lvl="1" indent="0">
@@ -7170,10 +7047,13 @@
             </a:pPr>
             <a:r>
               <a:rPr lang="en-US" altLang="zh-CN" dirty="0" smtClean="0">
-                <a:ea typeface="宋体" charset="-122"/>
+                <a:ea typeface="宋体" panose="02010600030101010101" pitchFamily="2" charset="-122"/>
               </a:rPr>
               <a:t>Systems programs</a:t>
             </a:r>
+            <a:endParaRPr lang="en-US" altLang="zh-CN" dirty="0" smtClean="0">
+              <a:ea typeface="宋体" panose="02010600030101010101" pitchFamily="2" charset="-122"/>
+            </a:endParaRPr>
           </a:p>
           <a:p>
             <a:pPr marL="457200" lvl="1" indent="0">
@@ -7181,10 +7061,13 @@
             </a:pPr>
             <a:r>
               <a:rPr lang="en-US" altLang="zh-CN" dirty="0" smtClean="0">
-                <a:ea typeface="宋体" charset="-122"/>
+                <a:ea typeface="宋体" panose="02010600030101010101" pitchFamily="2" charset="-122"/>
               </a:rPr>
               <a:t>The kernel</a:t>
             </a:r>
+            <a:endParaRPr lang="en-US" altLang="zh-CN" dirty="0" smtClean="0">
+              <a:ea typeface="宋体" panose="02010600030101010101" pitchFamily="2" charset="-122"/>
+            </a:endParaRPr>
           </a:p>
           <a:p>
             <a:pPr marL="914400" lvl="2" indent="0">
@@ -7192,10 +7075,13 @@
             </a:pPr>
             <a:r>
               <a:rPr lang="en-US" altLang="zh-CN" sz="1800" dirty="0" smtClean="0">
-                <a:ea typeface="宋体" charset="-122"/>
+                <a:ea typeface="宋体" panose="02010600030101010101" pitchFamily="2" charset="-122"/>
               </a:rPr>
               <a:t>Consists of everything below the system-call interface and above the physical hardware</a:t>
             </a:r>
+            <a:endParaRPr lang="en-US" altLang="zh-CN" sz="1800" dirty="0" smtClean="0">
+              <a:ea typeface="宋体" panose="02010600030101010101" pitchFamily="2" charset="-122"/>
+            </a:endParaRPr>
           </a:p>
           <a:p>
             <a:pPr marL="914400" lvl="2" indent="0">
@@ -7203,19 +7089,17 @@
             </a:pPr>
             <a:r>
               <a:rPr lang="en-US" altLang="zh-CN" sz="1800" dirty="0" smtClean="0">
-                <a:ea typeface="宋体" charset="-122"/>
+                <a:ea typeface="宋体" panose="02010600030101010101" pitchFamily="2" charset="-122"/>
               </a:rPr>
               <a:t>Provides the file system, CPU scheduling, memory management, and other operating-system functions; a large number of functions for one level</a:t>
             </a:r>
+            <a:endParaRPr lang="en-US" altLang="zh-CN" sz="1800" dirty="0" smtClean="0">
+              <a:ea typeface="宋体" panose="02010600030101010101" pitchFamily="2" charset="-122"/>
+            </a:endParaRPr>
           </a:p>
         </p:txBody>
       </p:sp>
     </p:spTree>
-    <p:extLst>
-      <p:ext uri="{BB962C8B-B14F-4D97-AF65-F5344CB8AC3E}">
-        <p14:creationId xmlns:p14="http://schemas.microsoft.com/office/powerpoint/2010/main" val="1167692237"/>
-      </p:ext>
-    </p:extLst>
   </p:cSld>
   <p:clrMapOvr>
     <a:masterClrMapping/>
@@ -7270,10 +7154,13 @@
           <a:p>
             <a:r>
               <a:rPr lang="en-US" altLang="zh-CN" smtClean="0">
-                <a:ea typeface="宋体" charset="-122"/>
+                <a:ea typeface="宋体" panose="02010600030101010101" pitchFamily="2" charset="-122"/>
               </a:rPr>
               <a:t>UNIX System Structure</a:t>
             </a:r>
+            <a:endParaRPr lang="en-US" altLang="zh-CN" smtClean="0">
+              <a:ea typeface="宋体" panose="02010600030101010101" pitchFamily="2" charset="-122"/>
+            </a:endParaRPr>
           </a:p>
         </p:txBody>
       </p:sp>
@@ -7286,7 +7173,7 @@
           <p:nvPr/>
         </p:nvPicPr>
         <p:blipFill>
-          <a:blip r:embed="rId2" cstate="print"/>
+          <a:blip r:embed="rId1" cstate="print"/>
           <a:srcRect l="380" t="10139" r="380" b="10139"/>
           <a:stretch>
             <a:fillRect/>
@@ -7312,11 +7199,6 @@
         </p:spPr>
       </p:pic>
     </p:spTree>
-    <p:extLst>
-      <p:ext uri="{BB962C8B-B14F-4D97-AF65-F5344CB8AC3E}">
-        <p14:creationId xmlns:p14="http://schemas.microsoft.com/office/powerpoint/2010/main" val="3147983255"/>
-      </p:ext>
-    </p:extLst>
   </p:cSld>
   <p:clrMapOvr>
     <a:masterClrMapping/>
@@ -7371,12 +7253,12 @@
           <a:p>
             <a:r>
               <a:rPr lang="en-US" altLang="zh-CN" smtClean="0">
-                <a:ea typeface="宋体" charset="-122"/>
+                <a:ea typeface="宋体" panose="02010600030101010101" pitchFamily="2" charset="-122"/>
               </a:rPr>
               <a:t>Microkernel System Structure </a:t>
             </a:r>
             <a:endParaRPr lang="en-US" altLang="zh-CN" sz="1800" smtClean="0">
-              <a:ea typeface="宋体" charset="-122"/>
+              <a:ea typeface="宋体" panose="02010600030101010101" pitchFamily="2" charset="-122"/>
             </a:endParaRPr>
           </a:p>
         </p:txBody>
@@ -7408,29 +7290,32 @@
             </a:pPr>
             <a:r>
               <a:rPr lang="en-US" altLang="zh-CN" dirty="0" smtClean="0">
-                <a:ea typeface="宋体" charset="-122"/>
+                <a:ea typeface="宋体" panose="02010600030101010101" pitchFamily="2" charset="-122"/>
               </a:rPr>
               <a:t>Moves as much from the kernel into “</a:t>
             </a:r>
             <a:r>
               <a:rPr lang="en-US" altLang="zh-CN" i="1" dirty="0" smtClean="0">
-                <a:ea typeface="宋体" charset="-122"/>
+                <a:ea typeface="宋体" panose="02010600030101010101" pitchFamily="2" charset="-122"/>
               </a:rPr>
               <a:t>user</a:t>
             </a:r>
             <a:r>
               <a:rPr lang="en-US" altLang="zh-CN" dirty="0" smtClean="0">
-                <a:ea typeface="宋体" charset="-122"/>
+                <a:ea typeface="宋体" panose="02010600030101010101" pitchFamily="2" charset="-122"/>
               </a:rPr>
               <a:t>” space</a:t>
             </a:r>
+            <a:endParaRPr lang="en-US" altLang="zh-CN" dirty="0" smtClean="0">
+              <a:ea typeface="宋体" panose="02010600030101010101" pitchFamily="2" charset="-122"/>
+            </a:endParaRPr>
           </a:p>
           <a:p>
             <a:pPr marL="0" indent="0">
               <a:buNone/>
             </a:pPr>
             <a:endParaRPr lang="en-US" altLang="zh-CN" dirty="0" smtClean="0">
-              <a:ea typeface="宋体" charset="-122"/>
+              <a:ea typeface="宋体" panose="02010600030101010101" pitchFamily="2" charset="-122"/>
             </a:endParaRPr>
           </a:p>
           <a:p>
@@ -7439,17 +7324,20 @@
             </a:pPr>
             <a:r>
               <a:rPr lang="en-US" altLang="zh-CN" dirty="0" smtClean="0">
-                <a:ea typeface="宋体" charset="-122"/>
+                <a:ea typeface="宋体" panose="02010600030101010101" pitchFamily="2" charset="-122"/>
               </a:rPr>
               <a:t>Communication takes place between user modules using message passing</a:t>
             </a:r>
+            <a:endParaRPr lang="en-US" altLang="zh-CN" dirty="0" smtClean="0">
+              <a:ea typeface="宋体" panose="02010600030101010101" pitchFamily="2" charset="-122"/>
+            </a:endParaRPr>
           </a:p>
           <a:p>
             <a:pPr marL="0" indent="0">
               <a:buNone/>
             </a:pPr>
             <a:endParaRPr lang="en-US" altLang="zh-CN" dirty="0" smtClean="0">
-              <a:ea typeface="宋体" charset="-122"/>
+              <a:ea typeface="宋体" panose="02010600030101010101" pitchFamily="2" charset="-122"/>
             </a:endParaRPr>
           </a:p>
           <a:p>
@@ -7458,10 +7346,13 @@
             </a:pPr>
             <a:r>
               <a:rPr lang="en-US" altLang="zh-CN" dirty="0" smtClean="0">
-                <a:ea typeface="宋体" charset="-122"/>
+                <a:ea typeface="宋体" panose="02010600030101010101" pitchFamily="2" charset="-122"/>
               </a:rPr>
               <a:t>Benefits:</a:t>
             </a:r>
+            <a:endParaRPr lang="en-US" altLang="zh-CN" dirty="0" smtClean="0">
+              <a:ea typeface="宋体" panose="02010600030101010101" pitchFamily="2" charset="-122"/>
+            </a:endParaRPr>
           </a:p>
           <a:p>
             <a:pPr marL="457200" lvl="1" indent="0">
@@ -7469,10 +7360,13 @@
             </a:pPr>
             <a:r>
               <a:rPr lang="en-US" altLang="zh-CN" dirty="0" smtClean="0">
-                <a:ea typeface="宋体" charset="-122"/>
+                <a:ea typeface="宋体" panose="02010600030101010101" pitchFamily="2" charset="-122"/>
               </a:rPr>
               <a:t>Easier to extend a microkernel</a:t>
             </a:r>
+            <a:endParaRPr lang="en-US" altLang="zh-CN" dirty="0" smtClean="0">
+              <a:ea typeface="宋体" panose="02010600030101010101" pitchFamily="2" charset="-122"/>
+            </a:endParaRPr>
           </a:p>
           <a:p>
             <a:pPr marL="457200" lvl="1" indent="0">
@@ -7480,10 +7374,13 @@
             </a:pPr>
             <a:r>
               <a:rPr lang="en-US" altLang="zh-CN" dirty="0" smtClean="0">
-                <a:ea typeface="宋体" charset="-122"/>
+                <a:ea typeface="宋体" panose="02010600030101010101" pitchFamily="2" charset="-122"/>
               </a:rPr>
               <a:t>Easier to port the operating system to new architectures</a:t>
             </a:r>
+            <a:endParaRPr lang="en-US" altLang="zh-CN" dirty="0" smtClean="0">
+              <a:ea typeface="宋体" panose="02010600030101010101" pitchFamily="2" charset="-122"/>
+            </a:endParaRPr>
           </a:p>
           <a:p>
             <a:pPr marL="457200" lvl="1" indent="0">
@@ -7491,10 +7388,13 @@
             </a:pPr>
             <a:r>
               <a:rPr lang="en-US" altLang="zh-CN" dirty="0" smtClean="0">
-                <a:ea typeface="宋体" charset="-122"/>
+                <a:ea typeface="宋体" panose="02010600030101010101" pitchFamily="2" charset="-122"/>
               </a:rPr>
               <a:t>More reliable (less code is running in kernel mode)</a:t>
             </a:r>
+            <a:endParaRPr lang="en-US" altLang="zh-CN" dirty="0" smtClean="0">
+              <a:ea typeface="宋体" panose="02010600030101010101" pitchFamily="2" charset="-122"/>
+            </a:endParaRPr>
           </a:p>
           <a:p>
             <a:pPr marL="457200" lvl="1" indent="0">
@@ -7502,17 +7402,20 @@
             </a:pPr>
             <a:r>
               <a:rPr lang="en-US" altLang="zh-CN" dirty="0" smtClean="0">
-                <a:ea typeface="宋体" charset="-122"/>
+                <a:ea typeface="宋体" panose="02010600030101010101" pitchFamily="2" charset="-122"/>
               </a:rPr>
               <a:t>More secure</a:t>
             </a:r>
+            <a:endParaRPr lang="en-US" altLang="zh-CN" dirty="0" smtClean="0">
+              <a:ea typeface="宋体" panose="02010600030101010101" pitchFamily="2" charset="-122"/>
+            </a:endParaRPr>
           </a:p>
           <a:p>
             <a:pPr marL="0" indent="0">
               <a:buNone/>
             </a:pPr>
             <a:endParaRPr lang="en-US" altLang="zh-CN" dirty="0" smtClean="0">
-              <a:ea typeface="宋体" charset="-122"/>
+              <a:ea typeface="宋体" panose="02010600030101010101" pitchFamily="2" charset="-122"/>
             </a:endParaRPr>
           </a:p>
           <a:p>
@@ -7521,10 +7424,13 @@
             </a:pPr>
             <a:r>
               <a:rPr lang="en-US" altLang="zh-CN" dirty="0" smtClean="0">
-                <a:ea typeface="宋体" charset="-122"/>
+                <a:ea typeface="宋体" panose="02010600030101010101" pitchFamily="2" charset="-122"/>
               </a:rPr>
               <a:t>Detriments:</a:t>
             </a:r>
+            <a:endParaRPr lang="en-US" altLang="zh-CN" dirty="0" smtClean="0">
+              <a:ea typeface="宋体" panose="02010600030101010101" pitchFamily="2" charset="-122"/>
+            </a:endParaRPr>
           </a:p>
           <a:p>
             <a:pPr marL="457200" lvl="1" indent="0">
@@ -7532,19 +7438,17 @@
             </a:pPr>
             <a:r>
               <a:rPr lang="en-US" altLang="zh-CN" dirty="0" smtClean="0">
-                <a:ea typeface="宋体" charset="-122"/>
+                <a:ea typeface="宋体" panose="02010600030101010101" pitchFamily="2" charset="-122"/>
               </a:rPr>
               <a:t>Performance overhead of user space to kernel space communication</a:t>
             </a:r>
+            <a:endParaRPr lang="en-US" altLang="zh-CN" dirty="0" smtClean="0">
+              <a:ea typeface="宋体" panose="02010600030101010101" pitchFamily="2" charset="-122"/>
+            </a:endParaRPr>
           </a:p>
         </p:txBody>
       </p:sp>
     </p:spTree>
-    <p:extLst>
-      <p:ext uri="{BB962C8B-B14F-4D97-AF65-F5344CB8AC3E}">
-        <p14:creationId xmlns:p14="http://schemas.microsoft.com/office/powerpoint/2010/main" val="2724100208"/>
-      </p:ext>
-    </p:extLst>
   </p:cSld>
   <p:clrMapOvr>
     <a:masterClrMapping/>
@@ -7601,10 +7505,13 @@
           <a:p>
             <a:r>
               <a:rPr lang="en-US" altLang="zh-CN" dirty="0" smtClean="0">
-                <a:ea typeface="宋体" charset="-122"/>
+                <a:ea typeface="宋体" panose="02010600030101010101" pitchFamily="2" charset="-122"/>
               </a:rPr>
               <a:t>Microkernel Structure &amp; Instances</a:t>
             </a:r>
+            <a:endParaRPr lang="en-US" altLang="zh-CN" dirty="0" smtClean="0">
+              <a:ea typeface="宋体" panose="02010600030101010101" pitchFamily="2" charset="-122"/>
+            </a:endParaRPr>
           </a:p>
         </p:txBody>
       </p:sp>
@@ -7617,7 +7524,7 @@
           <p:nvPr/>
         </p:nvPicPr>
         <p:blipFill>
-          <a:blip r:embed="rId2" cstate="print"/>
+          <a:blip r:embed="rId1" cstate="print"/>
           <a:srcRect/>
           <a:stretch>
             <a:fillRect/>
@@ -7663,8 +7570,6 @@
           <a:ln w="9525">
             <a:noFill/>
             <a:miter lim="800000"/>
-            <a:headEnd/>
-            <a:tailEnd/>
           </a:ln>
           <a:effectLst/>
         </p:spPr>
@@ -7681,11 +7586,15 @@
             </a:pPr>
             <a:r>
               <a:rPr kumimoji="1" lang="en-US" altLang="zh-CN" b="1">
-                <a:latin typeface="Times New Roman" pitchFamily="18" charset="0"/>
-                <a:ea typeface="宋体" charset="-122"/>
+                <a:latin typeface="Times New Roman" panose="02020603050405020304" pitchFamily="18" charset="0"/>
+                <a:ea typeface="宋体" panose="02010600030101010101" pitchFamily="2" charset="-122"/>
               </a:rPr>
               <a:t>LPC</a:t>
             </a:r>
+            <a:endParaRPr kumimoji="1" lang="en-US" altLang="zh-CN" b="1">
+              <a:latin typeface="Times New Roman" panose="02020603050405020304" pitchFamily="18" charset="0"/>
+              <a:ea typeface="宋体" panose="02010600030101010101" pitchFamily="2" charset="-122"/>
+            </a:endParaRPr>
           </a:p>
         </p:txBody>
       </p:sp>
@@ -7711,8 +7620,6 @@
           <a:ln w="9525">
             <a:noFill/>
             <a:miter lim="800000"/>
-            <a:headEnd/>
-            <a:tailEnd/>
           </a:ln>
           <a:effectLst/>
         </p:spPr>
@@ -7729,11 +7636,15 @@
             </a:pPr>
             <a:r>
               <a:rPr kumimoji="1" lang="en-US" altLang="zh-CN" b="1">
-                <a:latin typeface="Times New Roman" pitchFamily="18" charset="0"/>
-                <a:ea typeface="宋体" charset="-122"/>
+                <a:latin typeface="Times New Roman" panose="02020603050405020304" pitchFamily="18" charset="0"/>
+                <a:ea typeface="宋体" panose="02010600030101010101" pitchFamily="2" charset="-122"/>
               </a:rPr>
               <a:t>HAL</a:t>
             </a:r>
+            <a:endParaRPr kumimoji="1" lang="en-US" altLang="zh-CN" b="1">
+              <a:latin typeface="Times New Roman" panose="02020603050405020304" pitchFamily="18" charset="0"/>
+              <a:ea typeface="宋体" panose="02010600030101010101" pitchFamily="2" charset="-122"/>
+            </a:endParaRPr>
           </a:p>
         </p:txBody>
       </p:sp>
@@ -7759,8 +7670,6 @@
               <a:srgbClr val="FF0000"/>
             </a:solidFill>
             <a:miter lim="800000"/>
-            <a:headEnd/>
-            <a:tailEnd/>
           </a:ln>
           <a:effectLst/>
         </p:spPr>
@@ -7782,11 +7691,20 @@
                     <a:lumMod val="75000"/>
                   </a:schemeClr>
                 </a:solidFill>
-                <a:latin typeface="Times New Roman" pitchFamily="18" charset="0"/>
-                <a:ea typeface="宋体" charset="-122"/>
+                <a:latin typeface="Times New Roman" panose="02020603050405020304" pitchFamily="18" charset="0"/>
+                <a:ea typeface="宋体" panose="02010600030101010101" pitchFamily="2" charset="-122"/>
               </a:rPr>
               <a:t>APP1</a:t>
             </a:r>
+            <a:endParaRPr kumimoji="1" lang="en-US" altLang="zh-CN" b="1" dirty="0">
+              <a:solidFill>
+                <a:schemeClr val="accent2">
+                  <a:lumMod val="75000"/>
+                </a:schemeClr>
+              </a:solidFill>
+              <a:latin typeface="Times New Roman" panose="02020603050405020304" pitchFamily="18" charset="0"/>
+              <a:ea typeface="宋体" panose="02010600030101010101" pitchFamily="2" charset="-122"/>
+            </a:endParaRPr>
           </a:p>
         </p:txBody>
       </p:sp>
@@ -7812,8 +7730,6 @@
               <a:srgbClr val="FF0000"/>
             </a:solidFill>
             <a:miter lim="800000"/>
-            <a:headEnd/>
-            <a:tailEnd/>
           </a:ln>
           <a:effectLst/>
         </p:spPr>
@@ -7835,11 +7751,20 @@
                     <a:lumMod val="75000"/>
                   </a:schemeClr>
                 </a:solidFill>
-                <a:latin typeface="Times New Roman" pitchFamily="18" charset="0"/>
-                <a:ea typeface="宋体" charset="-122"/>
+                <a:latin typeface="Times New Roman" panose="02020603050405020304" pitchFamily="18" charset="0"/>
+                <a:ea typeface="宋体" panose="02010600030101010101" pitchFamily="2" charset="-122"/>
               </a:rPr>
               <a:t>APPn</a:t>
             </a:r>
+            <a:endParaRPr kumimoji="1" lang="en-US" altLang="zh-CN" b="1">
+              <a:solidFill>
+                <a:schemeClr val="accent2">
+                  <a:lumMod val="75000"/>
+                </a:schemeClr>
+              </a:solidFill>
+              <a:latin typeface="Times New Roman" panose="02020603050405020304" pitchFamily="18" charset="0"/>
+              <a:ea typeface="宋体" panose="02010600030101010101" pitchFamily="2" charset="-122"/>
+            </a:endParaRPr>
           </a:p>
         </p:txBody>
       </p:sp>
@@ -7865,8 +7790,6 @@
               <a:srgbClr val="FF0000"/>
             </a:solidFill>
             <a:miter lim="800000"/>
-            <a:headEnd/>
-            <a:tailEnd/>
           </a:ln>
           <a:effectLst/>
         </p:spPr>
@@ -7888,11 +7811,20 @@
                     <a:lumMod val="75000"/>
                   </a:schemeClr>
                 </a:solidFill>
-                <a:latin typeface="Times New Roman" pitchFamily="18" charset="0"/>
-                <a:ea typeface="宋体" charset="-122"/>
+                <a:latin typeface="Times New Roman" panose="02020603050405020304" pitchFamily="18" charset="0"/>
+                <a:ea typeface="宋体" panose="02010600030101010101" pitchFamily="2" charset="-122"/>
               </a:rPr>
               <a:t>APP2</a:t>
             </a:r>
+            <a:endParaRPr kumimoji="1" lang="en-US" altLang="zh-CN" b="1" dirty="0">
+              <a:solidFill>
+                <a:schemeClr val="accent2">
+                  <a:lumMod val="75000"/>
+                </a:schemeClr>
+              </a:solidFill>
+              <a:latin typeface="Times New Roman" panose="02020603050405020304" pitchFamily="18" charset="0"/>
+              <a:ea typeface="宋体" panose="02010600030101010101" pitchFamily="2" charset="-122"/>
+            </a:endParaRPr>
           </a:p>
         </p:txBody>
       </p:sp>
@@ -7918,8 +7850,6 @@
               <a:srgbClr val="FF0000"/>
             </a:solidFill>
             <a:miter lim="800000"/>
-            <a:headEnd/>
-            <a:tailEnd/>
           </a:ln>
           <a:effectLst/>
         </p:spPr>
@@ -7941,11 +7871,20 @@
                     <a:lumMod val="75000"/>
                   </a:schemeClr>
                 </a:solidFill>
-                <a:latin typeface="Times New Roman" pitchFamily="18" charset="0"/>
-                <a:ea typeface="宋体" charset="-122"/>
+                <a:latin typeface="Times New Roman" panose="02020603050405020304" pitchFamily="18" charset="0"/>
+                <a:ea typeface="宋体" panose="02010600030101010101" pitchFamily="2" charset="-122"/>
               </a:rPr>
               <a:t>APP3</a:t>
             </a:r>
+            <a:endParaRPr kumimoji="1" lang="en-US" altLang="zh-CN" b="1" dirty="0">
+              <a:solidFill>
+                <a:schemeClr val="accent2">
+                  <a:lumMod val="75000"/>
+                </a:schemeClr>
+              </a:solidFill>
+              <a:latin typeface="Times New Roman" panose="02020603050405020304" pitchFamily="18" charset="0"/>
+              <a:ea typeface="宋体" panose="02010600030101010101" pitchFamily="2" charset="-122"/>
+            </a:endParaRPr>
           </a:p>
         </p:txBody>
       </p:sp>
@@ -7971,8 +7910,6 @@
               <a:srgbClr val="FF0000"/>
             </a:solidFill>
             <a:miter lim="800000"/>
-            <a:headEnd/>
-            <a:tailEnd/>
           </a:ln>
           <a:effectLst/>
         </p:spPr>
@@ -7994,11 +7931,20 @@
                     <a:lumMod val="75000"/>
                   </a:schemeClr>
                 </a:solidFill>
-                <a:latin typeface="Times New Roman" pitchFamily="18" charset="0"/>
-                <a:ea typeface="宋体" charset="-122"/>
+                <a:latin typeface="Times New Roman" panose="02020603050405020304" pitchFamily="18" charset="0"/>
+                <a:ea typeface="宋体" panose="02010600030101010101" pitchFamily="2" charset="-122"/>
               </a:rPr>
               <a:t>APP4</a:t>
             </a:r>
+            <a:endParaRPr kumimoji="1" lang="en-US" altLang="zh-CN" b="1">
+              <a:solidFill>
+                <a:schemeClr val="accent2">
+                  <a:lumMod val="75000"/>
+                </a:schemeClr>
+              </a:solidFill>
+              <a:latin typeface="Times New Roman" panose="02020603050405020304" pitchFamily="18" charset="0"/>
+              <a:ea typeface="宋体" panose="02010600030101010101" pitchFamily="2" charset="-122"/>
+            </a:endParaRPr>
           </a:p>
         </p:txBody>
       </p:sp>
@@ -8388,11 +8334,6 @@
         </p:txBody>
       </p:sp>
     </p:spTree>
-    <p:extLst>
-      <p:ext uri="{BB962C8B-B14F-4D97-AF65-F5344CB8AC3E}">
-        <p14:creationId xmlns:p14="http://schemas.microsoft.com/office/powerpoint/2010/main" val="161873252"/>
-      </p:ext>
-    </p:extLst>
   </p:cSld>
   <p:clrMapOvr>
     <a:masterClrMapping/>
@@ -8479,6 +8420,7 @@
               <a:rPr lang="en-US" dirty="0" smtClean="0"/>
               <a:t>Developed at CMU</a:t>
             </a:r>
+            <a:endParaRPr lang="en-US" dirty="0" smtClean="0"/>
           </a:p>
           <a:p>
             <a:pPr lvl="1"/>
@@ -8489,6 +8431,7 @@
               <a:rPr lang="en-US" dirty="0" smtClean="0"/>
               <a:t>Led by Rick Rashid</a:t>
             </a:r>
+            <a:endParaRPr lang="en-US" dirty="0" smtClean="0"/>
           </a:p>
           <a:p>
             <a:pPr lvl="1"/>
@@ -8496,6 +8439,7 @@
               <a:rPr lang="en-US" dirty="0" smtClean="0"/>
               <a:t>Now VP of research at Microsoft</a:t>
             </a:r>
+            <a:endParaRPr lang="en-US" dirty="0" smtClean="0"/>
           </a:p>
           <a:p>
             <a:pPr lvl="1"/>
@@ -8517,6 +8461,7 @@
               <a:rPr lang="en-US" dirty="0" smtClean="0"/>
               <a:t>Big impact (as we will see)</a:t>
             </a:r>
+            <a:endParaRPr lang="en-US" dirty="0" smtClean="0"/>
           </a:p>
         </p:txBody>
       </p:sp>
@@ -8529,7 +8474,7 @@
           <p:nvPr/>
         </p:nvPicPr>
         <p:blipFill>
-          <a:blip r:embed="rId2"/>
+          <a:blip r:embed="rId1"/>
           <a:stretch>
             <a:fillRect/>
           </a:stretch>
@@ -8568,20 +8513,19 @@
           <a:p>
             <a:r>
               <a:rPr lang="en-US" dirty="0">
-                <a:latin typeface="Helvetica Neue "/>
-                <a:cs typeface="Helvetica Neue "/>
+                <a:latin typeface="Helvetica Neue"/>
+                <a:cs typeface="Helvetica Neue"/>
               </a:rPr>
               <a:t>Rick Rashid</a:t>
             </a:r>
+            <a:endParaRPr lang="en-US" dirty="0">
+              <a:latin typeface="Helvetica Neue"/>
+              <a:cs typeface="Helvetica Neue"/>
+            </a:endParaRPr>
           </a:p>
         </p:txBody>
       </p:sp>
     </p:spTree>
-    <p:extLst>
-      <p:ext uri="{BB962C8B-B14F-4D97-AF65-F5344CB8AC3E}">
-        <p14:creationId xmlns:p14="http://schemas.microsoft.com/office/powerpoint/2010/main" val="759331925"/>
-      </p:ext>
-    </p:extLst>
   </p:cSld>
   <p:clrMapOvr>
     <a:masterClrMapping/>
@@ -8664,6 +8608,7 @@
               <a:rPr lang="en-US" dirty="0" smtClean="0"/>
               <a:t>Task and thread management:</a:t>
             </a:r>
+            <a:endParaRPr lang="en-US" dirty="0" smtClean="0"/>
           </a:p>
           <a:p>
             <a:pPr lvl="1"/>
@@ -8671,6 +8616,7 @@
               <a:rPr lang="en-US" dirty="0" smtClean="0"/>
               <a:t>Task (process) unit of allocation</a:t>
             </a:r>
+            <a:endParaRPr lang="en-US" dirty="0" smtClean="0"/>
           </a:p>
           <a:p>
             <a:pPr lvl="1"/>
@@ -8678,6 +8624,7 @@
               <a:rPr lang="en-US" dirty="0" smtClean="0"/>
               <a:t>Thread, unit of execution</a:t>
             </a:r>
+            <a:endParaRPr lang="en-US" dirty="0" smtClean="0"/>
           </a:p>
           <a:p>
             <a:pPr lvl="1"/>
@@ -8685,6 +8632,7 @@
               <a:rPr lang="en-US" dirty="0" smtClean="0"/>
               <a:t>Implements CPU scheduling: exposed to apps</a:t>
             </a:r>
+            <a:endParaRPr lang="en-US" dirty="0" smtClean="0"/>
           </a:p>
           <a:p>
             <a:pPr lvl="2"/>
@@ -8692,6 +8640,7 @@
               <a:rPr lang="en-US" dirty="0" smtClean="0"/>
               <a:t> Applications/environments can implement their own scheduling policies</a:t>
             </a:r>
+            <a:endParaRPr lang="en-US" dirty="0" smtClean="0"/>
           </a:p>
           <a:p>
             <a:pPr lvl="2"/>
@@ -8706,6 +8655,7 @@
               <a:rPr lang="en-US" dirty="0" smtClean="0"/>
               <a:t> communication (IPC)</a:t>
             </a:r>
+            <a:endParaRPr lang="en-US" dirty="0" smtClean="0"/>
           </a:p>
           <a:p>
             <a:pPr lvl="1"/>
@@ -8713,6 +8663,7 @@
               <a:rPr lang="en-US" dirty="0" smtClean="0"/>
               <a:t>Between threads via ports</a:t>
             </a:r>
+            <a:endParaRPr lang="en-US" dirty="0" smtClean="0"/>
           </a:p>
           <a:p>
             <a:pPr lvl="1"/>
@@ -8725,11 +8676,6 @@
         </p:txBody>
       </p:sp>
     </p:spTree>
-    <p:extLst>
-      <p:ext uri="{BB962C8B-B14F-4D97-AF65-F5344CB8AC3E}">
-        <p14:creationId xmlns:p14="http://schemas.microsoft.com/office/powerpoint/2010/main" val="1834859217"/>
-      </p:ext>
-    </p:extLst>
   </p:cSld>
   <p:clrMapOvr>
     <a:masterClrMapping/>
@@ -8809,6 +8755,7 @@
               <a:rPr lang="en-US" dirty="0" smtClean="0"/>
               <a:t>Memory object management:</a:t>
             </a:r>
+            <a:endParaRPr lang="en-US" dirty="0" smtClean="0"/>
           </a:p>
           <a:p>
             <a:pPr lvl="1"/>
@@ -8816,6 +8763,7 @@
               <a:rPr lang="en-US" dirty="0" smtClean="0"/>
               <a:t>Essentially virtual memory</a:t>
             </a:r>
+            <a:endParaRPr lang="en-US" dirty="0" smtClean="0"/>
           </a:p>
           <a:p>
             <a:pPr lvl="1"/>
@@ -8823,6 +8771,7 @@
               <a:rPr lang="en-US" dirty="0" smtClean="0"/>
               <a:t>Persistent store accessed via IPC</a:t>
             </a:r>
+            <a:endParaRPr lang="en-US" dirty="0" smtClean="0"/>
           </a:p>
           <a:p>
             <a:pPr lvl="1"/>
@@ -8833,6 +8782,7 @@
               <a:rPr lang="en-US" dirty="0" smtClean="0"/>
               <a:t>System call redirection:</a:t>
             </a:r>
+            <a:endParaRPr lang="en-US" dirty="0" smtClean="0"/>
           </a:p>
           <a:p>
             <a:pPr lvl="1"/>
@@ -8840,6 +8790,7 @@
               <a:rPr lang="en-US" dirty="0" smtClean="0"/>
               <a:t>Enable to trap system calls and transfer control to user mode</a:t>
             </a:r>
+            <a:endParaRPr lang="en-US" dirty="0" smtClean="0"/>
           </a:p>
           <a:p>
             <a:pPr lvl="1"/>
@@ -8847,6 +8798,7 @@
               <a:rPr lang="en-US" dirty="0" smtClean="0"/>
               <a:t>Essentially enable applications to modify/extend the behavior and functionality of system calls, e.g.,</a:t>
             </a:r>
+            <a:endParaRPr lang="en-US" dirty="0" smtClean="0"/>
           </a:p>
           <a:p>
             <a:pPr lvl="2"/>
@@ -8859,11 +8811,6 @@
         </p:txBody>
       </p:sp>
     </p:spTree>
-    <p:extLst>
-      <p:ext uri="{BB962C8B-B14F-4D97-AF65-F5344CB8AC3E}">
-        <p14:creationId xmlns:p14="http://schemas.microsoft.com/office/powerpoint/2010/main" val="2714850780"/>
-      </p:ext>
-    </p:extLst>
   </p:cSld>
   <p:clrMapOvr>
     <a:masterClrMapping/>
@@ -8953,6 +8900,7 @@
               <a:rPr lang="en-US" dirty="0" smtClean="0"/>
               <a:t>Device support:</a:t>
             </a:r>
+            <a:endParaRPr lang="en-US" dirty="0" smtClean="0"/>
           </a:p>
           <a:p>
             <a:pPr lvl="1"/>
@@ -8960,6 +8908,7 @@
               <a:rPr lang="en-US" dirty="0" smtClean="0"/>
               <a:t>Implemented using IPC (devices are contacted via ports)</a:t>
             </a:r>
+            <a:endParaRPr lang="en-US" dirty="0" smtClean="0"/>
           </a:p>
           <a:p>
             <a:pPr lvl="1"/>
@@ -8967,12 +8916,14 @@
               <a:rPr lang="en-US" dirty="0" smtClean="0"/>
               <a:t>Support both synchronous and asynchronous devices</a:t>
             </a:r>
+            <a:endParaRPr lang="en-US" dirty="0" smtClean="0"/>
           </a:p>
           <a:p>
             <a:r>
               <a:rPr lang="en-US" dirty="0" smtClean="0"/>
               <a:t>User multiprocessing:</a:t>
             </a:r>
+            <a:endParaRPr lang="en-US" dirty="0" smtClean="0"/>
           </a:p>
           <a:p>
             <a:pPr lvl="1"/>
@@ -8980,6 +8931,7 @@
               <a:rPr lang="en-US" dirty="0" smtClean="0"/>
               <a:t>Essentially a user level thread package, with wait()/signal() primitives</a:t>
             </a:r>
+            <a:endParaRPr lang="en-US" dirty="0" smtClean="0"/>
           </a:p>
           <a:p>
             <a:pPr lvl="1"/>
@@ -8987,12 +8939,14 @@
               <a:rPr lang="en-US" dirty="0" smtClean="0"/>
               <a:t>One or more user threads can map to same kernel thread </a:t>
             </a:r>
+            <a:endParaRPr lang="en-US" dirty="0" smtClean="0"/>
           </a:p>
           <a:p>
             <a:r>
               <a:rPr lang="en-US" dirty="0" smtClean="0"/>
               <a:t>Multicomputer support:</a:t>
             </a:r>
+            <a:endParaRPr lang="en-US" dirty="0" smtClean="0"/>
           </a:p>
           <a:p>
             <a:pPr lvl="1"/>
@@ -9005,11 +8959,6 @@
         </p:txBody>
       </p:sp>
     </p:spTree>
-    <p:extLst>
-      <p:ext uri="{BB962C8B-B14F-4D97-AF65-F5344CB8AC3E}">
-        <p14:creationId xmlns:p14="http://schemas.microsoft.com/office/powerpoint/2010/main" val="3152201059"/>
-      </p:ext>
-    </p:extLst>
   </p:cSld>
   <p:clrMapOvr>
     <a:masterClrMapping/>
@@ -9098,6 +9047,7 @@
               <a:rPr lang="en-US" altLang="zh-CN" dirty="0" smtClean="0"/>
               <a:t>Architecture</a:t>
             </a:r>
+            <a:endParaRPr lang="en-US" altLang="zh-CN" dirty="0" smtClean="0"/>
           </a:p>
           <a:p>
             <a:pPr lvl="1"/>
@@ -9129,12 +9079,14 @@
               <a:rPr lang="en-US" altLang="zh-CN" dirty="0" smtClean="0"/>
               <a:t>Model</a:t>
             </a:r>
+            <a:endParaRPr lang="en-US" altLang="zh-CN" dirty="0" smtClean="0"/>
           </a:p>
           <a:p>
             <a:r>
               <a:rPr lang="en-US" altLang="zh-CN" dirty="0" smtClean="0"/>
               <a:t>X86</a:t>
             </a:r>
+            <a:endParaRPr lang="en-US" altLang="zh-CN" dirty="0" smtClean="0"/>
           </a:p>
           <a:p>
             <a:pPr lvl="1"/>
@@ -9214,6 +9166,7 @@
               <a:rPr lang="en-US" altLang="zh-CN" dirty="0" smtClean="0"/>
               <a:t>…</a:t>
             </a:r>
+            <a:endParaRPr lang="en-US" altLang="zh-CN" dirty="0" smtClean="0"/>
           </a:p>
           <a:p>
             <a:pPr lvl="1"/>
@@ -9261,6 +9214,7 @@
               <a:rPr lang="en-US" altLang="zh-CN" dirty="0" smtClean="0"/>
               <a:t>…</a:t>
             </a:r>
+            <a:endParaRPr lang="en-US" altLang="zh-CN" dirty="0" smtClean="0"/>
           </a:p>
           <a:p>
             <a:pPr lvl="1"/>
@@ -9348,6 +9302,7 @@
               <a:rPr lang="en-US" altLang="zh-CN" dirty="0" smtClean="0"/>
               <a:t>64-bit</a:t>
             </a:r>
+            <a:endParaRPr lang="en-US" altLang="zh-CN" dirty="0" smtClean="0"/>
           </a:p>
           <a:p>
             <a:pPr lvl="2"/>
@@ -9363,6 +9318,7 @@
               <a:rPr lang="en-US" altLang="zh-CN" dirty="0" smtClean="0"/>
               <a:t>I/O</a:t>
             </a:r>
+            <a:endParaRPr lang="en-US" altLang="zh-CN" dirty="0" smtClean="0"/>
           </a:p>
           <a:p>
             <a:pPr lvl="2"/>
@@ -9426,6 +9382,7 @@
               <a:rPr lang="en-US" altLang="zh-CN" dirty="0" smtClean="0"/>
               <a:t>1MB</a:t>
             </a:r>
+            <a:endParaRPr lang="en-US" altLang="zh-CN" dirty="0" smtClean="0"/>
           </a:p>
           <a:p>
             <a:pPr lvl="1"/>
@@ -9433,6 +9390,7 @@
               <a:rPr lang="en-US" altLang="zh-CN" dirty="0" smtClean="0"/>
               <a:t>Booting</a:t>
             </a:r>
+            <a:endParaRPr lang="en-US" altLang="zh-CN" dirty="0" smtClean="0"/>
           </a:p>
           <a:p>
             <a:pPr lvl="2"/>
@@ -9500,6 +9458,7 @@
               <a:rPr lang="en-US" altLang="zh-CN" dirty="0" smtClean="0"/>
               <a:t>offset?)</a:t>
             </a:r>
+            <a:endParaRPr lang="en-US" altLang="zh-CN" dirty="0" smtClean="0"/>
           </a:p>
           <a:p>
             <a:pPr lvl="2"/>
@@ -9544,11 +9503,6 @@
         </p:txBody>
       </p:sp>
     </p:spTree>
-    <p:extLst>
-      <p:ext uri="{BB962C8B-B14F-4D97-AF65-F5344CB8AC3E}">
-        <p14:creationId xmlns:p14="http://schemas.microsoft.com/office/powerpoint/2010/main" val="1660700099"/>
-      </p:ext>
-    </p:extLst>
   </p:cSld>
   <p:clrMapOvr>
     <a:masterClrMapping/>
@@ -9622,6 +9576,7 @@
               <a:rPr lang="en-US" dirty="0" smtClean="0"/>
               <a:t>Contains BSD code compatibility code, e.g., one-to-one mapping between tasks and processes</a:t>
             </a:r>
+            <a:endParaRPr lang="en-US" dirty="0" smtClean="0"/>
           </a:p>
           <a:p>
             <a:endParaRPr lang="en-US" dirty="0"/>
@@ -9631,6 +9586,7 @@
               <a:rPr lang="en-US" dirty="0" smtClean="0"/>
               <a:t>Some commercial success:</a:t>
             </a:r>
+            <a:endParaRPr lang="en-US" dirty="0" smtClean="0"/>
           </a:p>
           <a:p>
             <a:pPr lvl="1"/>
@@ -9638,6 +9594,7 @@
               <a:rPr lang="en-US" dirty="0" smtClean="0"/>
               <a:t>NeXT </a:t>
             </a:r>
+            <a:endParaRPr lang="en-US" dirty="0" smtClean="0"/>
           </a:p>
           <a:p>
             <a:pPr lvl="2"/>
@@ -9645,6 +9602,7 @@
               <a:rPr lang="en-US" dirty="0" smtClean="0"/>
               <a:t>Steve Jobs’ company after he left Apple</a:t>
             </a:r>
+            <a:endParaRPr lang="en-US" dirty="0" smtClean="0"/>
           </a:p>
           <a:p>
             <a:pPr lvl="2"/>
@@ -9652,6 +9610,7 @@
               <a:rPr lang="en-US" dirty="0" smtClean="0"/>
               <a:t>Used by Tim Berners-Lee to develop WWW</a:t>
             </a:r>
+            <a:endParaRPr lang="en-US" dirty="0" smtClean="0"/>
           </a:p>
           <a:p>
             <a:pPr lvl="1"/>
@@ -9679,7 +9638,7 @@
           <p:nvPr/>
         </p:nvPicPr>
         <p:blipFill>
-          <a:blip r:embed="rId2">
+          <a:blip r:embed="rId1">
             <a:clrChange>
               <a:clrFrom>
                 <a:srgbClr val="FFFFFF"/>
@@ -9706,11 +9665,6 @@
         </p:spPr>
       </p:pic>
     </p:spTree>
-    <p:extLst>
-      <p:ext uri="{BB962C8B-B14F-4D97-AF65-F5344CB8AC3E}">
-        <p14:creationId xmlns:p14="http://schemas.microsoft.com/office/powerpoint/2010/main" val="4004160143"/>
-      </p:ext>
-    </p:extLst>
   </p:cSld>
   <p:clrMapOvr>
     <a:masterClrMapping/>
@@ -9812,6 +9766,7 @@
               <a:rPr lang="en-US" dirty="0" smtClean="0"/>
               <a:t>ewrite IPC to improve performance</a:t>
             </a:r>
+            <a:endParaRPr lang="en-US" dirty="0" smtClean="0"/>
           </a:p>
           <a:p>
             <a:pPr lvl="1">
@@ -9851,6 +9806,7 @@
               <a:rPr lang="en-US" dirty="0" smtClean="0"/>
               <a:t>Provide more control to user applications via continuation:</a:t>
             </a:r>
+            <a:endParaRPr lang="en-US" dirty="0" smtClean="0"/>
           </a:p>
           <a:p>
             <a:pPr lvl="1">
@@ -9866,6 +9822,7 @@
               <a:rPr lang="en-US" dirty="0" smtClean="0"/>
               <a:t>ddress of an user function to be called when thread is rescheduled plus some data: essentially a callback</a:t>
             </a:r>
+            <a:endParaRPr lang="en-US" dirty="0" smtClean="0"/>
           </a:p>
           <a:p>
             <a:pPr lvl="1">
@@ -9877,6 +9834,7 @@
               <a:rPr lang="en-US" dirty="0" smtClean="0"/>
               <a:t>Enable application to save restore state, so that the microkernel doesn’t need to do it, e.g., saving and restoring register state</a:t>
             </a:r>
+            <a:endParaRPr lang="en-US" dirty="0" smtClean="0"/>
           </a:p>
           <a:p>
             <a:pPr>
@@ -9889,11 +9847,6 @@
         </p:txBody>
       </p:sp>
     </p:spTree>
-    <p:extLst>
-      <p:ext uri="{BB962C8B-B14F-4D97-AF65-F5344CB8AC3E}">
-        <p14:creationId xmlns:p14="http://schemas.microsoft.com/office/powerpoint/2010/main" val="1153198413"/>
-      </p:ext>
-    </p:extLst>
   </p:cSld>
   <p:clrMapOvr>
     <a:masterClrMapping/>
@@ -9971,6 +9924,7 @@
               <a:rPr lang="en-US" dirty="0" smtClean="0"/>
               <a:t>Mach allows application to implement:</a:t>
             </a:r>
+            <a:endParaRPr lang="en-US" dirty="0" smtClean="0"/>
           </a:p>
           <a:p>
             <a:pPr lvl="1"/>
@@ -9978,6 +9932,7 @@
               <a:rPr lang="en-US" dirty="0" smtClean="0"/>
               <a:t>Paging</a:t>
             </a:r>
+            <a:endParaRPr lang="en-US" dirty="0" smtClean="0"/>
           </a:p>
           <a:p>
             <a:pPr lvl="1"/>
@@ -9985,6 +9940,7 @@
               <a:rPr lang="en-US" dirty="0" smtClean="0"/>
               <a:t>Control data cached by virtual memory</a:t>
             </a:r>
+            <a:endParaRPr lang="en-US" dirty="0" smtClean="0"/>
           </a:p>
           <a:p>
             <a:pPr lvl="1"/>
@@ -10003,6 +9959,7 @@
               <a:rPr lang="en-US" dirty="0" smtClean="0"/>
               <a:t>Redirection allows call traps to link directly to executable binaries without modifying the kernel!</a:t>
             </a:r>
+            <a:endParaRPr lang="en-US" dirty="0" smtClean="0"/>
           </a:p>
           <a:p>
             <a:pPr lvl="1"/>
@@ -10010,6 +9967,7 @@
               <a:rPr lang="en-US" dirty="0" smtClean="0"/>
               <a:t>Just need an emulation library</a:t>
             </a:r>
+            <a:endParaRPr lang="en-US" dirty="0" smtClean="0"/>
           </a:p>
           <a:p>
             <a:pPr lvl="1"/>
@@ -10018,11 +9976,6 @@
         </p:txBody>
       </p:sp>
     </p:spTree>
-    <p:extLst>
-      <p:ext uri="{BB962C8B-B14F-4D97-AF65-F5344CB8AC3E}">
-        <p14:creationId xmlns:p14="http://schemas.microsoft.com/office/powerpoint/2010/main" val="1005398690"/>
-      </p:ext>
-    </p:extLst>
   </p:cSld>
   <p:clrMapOvr>
     <a:masterClrMapping/>
@@ -10071,7 +10024,15 @@
           <a:p>
             <a:r>
               <a:rPr lang="en-US" altLang="zh-CN" dirty="0" smtClean="0"/>
-              <a:t>L3 -&gt; L4</a:t>
+              <a:t>L3 -&gt; L4(Microkernel </a:t>
+            </a:r>
+            <a:r>
+              <a:rPr lang="zh-CN" altLang="en-US" dirty="0" smtClean="0"/>
+              <a:t>的版本</a:t>
+            </a:r>
+            <a:r>
+              <a:rPr lang="en-US" altLang="zh-CN" dirty="0" smtClean="0"/>
+              <a:t>)</a:t>
             </a:r>
             <a:endParaRPr lang="zh-CN" altLang="en-US" dirty="0"/>
           </a:p>
@@ -10097,11 +10058,6 @@
         </p:txBody>
       </p:sp>
     </p:spTree>
-    <p:extLst>
-      <p:ext uri="{BB962C8B-B14F-4D97-AF65-F5344CB8AC3E}">
-        <p14:creationId xmlns:p14="http://schemas.microsoft.com/office/powerpoint/2010/main" val="3552928340"/>
-      </p:ext>
-    </p:extLst>
   </p:cSld>
   <p:clrMapOvr>
     <a:masterClrMapping/>
@@ -10182,6 +10138,7 @@
               <a:rPr lang="en-US" dirty="0" smtClean="0"/>
               <a:t>Microkernels (e.g., Mach) still too slow</a:t>
             </a:r>
+            <a:endParaRPr lang="en-US" dirty="0" smtClean="0"/>
           </a:p>
           <a:p>
             <a:pPr lvl="1"/>
@@ -10200,6 +10157,7 @@
               <a:rPr lang="en-US" dirty="0" smtClean="0"/>
               <a:t>Tide was turning towards monolithic kernels</a:t>
             </a:r>
+            <a:endParaRPr lang="en-US" dirty="0" smtClean="0"/>
           </a:p>
           <a:p>
             <a:endParaRPr lang="en-US" dirty="0"/>
@@ -10233,6 +10191,7 @@
               <a:rPr lang="en-US" dirty="0" smtClean="0"/>
               <a:t>) aimed to show that IPC can be supper-fast</a:t>
             </a:r>
+            <a:endParaRPr lang="en-US" dirty="0" smtClean="0"/>
           </a:p>
         </p:txBody>
       </p:sp>
@@ -10245,7 +10204,7 @@
           <p:nvPr/>
         </p:nvPicPr>
         <p:blipFill>
-          <a:blip r:embed="rId2"/>
+          <a:blip r:embed="rId1"/>
           <a:stretch>
             <a:fillRect/>
           </a:stretch>
@@ -10310,15 +10269,14 @@
               </a:rPr>
               <a:t> </a:t>
             </a:r>
+            <a:endParaRPr lang="en-US" dirty="0">
+              <a:latin typeface="Helvetica Neue Light"/>
+              <a:cs typeface="Helvetica Neue Light"/>
+            </a:endParaRPr>
           </a:p>
         </p:txBody>
       </p:sp>
     </p:spTree>
-    <p:extLst>
-      <p:ext uri="{BB962C8B-B14F-4D97-AF65-F5344CB8AC3E}">
-        <p14:creationId xmlns:p14="http://schemas.microsoft.com/office/powerpoint/2010/main" val="635179414"/>
-      </p:ext>
-    </p:extLst>
   </p:cSld>
   <p:clrMapOvr>
     <a:masterClrMapping/>
@@ -10382,7 +10340,7 @@
           <p:nvPr/>
         </p:nvPicPr>
         <p:blipFill>
-          <a:blip r:embed="rId2">
+          <a:blip r:embed="rId1">
             <a:extLst>
               <a:ext uri="{28A0092B-C50C-407E-A947-70E740481C1C}">
                 <a14:useLocalDpi xmlns:a14="http://schemas.microsoft.com/office/drawing/2010/main" val="0"/>
@@ -10412,7 +10370,7 @@
           <p:nvPr/>
         </p:nvPicPr>
         <p:blipFill>
-          <a:blip r:embed="rId3">
+          <a:blip r:embed="rId2">
             <a:extLst>
               <a:ext uri="{28A0092B-C50C-407E-A947-70E740481C1C}">
                 <a14:useLocalDpi xmlns:a14="http://schemas.microsoft.com/office/drawing/2010/main" val="0"/>
@@ -10434,11 +10392,6 @@
         </p:spPr>
       </p:pic>
     </p:spTree>
-    <p:extLst>
-      <p:ext uri="{BB962C8B-B14F-4D97-AF65-F5344CB8AC3E}">
-        <p14:creationId xmlns:p14="http://schemas.microsoft.com/office/powerpoint/2010/main" val="278503027"/>
-      </p:ext>
-    </p:extLst>
   </p:cSld>
   <p:clrMapOvr>
     <a:masterClrMapping/>
@@ -10615,10 +10568,13 @@
             </a:r>
             <a:r>
               <a:rPr lang="en-US" dirty="0" smtClean="0">
-                <a:sym typeface="Wingdings"/>
+                <a:sym typeface="Wingdings" panose="05000000000000000000"/>
               </a:rPr>
               <a:t> Rendezvous model</a:t>
             </a:r>
+            <a:endParaRPr lang="en-US" dirty="0" smtClean="0">
+              <a:sym typeface="Wingdings" panose="05000000000000000000"/>
+            </a:endParaRPr>
           </a:p>
         </p:txBody>
       </p:sp>
@@ -10783,39 +10739,43 @@
             <a:p>
               <a:r>
                 <a:rPr lang="en-US" sz="1600" dirty="0">
-                  <a:latin typeface="Consolas"/>
-                  <a:cs typeface="Consolas"/>
+                  <a:latin typeface="Consolas" panose="020B0609020204030204"/>
+                  <a:cs typeface="Consolas" panose="020B0609020204030204"/>
                 </a:rPr>
                 <a:t>send(</a:t>
               </a:r>
               <a:r>
                 <a:rPr lang="en-US" sz="1600" dirty="0" err="1">
-                  <a:latin typeface="Consolas"/>
-                  <a:cs typeface="Consolas"/>
+                  <a:latin typeface="Consolas" panose="020B0609020204030204"/>
+                  <a:cs typeface="Consolas" panose="020B0609020204030204"/>
                 </a:rPr>
                 <a:t>dest</a:t>
               </a:r>
               <a:r>
                 <a:rPr lang="en-US" sz="1600" dirty="0">
-                  <a:latin typeface="Consolas"/>
-                  <a:cs typeface="Consolas"/>
+                  <a:latin typeface="Consolas" panose="020B0609020204030204"/>
+                  <a:cs typeface="Consolas" panose="020B0609020204030204"/>
                 </a:rPr>
                 <a:t>, </a:t>
               </a:r>
               <a:r>
                 <a:rPr lang="en-US" sz="1600" dirty="0" err="1">
-                  <a:latin typeface="Consolas"/>
-                  <a:cs typeface="Consolas"/>
+                  <a:latin typeface="Consolas" panose="020B0609020204030204"/>
+                  <a:cs typeface="Consolas" panose="020B0609020204030204"/>
                 </a:rPr>
                 <a:t>msg</a:t>
               </a:r>
               <a:r>
                 <a:rPr lang="en-US" sz="1600" dirty="0">
-                  <a:latin typeface="Consolas"/>
-                  <a:cs typeface="Consolas"/>
+                  <a:latin typeface="Consolas" panose="020B0609020204030204"/>
+                  <a:cs typeface="Consolas" panose="020B0609020204030204"/>
                 </a:rPr>
                 <a:t>)</a:t>
               </a:r>
+              <a:endParaRPr lang="en-US" sz="1600" dirty="0">
+                <a:latin typeface="Consolas" panose="020B0609020204030204"/>
+                <a:cs typeface="Consolas" panose="020B0609020204030204"/>
+              </a:endParaRPr>
             </a:p>
           </p:txBody>
         </p:sp>
@@ -10843,11 +10803,15 @@
             <a:p>
               <a:r>
                 <a:rPr lang="en-US" sz="1600" dirty="0">
-                  <a:latin typeface="Consolas"/>
-                  <a:cs typeface="Consolas"/>
+                  <a:latin typeface="Consolas" panose="020B0609020204030204"/>
+                  <a:cs typeface="Consolas" panose="020B0609020204030204"/>
                 </a:rPr>
                 <a:t>Running</a:t>
               </a:r>
+              <a:endParaRPr lang="en-US" sz="1600" dirty="0">
+                <a:latin typeface="Consolas" panose="020B0609020204030204"/>
+                <a:cs typeface="Consolas" panose="020B0609020204030204"/>
+              </a:endParaRPr>
             </a:p>
           </p:txBody>
         </p:sp>
@@ -10876,21 +10840,21 @@
           <a:p>
             <a:r>
               <a:rPr lang="en-US" sz="1600" dirty="0">
-                <a:latin typeface="Consolas"/>
-                <a:cs typeface="Consolas"/>
+                <a:latin typeface="Consolas" panose="020B0609020204030204"/>
+                <a:cs typeface="Consolas" panose="020B0609020204030204"/>
               </a:rPr>
               <a:t>Thread </a:t>
             </a:r>
             <a:r>
               <a:rPr lang="en-US" sz="1600" dirty="0" err="1">
-                <a:latin typeface="Consolas"/>
-                <a:cs typeface="Consolas"/>
+                <a:latin typeface="Consolas" panose="020B0609020204030204"/>
+                <a:cs typeface="Consolas" panose="020B0609020204030204"/>
               </a:rPr>
               <a:t>src</a:t>
             </a:r>
             <a:endParaRPr lang="en-US" sz="1600" dirty="0">
-              <a:latin typeface="Consolas"/>
-              <a:cs typeface="Consolas"/>
+              <a:latin typeface="Consolas" panose="020B0609020204030204"/>
+              <a:cs typeface="Consolas" panose="020B0609020204030204"/>
             </a:endParaRPr>
           </a:p>
         </p:txBody>
@@ -10919,21 +10883,21 @@
           <a:p>
             <a:r>
               <a:rPr lang="en-US" sz="1600" dirty="0">
-                <a:latin typeface="Consolas"/>
-                <a:cs typeface="Consolas"/>
+                <a:latin typeface="Consolas" panose="020B0609020204030204"/>
+                <a:cs typeface="Consolas" panose="020B0609020204030204"/>
               </a:rPr>
               <a:t>Thread </a:t>
             </a:r>
             <a:r>
               <a:rPr lang="en-US" sz="1600" dirty="0" err="1">
-                <a:latin typeface="Consolas"/>
-                <a:cs typeface="Consolas"/>
+                <a:latin typeface="Consolas" panose="020B0609020204030204"/>
+                <a:cs typeface="Consolas" panose="020B0609020204030204"/>
               </a:rPr>
               <a:t>dest</a:t>
             </a:r>
             <a:endParaRPr lang="en-US" sz="1600" dirty="0">
-              <a:latin typeface="Consolas"/>
-              <a:cs typeface="Consolas"/>
+              <a:latin typeface="Consolas" panose="020B0609020204030204"/>
+              <a:cs typeface="Consolas" panose="020B0609020204030204"/>
             </a:endParaRPr>
           </a:p>
         </p:txBody>
@@ -10976,39 +10940,43 @@
             <a:p>
               <a:r>
                 <a:rPr lang="en-US" sz="1600" dirty="0">
-                  <a:latin typeface="Consolas"/>
-                  <a:cs typeface="Consolas"/>
+                  <a:latin typeface="Consolas" panose="020B0609020204030204"/>
+                  <a:cs typeface="Consolas" panose="020B0609020204030204"/>
                 </a:rPr>
                 <a:t>wait(</a:t>
               </a:r>
               <a:r>
                 <a:rPr lang="en-US" sz="1600" dirty="0" err="1">
-                  <a:latin typeface="Consolas"/>
-                  <a:cs typeface="Consolas"/>
+                  <a:latin typeface="Consolas" panose="020B0609020204030204"/>
+                  <a:cs typeface="Consolas" panose="020B0609020204030204"/>
                 </a:rPr>
                 <a:t>src</a:t>
               </a:r>
               <a:r>
                 <a:rPr lang="en-US" sz="1600" dirty="0">
-                  <a:latin typeface="Consolas"/>
-                  <a:cs typeface="Consolas"/>
+                  <a:latin typeface="Consolas" panose="020B0609020204030204"/>
+                  <a:cs typeface="Consolas" panose="020B0609020204030204"/>
                 </a:rPr>
                 <a:t>, </a:t>
               </a:r>
               <a:r>
                 <a:rPr lang="en-US" sz="1600" dirty="0" err="1">
-                  <a:latin typeface="Consolas"/>
-                  <a:cs typeface="Consolas"/>
+                  <a:latin typeface="Consolas" panose="020B0609020204030204"/>
+                  <a:cs typeface="Consolas" panose="020B0609020204030204"/>
                 </a:rPr>
                 <a:t>msg</a:t>
               </a:r>
               <a:r>
                 <a:rPr lang="en-US" sz="1600" dirty="0">
-                  <a:latin typeface="Consolas"/>
-                  <a:cs typeface="Consolas"/>
+                  <a:latin typeface="Consolas" panose="020B0609020204030204"/>
+                  <a:cs typeface="Consolas" panose="020B0609020204030204"/>
                 </a:rPr>
                 <a:t>)</a:t>
               </a:r>
+              <a:endParaRPr lang="en-US" sz="1600" dirty="0">
+                <a:latin typeface="Consolas" panose="020B0609020204030204"/>
+                <a:cs typeface="Consolas" panose="020B0609020204030204"/>
+              </a:endParaRPr>
             </a:p>
           </p:txBody>
         </p:sp>
@@ -11159,11 +11127,15 @@
             <a:p>
               <a:r>
                 <a:rPr lang="en-US" sz="1600" dirty="0">
-                  <a:latin typeface="Consolas"/>
-                  <a:cs typeface="Consolas"/>
+                  <a:latin typeface="Consolas" panose="020B0609020204030204"/>
+                  <a:cs typeface="Consolas" panose="020B0609020204030204"/>
                 </a:rPr>
                 <a:t>Running</a:t>
               </a:r>
+              <a:endParaRPr lang="en-US" sz="1600" dirty="0">
+                <a:latin typeface="Consolas" panose="020B0609020204030204"/>
+                <a:cs typeface="Consolas" panose="020B0609020204030204"/>
+              </a:endParaRPr>
             </a:p>
           </p:txBody>
         </p:sp>
@@ -11452,11 +11424,15 @@
             <a:p>
               <a:r>
                 <a:rPr lang="en-US" sz="1600" dirty="0">
-                  <a:latin typeface="Consolas"/>
-                  <a:cs typeface="Consolas"/>
+                  <a:latin typeface="Consolas" panose="020B0609020204030204"/>
+                  <a:cs typeface="Consolas" panose="020B0609020204030204"/>
                 </a:rPr>
                 <a:t>Running</a:t>
               </a:r>
+              <a:endParaRPr lang="en-US" sz="1600" dirty="0">
+                <a:latin typeface="Consolas" panose="020B0609020204030204"/>
+                <a:cs typeface="Consolas" panose="020B0609020204030204"/>
+              </a:endParaRPr>
             </a:p>
           </p:txBody>
         </p:sp>
@@ -11484,11 +11460,15 @@
             <a:p>
               <a:r>
                 <a:rPr lang="en-US" sz="1600" dirty="0">
-                  <a:latin typeface="Consolas"/>
-                  <a:cs typeface="Consolas"/>
+                  <a:latin typeface="Consolas" panose="020B0609020204030204"/>
+                  <a:cs typeface="Consolas" panose="020B0609020204030204"/>
                 </a:rPr>
                 <a:t>Running</a:t>
               </a:r>
+              <a:endParaRPr lang="en-US" sz="1600" dirty="0">
+                <a:latin typeface="Consolas" panose="020B0609020204030204"/>
+                <a:cs typeface="Consolas" panose="020B0609020204030204"/>
+              </a:endParaRPr>
             </a:p>
           </p:txBody>
         </p:sp>
@@ -11534,11 +11514,18 @@
                   <a:solidFill>
                     <a:srgbClr val="FF0000"/>
                   </a:solidFill>
-                  <a:latin typeface="Consolas"/>
-                  <a:cs typeface="Consolas"/>
+                  <a:latin typeface="Consolas" panose="020B0609020204030204"/>
+                  <a:cs typeface="Consolas" panose="020B0609020204030204"/>
                 </a:rPr>
                 <a:t>Wait</a:t>
               </a:r>
+              <a:endParaRPr lang="en-US" sz="1600" dirty="0">
+                <a:solidFill>
+                  <a:srgbClr val="FF0000"/>
+                </a:solidFill>
+                <a:latin typeface="Consolas" panose="020B0609020204030204"/>
+                <a:cs typeface="Consolas" panose="020B0609020204030204"/>
+              </a:endParaRPr>
             </a:p>
           </p:txBody>
         </p:sp>
@@ -11668,6 +11655,10 @@
                 </a:rPr>
                 <a:t>Kernel copy</a:t>
               </a:r>
+              <a:endParaRPr lang="en-US" sz="1600" dirty="0">
+                <a:latin typeface="Helvetica Neue Light"/>
+                <a:cs typeface="Helvetica Neue Light"/>
+              </a:endParaRPr>
             </a:p>
           </p:txBody>
         </p:sp>
@@ -11706,13 +11697,17 @@
               </a:rPr>
               <a:t>Kernel executes in sender’s context</a:t>
             </a:r>
+            <a:endParaRPr lang="en-US" sz="2000" dirty="0">
+              <a:latin typeface="Helvetica Neue Light"/>
+              <a:cs typeface="Helvetica Neue Light"/>
+            </a:endParaRPr>
           </a:p>
           <a:p>
             <a:pPr marL="285750" indent="-285750">
               <a:lnSpc>
                 <a:spcPct val="110000"/>
               </a:lnSpc>
-              <a:buFont typeface="Arial"/>
+              <a:buFont typeface="Arial" panose="020B0604020202020204"/>
               <a:buChar char="•"/>
             </a:pPr>
             <a:r>
@@ -11752,8 +11747,8 @@
             </a:r>
             <a:r>
               <a:rPr lang="en-US" sz="2000" dirty="0">
-                <a:latin typeface="Helvetica Neue "/>
-                <a:cs typeface="Helvetica Neue "/>
+                <a:latin typeface="Helvetica Neue"/>
+                <a:cs typeface="Helvetica Neue"/>
               </a:rPr>
               <a:t>single-copy</a:t>
             </a:r>
@@ -11764,13 +11759,17 @@
               </a:rPr>
               <a:t>)</a:t>
             </a:r>
+            <a:endParaRPr lang="en-US" sz="2000" dirty="0">
+              <a:latin typeface="Helvetica Neue Light"/>
+              <a:cs typeface="Helvetica Neue Light"/>
+            </a:endParaRPr>
           </a:p>
           <a:p>
             <a:pPr marL="285750" indent="-285750">
               <a:lnSpc>
                 <a:spcPct val="110000"/>
               </a:lnSpc>
-              <a:buFont typeface="Arial"/>
+              <a:buFont typeface="Arial" panose="020B0604020202020204"/>
               <a:buChar char="•"/>
             </a:pPr>
             <a:r>
@@ -11803,8 +11802,8 @@
             </a:r>
             <a:r>
               <a:rPr lang="en-US" sz="2000" dirty="0">
-                <a:latin typeface="Helvetica Neue "/>
-                <a:cs typeface="Helvetica Neue "/>
+                <a:latin typeface="Helvetica Neue"/>
+                <a:cs typeface="Helvetica Neue"/>
               </a:rPr>
               <a:t>zero copy</a:t>
             </a:r>
@@ -11815,15 +11814,14 @@
               </a:rPr>
               <a:t>)</a:t>
             </a:r>
+            <a:endParaRPr lang="en-US" sz="2000" dirty="0">
+              <a:latin typeface="Helvetica Neue Light"/>
+              <a:cs typeface="Helvetica Neue Light"/>
+            </a:endParaRPr>
           </a:p>
         </p:txBody>
       </p:sp>
     </p:spTree>
-    <p:extLst>
-      <p:ext uri="{BB962C8B-B14F-4D97-AF65-F5344CB8AC3E}">
-        <p14:creationId xmlns:p14="http://schemas.microsoft.com/office/powerpoint/2010/main" val="798589582"/>
-      </p:ext>
-    </p:extLst>
   </p:cSld>
   <p:clrMapOvr>
     <a:masterClrMapping/>
@@ -12134,7 +12132,7 @@
           <p:nvPr/>
         </p:nvPicPr>
         <p:blipFill>
-          <a:blip r:embed="rId2"/>
+          <a:blip r:embed="rId1"/>
           <a:stretch>
             <a:fillRect/>
           </a:stretch>
@@ -12180,9 +12178,9 @@
                 <a:solidFill>
                   <a:srgbClr val="3366FF"/>
                 </a:solidFill>
-                <a:latin typeface="Tahoma"/>
+                <a:latin typeface="Tahoma" panose="020B0604030504040204"/>
                 <a:ea typeface="+mj-ea"/>
-                <a:cs typeface="Tahoma"/>
+                <a:cs typeface="Tahoma" panose="020B0604030504040204"/>
               </a:defRPr>
             </a:lvl1pPr>
           </a:lstStyle>
@@ -12192,17 +12190,12 @@
               <a:t>Synchronous IPC Issues</a:t>
             </a:r>
             <a:endParaRPr lang="en-US" altLang="zh-CN" sz="2800" dirty="0" smtClean="0">
-              <a:ea typeface="宋体" charset="-122"/>
+              <a:ea typeface="宋体" panose="02010600030101010101" pitchFamily="2" charset="-122"/>
             </a:endParaRPr>
           </a:p>
         </p:txBody>
       </p:sp>
     </p:spTree>
-    <p:extLst>
-      <p:ext uri="{BB962C8B-B14F-4D97-AF65-F5344CB8AC3E}">
-        <p14:creationId xmlns:p14="http://schemas.microsoft.com/office/powerpoint/2010/main" val="1025766253"/>
-      </p:ext>
-    </p:extLst>
   </p:cSld>
   <p:clrMapOvr>
     <a:masterClrMapping/>
@@ -12280,6 +12273,7 @@
               <a:rPr lang="en-US" dirty="0" smtClean="0"/>
               <a:t>of synchronous IPCs</a:t>
             </a:r>
+            <a:endParaRPr lang="en-US" dirty="0" smtClean="0"/>
           </a:p>
           <a:p>
             <a:pPr lvl="1"/>
@@ -12287,6 +12281,7 @@
               <a:rPr lang="en-US" dirty="0" smtClean="0"/>
               <a:t>Have to block on IO operations</a:t>
             </a:r>
+            <a:endParaRPr lang="en-US" dirty="0" smtClean="0"/>
           </a:p>
           <a:p>
             <a:pPr lvl="1"/>
@@ -12294,6 +12289,7 @@
               <a:rPr lang="en-US" dirty="0" smtClean="0"/>
               <a:t>Forces apps to use multithreading</a:t>
             </a:r>
+            <a:endParaRPr lang="en-US" dirty="0" smtClean="0"/>
           </a:p>
           <a:p>
             <a:pPr lvl="1"/>
@@ -12301,6 +12297,7 @@
               <a:rPr lang="en-US" dirty="0" smtClean="0"/>
               <a:t>Poor choice for multicores (no need to block if IO executes on another core!)</a:t>
             </a:r>
+            <a:endParaRPr lang="en-US" dirty="0" smtClean="0"/>
           </a:p>
           <a:p>
             <a:pPr lvl="1"/>
@@ -12319,6 +12316,7 @@
               <a:rPr lang="en-US" dirty="0" smtClean="0"/>
               <a:t> IPCs</a:t>
             </a:r>
+            <a:endParaRPr lang="en-US" dirty="0" smtClean="0"/>
           </a:p>
           <a:p>
             <a:pPr lvl="1"/>
@@ -12334,6 +12332,7 @@
               <a:rPr lang="en-US" dirty="0" smtClean="0"/>
               <a:t>() in Unix</a:t>
             </a:r>
+            <a:endParaRPr lang="en-US" dirty="0" smtClean="0"/>
           </a:p>
           <a:p>
             <a:endParaRPr lang="en-US" dirty="0"/>
@@ -12658,32 +12657,36 @@
           <a:p>
             <a:r>
               <a:rPr lang="en-US" sz="1600" dirty="0" err="1">
-                <a:latin typeface="Consolas"/>
-                <a:cs typeface="Consolas"/>
+                <a:latin typeface="Consolas" panose="020B0609020204030204"/>
+                <a:cs typeface="Consolas" panose="020B0609020204030204"/>
               </a:rPr>
               <a:t>initiate_IO</a:t>
             </a:r>
             <a:r>
               <a:rPr lang="en-US" sz="1600" dirty="0">
-                <a:latin typeface="Consolas"/>
-                <a:cs typeface="Consolas"/>
+                <a:latin typeface="Consolas" panose="020B0609020204030204"/>
+                <a:cs typeface="Consolas" panose="020B0609020204030204"/>
               </a:rPr>
               <a:t>(</a:t>
             </a:r>
             <a:r>
               <a:rPr lang="is-IS" sz="1600" dirty="0">
-                <a:latin typeface="Consolas"/>
-                <a:cs typeface="Consolas"/>
+                <a:latin typeface="Consolas" panose="020B0609020204030204"/>
+                <a:cs typeface="Consolas" panose="020B0609020204030204"/>
               </a:rPr>
               <a:t>…</a:t>
             </a:r>
             <a:r>
               <a:rPr lang="en-US" sz="1600" dirty="0">
-                <a:latin typeface="Consolas"/>
-                <a:cs typeface="Consolas"/>
+                <a:latin typeface="Consolas" panose="020B0609020204030204"/>
+                <a:cs typeface="Consolas" panose="020B0609020204030204"/>
               </a:rPr>
               <a:t>)</a:t>
             </a:r>
+            <a:endParaRPr lang="en-US" sz="1600" dirty="0">
+              <a:latin typeface="Consolas" panose="020B0609020204030204"/>
+              <a:cs typeface="Consolas" panose="020B0609020204030204"/>
+            </a:endParaRPr>
           </a:p>
         </p:txBody>
       </p:sp>
@@ -12711,11 +12714,15 @@
           <a:p>
             <a:r>
               <a:rPr lang="en-US" sz="1600" dirty="0">
-                <a:latin typeface="Consolas"/>
-                <a:cs typeface="Consolas"/>
+                <a:latin typeface="Consolas" panose="020B0609020204030204"/>
+                <a:cs typeface="Consolas" panose="020B0609020204030204"/>
               </a:rPr>
               <a:t>Running</a:t>
             </a:r>
+            <a:endParaRPr lang="en-US" sz="1600" dirty="0">
+              <a:latin typeface="Consolas" panose="020B0609020204030204"/>
+              <a:cs typeface="Consolas" panose="020B0609020204030204"/>
+            </a:endParaRPr>
           </a:p>
         </p:txBody>
       </p:sp>
@@ -12743,11 +12750,15 @@
           <a:p>
             <a:r>
               <a:rPr lang="en-US" sz="1600" dirty="0">
-                <a:latin typeface="Consolas"/>
-                <a:cs typeface="Consolas"/>
+                <a:latin typeface="Consolas" panose="020B0609020204030204"/>
+                <a:cs typeface="Consolas" panose="020B0609020204030204"/>
               </a:rPr>
               <a:t>Thread</a:t>
             </a:r>
+            <a:endParaRPr lang="en-US" sz="1600" dirty="0">
+              <a:latin typeface="Consolas" panose="020B0609020204030204"/>
+              <a:cs typeface="Consolas" panose="020B0609020204030204"/>
+            </a:endParaRPr>
           </a:p>
         </p:txBody>
       </p:sp>
@@ -12898,32 +12909,36 @@
           <a:p>
             <a:r>
               <a:rPr lang="en-US" sz="1600" dirty="0" err="1">
-                <a:latin typeface="Consolas"/>
-                <a:cs typeface="Consolas"/>
+                <a:latin typeface="Consolas" panose="020B0609020204030204"/>
+                <a:cs typeface="Consolas" panose="020B0609020204030204"/>
               </a:rPr>
               <a:t>wait_IO</a:t>
             </a:r>
             <a:r>
               <a:rPr lang="en-US" sz="1600" dirty="0">
-                <a:latin typeface="Consolas"/>
-                <a:cs typeface="Consolas"/>
+                <a:latin typeface="Consolas" panose="020B0609020204030204"/>
+                <a:cs typeface="Consolas" panose="020B0609020204030204"/>
               </a:rPr>
               <a:t>(</a:t>
             </a:r>
             <a:r>
               <a:rPr lang="is-IS" sz="1600" dirty="0">
-                <a:latin typeface="Consolas"/>
-                <a:cs typeface="Consolas"/>
+                <a:latin typeface="Consolas" panose="020B0609020204030204"/>
+                <a:cs typeface="Consolas" panose="020B0609020204030204"/>
               </a:rPr>
               <a:t>…</a:t>
             </a:r>
             <a:r>
               <a:rPr lang="en-US" sz="1600" dirty="0">
-                <a:latin typeface="Consolas"/>
-                <a:cs typeface="Consolas"/>
+                <a:latin typeface="Consolas" panose="020B0609020204030204"/>
+                <a:cs typeface="Consolas" panose="020B0609020204030204"/>
               </a:rPr>
               <a:t>)</a:t>
             </a:r>
+            <a:endParaRPr lang="en-US" sz="1600" dirty="0">
+              <a:latin typeface="Consolas" panose="020B0609020204030204"/>
+              <a:cs typeface="Consolas" panose="020B0609020204030204"/>
+            </a:endParaRPr>
           </a:p>
         </p:txBody>
       </p:sp>
@@ -12961,6 +12976,10 @@
               </a:rPr>
               <a:t>receive</a:t>
             </a:r>
+            <a:endParaRPr lang="en-US" sz="1600" dirty="0">
+              <a:latin typeface="Helvetica Neue Light"/>
+              <a:cs typeface="Helvetica Neue Light"/>
+            </a:endParaRPr>
           </a:p>
           <a:p>
             <a:pPr>
@@ -13073,11 +13092,6 @@
         </p:style>
       </p:cxnSp>
     </p:spTree>
-    <p:extLst>
-      <p:ext uri="{BB962C8B-B14F-4D97-AF65-F5344CB8AC3E}">
-        <p14:creationId xmlns:p14="http://schemas.microsoft.com/office/powerpoint/2010/main" val="1859132384"/>
-      </p:ext>
-    </p:extLst>
   </p:cSld>
   <p:clrMapOvr>
     <a:masterClrMapping/>
@@ -13179,6 +13193,7 @@
               <a:rPr lang="en-US" dirty="0" smtClean="0"/>
               <a:t>and asynchronous </a:t>
             </a:r>
+            <a:endParaRPr lang="en-US" dirty="0" smtClean="0"/>
           </a:p>
           <a:p>
             <a:pPr>
@@ -13198,6 +13213,7 @@
               <a:rPr lang="en-US" dirty="0" smtClean="0"/>
               <a:t>can block or poll for message</a:t>
             </a:r>
+            <a:endParaRPr lang="en-US" dirty="0" smtClean="0"/>
           </a:p>
           <a:p>
             <a:pPr lvl="1">
@@ -13217,6 +13233,7 @@
               <a:rPr lang="en-US" dirty="0" smtClean="0"/>
               <a:t>seL4: Asynchronous Endpoints (AEP)</a:t>
             </a:r>
+            <a:endParaRPr lang="en-US" dirty="0" smtClean="0"/>
           </a:p>
           <a:p>
             <a:pPr lvl="1">
@@ -13240,6 +13257,7 @@
               <a:rPr lang="en-US" dirty="0" smtClean="0"/>
               <a:t>word notification field</a:t>
             </a:r>
+            <a:endParaRPr lang="en-US" dirty="0" smtClean="0"/>
           </a:p>
           <a:p>
             <a:pPr lvl="1">
@@ -13251,6 +13269,7 @@
               <a:rPr lang="en-US" dirty="0" smtClean="0"/>
               <a:t>Send sets a bit in notification field</a:t>
             </a:r>
+            <a:endParaRPr lang="en-US" dirty="0" smtClean="0"/>
           </a:p>
           <a:p>
             <a:pPr lvl="1">
@@ -13272,7 +13291,7 @@
             </a:r>
             <a:r>
               <a:rPr lang="en-US" dirty="0" smtClean="0">
-                <a:sym typeface="Wingdings"/>
+                <a:sym typeface="Wingdings" panose="05000000000000000000"/>
               </a:rPr>
               <a:t> notification</a:t>
             </a:r>
@@ -13614,25 +13633,29 @@
           <a:p>
             <a:r>
               <a:rPr lang="en-US" sz="1600" dirty="0">
-                <a:latin typeface="Consolas"/>
-                <a:cs typeface="Consolas"/>
+                <a:latin typeface="Consolas" panose="020B0609020204030204"/>
+                <a:cs typeface="Consolas" panose="020B0609020204030204"/>
               </a:rPr>
               <a:t>poll(</a:t>
             </a:r>
             <a:r>
               <a:rPr lang="is-IS" sz="1600" dirty="0">
-                <a:latin typeface="Consolas"/>
-                <a:cs typeface="Consolas"/>
+                <a:latin typeface="Consolas" panose="020B0609020204030204"/>
+                <a:cs typeface="Consolas" panose="020B0609020204030204"/>
               </a:rPr>
               <a:t>…</a:t>
             </a:r>
             <a:r>
               <a:rPr lang="en-US" sz="1600" dirty="0">
-                <a:latin typeface="Consolas"/>
-                <a:cs typeface="Consolas"/>
+                <a:latin typeface="Consolas" panose="020B0609020204030204"/>
+                <a:cs typeface="Consolas" panose="020B0609020204030204"/>
               </a:rPr>
               <a:t>)</a:t>
             </a:r>
+            <a:endParaRPr lang="en-US" sz="1600" dirty="0">
+              <a:latin typeface="Consolas" panose="020B0609020204030204"/>
+              <a:cs typeface="Consolas" panose="020B0609020204030204"/>
+            </a:endParaRPr>
           </a:p>
         </p:txBody>
       </p:sp>
@@ -13660,11 +13683,15 @@
           <a:p>
             <a:r>
               <a:rPr lang="en-US" sz="1600" dirty="0">
-                <a:latin typeface="Consolas"/>
-                <a:cs typeface="Consolas"/>
+                <a:latin typeface="Consolas" panose="020B0609020204030204"/>
+                <a:cs typeface="Consolas" panose="020B0609020204030204"/>
               </a:rPr>
               <a:t>Running</a:t>
             </a:r>
+            <a:endParaRPr lang="en-US" sz="1600" dirty="0">
+              <a:latin typeface="Consolas" panose="020B0609020204030204"/>
+              <a:cs typeface="Consolas" panose="020B0609020204030204"/>
+            </a:endParaRPr>
           </a:p>
         </p:txBody>
       </p:sp>
@@ -13692,11 +13719,15 @@
           <a:p>
             <a:r>
               <a:rPr lang="en-US" sz="1600" dirty="0">
-                <a:latin typeface="Consolas"/>
-                <a:cs typeface="Consolas"/>
+                <a:latin typeface="Consolas" panose="020B0609020204030204"/>
+                <a:cs typeface="Consolas" panose="020B0609020204030204"/>
               </a:rPr>
               <a:t>Thread</a:t>
             </a:r>
+            <a:endParaRPr lang="en-US" sz="1600" dirty="0">
+              <a:latin typeface="Consolas" panose="020B0609020204030204"/>
+              <a:cs typeface="Consolas" panose="020B0609020204030204"/>
+            </a:endParaRPr>
           </a:p>
         </p:txBody>
       </p:sp>
@@ -13847,11 +13878,15 @@
           <a:p>
             <a:r>
               <a:rPr lang="en-US" sz="1600" dirty="0">
-                <a:latin typeface="Consolas"/>
-                <a:cs typeface="Consolas"/>
+                <a:latin typeface="Consolas" panose="020B0609020204030204"/>
+                <a:cs typeface="Consolas" panose="020B0609020204030204"/>
               </a:rPr>
               <a:t>wait()</a:t>
             </a:r>
+            <a:endParaRPr lang="en-US" sz="1600" dirty="0">
+              <a:latin typeface="Consolas" panose="020B0609020204030204"/>
+              <a:cs typeface="Consolas" panose="020B0609020204030204"/>
+            </a:endParaRPr>
           </a:p>
         </p:txBody>
       </p:sp>
@@ -13888,6 +13923,9 @@
               </a:rPr>
               <a:t>receive</a:t>
             </a:r>
+            <a:endParaRPr lang="en-US" sz="1600" dirty="0">
+              <a:cs typeface="Helvetica Neue Light"/>
+            </a:endParaRPr>
           </a:p>
           <a:p>
             <a:pPr>
@@ -14042,7 +14080,7 @@
                 <a:solidFill>
                   <a:srgbClr val="FF0000"/>
                 </a:solidFill>
-                <a:cs typeface="Helvetica Neue "/>
+                <a:cs typeface="Helvetica Neue"/>
               </a:rPr>
               <a:t>Added </a:t>
             </a:r>
@@ -14051,7 +14089,7 @@
                 <a:solidFill>
                   <a:srgbClr val="FF0000"/>
                 </a:solidFill>
-                <a:cs typeface="Helvetica Neue "/>
+                <a:cs typeface="Helvetica Neue"/>
               </a:rPr>
               <a:t>async</a:t>
             </a:r>
@@ -14060,7 +14098,7 @@
                 <a:solidFill>
                   <a:srgbClr val="FF0000"/>
                 </a:solidFill>
-                <a:cs typeface="Helvetica Neue "/>
+                <a:cs typeface="Helvetica Neue"/>
               </a:rPr>
               <a:t> notifications to complement </a:t>
             </a:r>
@@ -14069,7 +14107,7 @@
                 <a:solidFill>
                   <a:srgbClr val="FF0000"/>
                 </a:solidFill>
-                <a:cs typeface="Helvetica Neue "/>
+                <a:cs typeface="Helvetica Neue"/>
               </a:rPr>
               <a:t>syn</a:t>
             </a:r>
@@ -14078,19 +14116,20 @@
                 <a:solidFill>
                   <a:srgbClr val="FF0000"/>
                 </a:solidFill>
-                <a:cs typeface="Helvetica Neue "/>
+                <a:cs typeface="Helvetica Neue"/>
               </a:rPr>
               <a:t> IPCs</a:t>
             </a:r>
+            <a:endParaRPr lang="en-US" sz="2400" dirty="0">
+              <a:solidFill>
+                <a:srgbClr val="FF0000"/>
+              </a:solidFill>
+              <a:cs typeface="Helvetica Neue"/>
+            </a:endParaRPr>
           </a:p>
         </p:txBody>
       </p:sp>
     </p:spTree>
-    <p:extLst>
-      <p:ext uri="{BB962C8B-B14F-4D97-AF65-F5344CB8AC3E}">
-        <p14:creationId xmlns:p14="http://schemas.microsoft.com/office/powerpoint/2010/main" val="3209883386"/>
-      </p:ext>
-    </p:extLst>
   </p:cSld>
   <p:clrMapOvr>
     <a:masterClrMapping/>
@@ -14260,19 +14299,12 @@
           <a:p>
             <a:fld id="{1D72EBF8-7CF5-44B7-B2BF-E22DE4D0703D}" type="slidenum">
               <a:rPr lang="en-US" smtClean="0"/>
-              <a:pPr/>
-              <a:t>3</a:t>
             </a:fld>
             <a:endParaRPr lang="en-US"/>
           </a:p>
         </p:txBody>
       </p:sp>
     </p:spTree>
-    <p:extLst>
-      <p:ext uri="{BB962C8B-B14F-4D97-AF65-F5344CB8AC3E}">
-        <p14:creationId xmlns:p14="http://schemas.microsoft.com/office/powerpoint/2010/main" val="691123188"/>
-      </p:ext>
-    </p:extLst>
   </p:cSld>
   <p:clrMapOvr>
     <a:masterClrMapping/>
@@ -14313,7 +14345,7 @@
           <p:nvPr/>
         </p:nvPicPr>
         <p:blipFill>
-          <a:blip r:embed="rId2">
+          <a:blip r:embed="rId1">
             <a:extLst>
               <a:ext uri="{28A0092B-C50C-407E-A947-70E740481C1C}">
                 <a14:useLocalDpi xmlns:a14="http://schemas.microsoft.com/office/drawing/2010/main" val="0"/>
@@ -14358,11 +14390,6 @@
         </p:txBody>
       </p:sp>
     </p:spTree>
-    <p:extLst>
-      <p:ext uri="{BB962C8B-B14F-4D97-AF65-F5344CB8AC3E}">
-        <p14:creationId xmlns:p14="http://schemas.microsoft.com/office/powerpoint/2010/main" val="1991414579"/>
-      </p:ext>
-    </p:extLst>
   </p:cSld>
   <p:clrMapOvr>
     <a:masterClrMapping/>
@@ -14403,7 +14430,7 @@
           <p:nvPr/>
         </p:nvPicPr>
         <p:blipFill>
-          <a:blip r:embed="rId2"/>
+          <a:blip r:embed="rId1"/>
           <a:stretch>
             <a:fillRect/>
           </a:stretch>
@@ -14449,9 +14476,9 @@
                 <a:solidFill>
                   <a:srgbClr val="3366FF"/>
                 </a:solidFill>
-                <a:latin typeface="Tahoma"/>
+                <a:latin typeface="Tahoma" panose="020B0604030504040204"/>
                 <a:ea typeface="+mj-ea"/>
-                <a:cs typeface="Tahoma"/>
+                <a:cs typeface="Tahoma" panose="020B0604030504040204"/>
               </a:defRPr>
             </a:lvl1pPr>
           </a:lstStyle>
@@ -14461,17 +14488,12 @@
               <a:t>L4 Deployments – in the Billions</a:t>
             </a:r>
             <a:endParaRPr lang="en-US" altLang="zh-CN" sz="3200" dirty="0" smtClean="0">
-              <a:ea typeface="宋体" charset="-122"/>
+              <a:ea typeface="宋体" panose="02010600030101010101" pitchFamily="2" charset="-122"/>
             </a:endParaRPr>
           </a:p>
         </p:txBody>
       </p:sp>
     </p:spTree>
-    <p:extLst>
-      <p:ext uri="{BB962C8B-B14F-4D97-AF65-F5344CB8AC3E}">
-        <p14:creationId xmlns:p14="http://schemas.microsoft.com/office/powerpoint/2010/main" val="376544861"/>
-      </p:ext>
-    </p:extLst>
   </p:cSld>
   <p:clrMapOvr>
     <a:masterClrMapping/>
@@ -14505,7 +14527,7 @@
           <p:nvPr/>
         </p:nvPicPr>
         <p:blipFill>
-          <a:blip r:embed="rId2"/>
+          <a:blip r:embed="rId1"/>
           <a:stretch>
             <a:fillRect/>
           </a:stretch>
@@ -14551,9 +14573,9 @@
                 <a:solidFill>
                   <a:srgbClr val="3366FF"/>
                 </a:solidFill>
-                <a:latin typeface="Tahoma"/>
+                <a:latin typeface="Tahoma" panose="020B0604030504040204"/>
                 <a:ea typeface="+mj-ea"/>
-                <a:cs typeface="Tahoma"/>
+                <a:cs typeface="Tahoma" panose="020B0604030504040204"/>
               </a:defRPr>
             </a:lvl1pPr>
           </a:lstStyle>
@@ -14563,17 +14585,12 @@
               <a:t>seL4: Unprecedented Dependability</a:t>
             </a:r>
             <a:endParaRPr lang="en-US" altLang="zh-CN" sz="2800" dirty="0" smtClean="0">
-              <a:ea typeface="宋体" charset="-122"/>
+              <a:ea typeface="宋体" panose="02010600030101010101" pitchFamily="2" charset="-122"/>
             </a:endParaRPr>
           </a:p>
         </p:txBody>
       </p:sp>
     </p:spTree>
-    <p:extLst>
-      <p:ext uri="{BB962C8B-B14F-4D97-AF65-F5344CB8AC3E}">
-        <p14:creationId xmlns:p14="http://schemas.microsoft.com/office/powerpoint/2010/main" val="4013931364"/>
-      </p:ext>
-    </p:extLst>
   </p:cSld>
   <p:clrMapOvr>
     <a:masterClrMapping/>
@@ -14659,6 +14676,7 @@
               <a:rPr lang="en-US" dirty="0" smtClean="0"/>
               <a:t>Hardware standardization:</a:t>
             </a:r>
+            <a:endParaRPr lang="en-US" dirty="0" smtClean="0"/>
           </a:p>
           <a:p>
             <a:pPr lvl="1">
@@ -14670,6 +14688,7 @@
               <a:rPr lang="en-US" dirty="0" smtClean="0"/>
               <a:t>Intel and ARM dominating</a:t>
             </a:r>
+            <a:endParaRPr lang="en-US" dirty="0" smtClean="0"/>
           </a:p>
           <a:p>
             <a:pPr lvl="1">
@@ -14681,6 +14700,7 @@
               <a:rPr lang="en-US" dirty="0" smtClean="0"/>
               <a:t>Less need for portability, one of main goals of Mach</a:t>
             </a:r>
+            <a:endParaRPr lang="en-US" dirty="0" smtClean="0"/>
           </a:p>
           <a:p>
             <a:pPr>
@@ -14692,6 +14712,7 @@
               <a:rPr lang="en-US" dirty="0" smtClean="0"/>
               <a:t>Software standardization:</a:t>
             </a:r>
+            <a:endParaRPr lang="en-US" dirty="0" smtClean="0"/>
           </a:p>
           <a:p>
             <a:pPr lvl="1">
@@ -14719,6 +14740,7 @@
               <a:rPr lang="en-US" dirty="0" smtClean="0"/>
               <a:t>, Linux/Android</a:t>
             </a:r>
+            <a:endParaRPr lang="en-US" dirty="0" smtClean="0"/>
           </a:p>
           <a:p>
             <a:pPr lvl="1">
@@ -14742,6 +14764,7 @@
               <a:rPr lang="en-US" dirty="0" smtClean="0"/>
               <a:t>Maybe just a fluke? </a:t>
             </a:r>
+            <a:endParaRPr lang="en-US" dirty="0" smtClean="0"/>
           </a:p>
           <a:p>
             <a:pPr lvl="1">
@@ -14753,6 +14776,7 @@
               <a:rPr lang="en-US" dirty="0" smtClean="0"/>
               <a:t>Linux could have been very well adopted the microkernel approach</a:t>
             </a:r>
+            <a:endParaRPr lang="en-US" dirty="0" smtClean="0"/>
           </a:p>
           <a:p>
             <a:pPr lvl="1">
@@ -14772,6 +14796,7 @@
               <a:rPr lang="en-US" dirty="0" smtClean="0"/>
               <a:t> </a:t>
             </a:r>
+            <a:endParaRPr lang="en-US" dirty="0" smtClean="0"/>
           </a:p>
           <a:p>
             <a:pPr lvl="2">
@@ -14830,7 +14855,7 @@
             </a:r>
             <a:r>
               <a:rPr lang="en-US" sz="1400" dirty="0">
-                <a:hlinkClick r:id="rId2"/>
+                <a:hlinkClick r:id="rId1"/>
               </a:rPr>
               <a:t>http://www.oreilly.com/openbook/opensources/book/appa.html</a:t>
             </a:r>
@@ -14838,15 +14863,11 @@
               <a:rPr lang="en-US" sz="1400" dirty="0"/>
               <a:t>)</a:t>
             </a:r>
+            <a:endParaRPr lang="en-US" sz="1400" dirty="0"/>
           </a:p>
         </p:txBody>
       </p:sp>
     </p:spTree>
-    <p:extLst>
-      <p:ext uri="{BB962C8B-B14F-4D97-AF65-F5344CB8AC3E}">
-        <p14:creationId xmlns:p14="http://schemas.microsoft.com/office/powerpoint/2010/main" val="277417012"/>
-      </p:ext>
-    </p:extLst>
   </p:cSld>
   <p:clrMapOvr>
     <a:masterClrMapping/>
@@ -15339,11 +15360,6 @@
         </p:txBody>
       </p:sp>
     </p:spTree>
-    <p:extLst>
-      <p:ext uri="{BB962C8B-B14F-4D97-AF65-F5344CB8AC3E}">
-        <p14:creationId xmlns:p14="http://schemas.microsoft.com/office/powerpoint/2010/main" val="943726501"/>
-      </p:ext>
-    </p:extLst>
   </p:cSld>
   <p:clrMapOvr>
     <a:masterClrMapping/>
@@ -15390,16 +15406,19 @@
           <a:p>
             <a:r>
               <a:rPr lang="en-US" altLang="zh-CN" dirty="0" err="1" smtClean="0">
-                <a:ea typeface="宋体" charset="-122"/>
+                <a:ea typeface="宋体" panose="02010600030101010101" pitchFamily="2" charset="-122"/>
               </a:rPr>
               <a:t>Exokernel</a:t>
             </a:r>
             <a:r>
               <a:rPr lang="en-US" altLang="zh-CN" dirty="0" smtClean="0">
-                <a:ea typeface="宋体" charset="-122"/>
+                <a:ea typeface="宋体" panose="02010600030101010101" pitchFamily="2" charset="-122"/>
               </a:rPr>
               <a:t> Structure</a:t>
             </a:r>
+            <a:endParaRPr lang="en-US" altLang="zh-CN" dirty="0" smtClean="0">
+              <a:ea typeface="宋体" panose="02010600030101010101" pitchFamily="2" charset="-122"/>
+            </a:endParaRPr>
           </a:p>
         </p:txBody>
       </p:sp>
@@ -15430,10 +15449,13 @@
             </a:pPr>
             <a:r>
               <a:rPr lang="en-US" altLang="zh-CN" sz="2800" dirty="0" smtClean="0">
-                <a:ea typeface="宋体" charset="-122"/>
+                <a:ea typeface="宋体" panose="02010600030101010101" pitchFamily="2" charset="-122"/>
               </a:rPr>
               <a:t>Overview</a:t>
             </a:r>
+            <a:endParaRPr lang="en-US" altLang="zh-CN" sz="2800" dirty="0" smtClean="0">
+              <a:ea typeface="宋体" panose="02010600030101010101" pitchFamily="2" charset="-122"/>
+            </a:endParaRPr>
           </a:p>
           <a:p>
             <a:pPr marL="457200" lvl="1" indent="0">
@@ -15441,17 +15463,20 @@
             </a:pPr>
             <a:r>
               <a:rPr lang="en-US" altLang="zh-CN" sz="2400" dirty="0" smtClean="0">
-                <a:ea typeface="宋体" charset="-122"/>
+                <a:ea typeface="宋体" panose="02010600030101010101" pitchFamily="2" charset="-122"/>
               </a:rPr>
               <a:t>let the kernel allocate the physical resources of the machine to multiple application programs, and </a:t>
             </a:r>
+            <a:endParaRPr lang="en-US" altLang="zh-CN" sz="2400" dirty="0" smtClean="0">
+              <a:ea typeface="宋体" panose="02010600030101010101" pitchFamily="2" charset="-122"/>
+            </a:endParaRPr>
           </a:p>
           <a:p>
             <a:pPr marL="457200" lvl="1" indent="0">
               <a:buNone/>
             </a:pPr>
             <a:endParaRPr lang="en-US" altLang="zh-CN" sz="2400" dirty="0" smtClean="0">
-              <a:ea typeface="宋体" charset="-122"/>
+              <a:ea typeface="宋体" panose="02010600030101010101" pitchFamily="2" charset="-122"/>
             </a:endParaRPr>
           </a:p>
           <a:p>
@@ -15460,17 +15485,20 @@
             </a:pPr>
             <a:r>
               <a:rPr lang="en-US" altLang="zh-CN" sz="2400" dirty="0" smtClean="0">
-                <a:ea typeface="宋体" charset="-122"/>
+                <a:ea typeface="宋体" panose="02010600030101010101" pitchFamily="2" charset="-122"/>
               </a:rPr>
               <a:t>let each program decide what to do with these resources.</a:t>
             </a:r>
+            <a:endParaRPr lang="en-US" altLang="zh-CN" sz="2400" dirty="0" smtClean="0">
+              <a:ea typeface="宋体" panose="02010600030101010101" pitchFamily="2" charset="-122"/>
+            </a:endParaRPr>
           </a:p>
           <a:p>
             <a:pPr marL="457200" lvl="1" indent="0">
               <a:buNone/>
             </a:pPr>
             <a:endParaRPr lang="en-US" altLang="zh-CN" sz="2400" dirty="0" smtClean="0">
-              <a:ea typeface="宋体" charset="-122"/>
+              <a:ea typeface="宋体" panose="02010600030101010101" pitchFamily="2" charset="-122"/>
             </a:endParaRPr>
           </a:p>
           <a:p>
@@ -15479,22 +15507,25 @@
             </a:pPr>
             <a:r>
               <a:rPr lang="en-US" altLang="zh-CN" sz="2400" dirty="0" smtClean="0">
-                <a:ea typeface="宋体" charset="-122"/>
+                <a:ea typeface="宋体" panose="02010600030101010101" pitchFamily="2" charset="-122"/>
               </a:rPr>
               <a:t>The program can link to an operating system library (</a:t>
             </a:r>
             <a:r>
               <a:rPr lang="en-US" altLang="zh-CN" sz="2400" dirty="0" err="1" smtClean="0">
-                <a:ea typeface="宋体" charset="-122"/>
+                <a:ea typeface="宋体" panose="02010600030101010101" pitchFamily="2" charset="-122"/>
               </a:rPr>
               <a:t>libOS</a:t>
             </a:r>
             <a:r>
               <a:rPr lang="en-US" altLang="zh-CN" sz="2400" dirty="0" smtClean="0">
-                <a:ea typeface="宋体" charset="-122"/>
+                <a:ea typeface="宋体" panose="02010600030101010101" pitchFamily="2" charset="-122"/>
               </a:rPr>
               <a:t>) that implements OS abstractions. </a:t>
             </a:r>
+            <a:endParaRPr lang="en-US" altLang="zh-CN" sz="2400" dirty="0" smtClean="0">
+              <a:ea typeface="宋体" panose="02010600030101010101" pitchFamily="2" charset="-122"/>
+            </a:endParaRPr>
           </a:p>
         </p:txBody>
       </p:sp>
@@ -15548,11 +15579,6 @@
         </p:txBody>
       </p:sp>
     </p:spTree>
-    <p:extLst>
-      <p:ext uri="{BB962C8B-B14F-4D97-AF65-F5344CB8AC3E}">
-        <p14:creationId xmlns:p14="http://schemas.microsoft.com/office/powerpoint/2010/main" val="1996318642"/>
-      </p:ext>
-    </p:extLst>
   </p:cSld>
   <p:clrMapOvr>
     <a:masterClrMapping/>
@@ -15659,6 +15685,7 @@
               <a:rPr lang="en-US" sz="2600" dirty="0" smtClean="0"/>
               <a:t>Kernel classification</a:t>
             </a:r>
+            <a:endParaRPr lang="en-US" sz="2600" dirty="0" smtClean="0"/>
           </a:p>
           <a:p>
             <a:pPr marL="457200" lvl="1" indent="0">
@@ -15668,6 +15695,7 @@
               <a:rPr lang="en-US" sz="2600" dirty="0" smtClean="0"/>
               <a:t>Motivation</a:t>
             </a:r>
+            <a:endParaRPr lang="en-US" sz="2600" dirty="0" smtClean="0"/>
           </a:p>
           <a:p>
             <a:pPr marL="457200" lvl="1" indent="0">
@@ -15677,6 +15705,7 @@
               <a:rPr lang="en-US" sz="2600" dirty="0" smtClean="0"/>
               <a:t>Design and Implementation</a:t>
             </a:r>
+            <a:endParaRPr lang="en-US" sz="2600" dirty="0" smtClean="0"/>
           </a:p>
           <a:p>
             <a:pPr marL="457200" lvl="1" indent="0">
@@ -15686,6 +15715,7 @@
               <a:rPr lang="en-US" sz="2600" dirty="0" smtClean="0"/>
               <a:t>Evaluation</a:t>
             </a:r>
+            <a:endParaRPr lang="en-US" sz="2600" dirty="0" smtClean="0"/>
           </a:p>
           <a:p>
             <a:pPr marL="0" indent="0">
@@ -15719,6 +15749,7 @@
               <a:rPr lang="en-US" sz="2600" dirty="0" smtClean="0"/>
               <a:t>Multi-core era and scalability problem</a:t>
             </a:r>
+            <a:endParaRPr lang="en-US" sz="2600" dirty="0" smtClean="0"/>
           </a:p>
           <a:p>
             <a:pPr marL="457200" lvl="1" indent="0">
@@ -15728,6 +15759,7 @@
               <a:rPr lang="en-US" sz="2600" dirty="0" smtClean="0"/>
               <a:t>Sharing and Address range</a:t>
             </a:r>
+            <a:endParaRPr lang="en-US" sz="2600" dirty="0" smtClean="0"/>
           </a:p>
           <a:p>
             <a:pPr marL="457200" lvl="1" indent="0">
@@ -15737,6 +15769,7 @@
               <a:rPr lang="en-US" sz="2600" dirty="0" smtClean="0"/>
               <a:t>Summery </a:t>
             </a:r>
+            <a:endParaRPr lang="en-US" sz="2600" dirty="0" smtClean="0"/>
           </a:p>
           <a:p>
             <a:pPr marL="457200" lvl="1" indent="0">
@@ -15769,19 +15802,12 @@
           <a:p>
             <a:fld id="{1D72EBF8-7CF5-44B7-B2BF-E22DE4D0703D}" type="slidenum">
               <a:rPr lang="en-US" smtClean="0"/>
-              <a:pPr/>
-              <a:t>36</a:t>
             </a:fld>
             <a:endParaRPr lang="en-US"/>
           </a:p>
         </p:txBody>
       </p:sp>
     </p:spTree>
-    <p:extLst>
-      <p:ext uri="{BB962C8B-B14F-4D97-AF65-F5344CB8AC3E}">
-        <p14:creationId xmlns:p14="http://schemas.microsoft.com/office/powerpoint/2010/main" val="3500151955"/>
-      </p:ext>
-    </p:extLst>
   </p:cSld>
   <p:clrMapOvr>
     <a:masterClrMapping/>
@@ -15873,6 +15899,7 @@
               <a:rPr lang="en-US" dirty="0" smtClean="0"/>
               <a:t>)</a:t>
             </a:r>
+            <a:endParaRPr lang="en-US" dirty="0" smtClean="0"/>
           </a:p>
           <a:p>
             <a:pPr marL="0" indent="0">
@@ -15906,6 +15933,7 @@
               <a:rPr lang="en-US" altLang="ko-KR" dirty="0" smtClean="0"/>
               <a:t>Monolithic kernel</a:t>
             </a:r>
+            <a:endParaRPr lang="en-US" altLang="ko-KR" dirty="0" smtClean="0"/>
           </a:p>
           <a:p>
             <a:pPr marL="457200" lvl="1" indent="0">
@@ -15927,6 +15955,7 @@
               <a:rPr lang="en-US" altLang="zh-CN" sz="2000" dirty="0" smtClean="0"/>
               <a:t>.</a:t>
             </a:r>
+            <a:endParaRPr lang="en-US" altLang="zh-CN" sz="2000" dirty="0" smtClean="0"/>
           </a:p>
           <a:p>
             <a:pPr marL="914400" lvl="2" indent="0">
@@ -15936,6 +15965,7 @@
               <a:rPr lang="en-US" altLang="ko-KR" dirty="0" smtClean="0"/>
               <a:t>Linux, BSD…</a:t>
             </a:r>
+            <a:endParaRPr lang="en-US" altLang="ko-KR" dirty="0" smtClean="0"/>
           </a:p>
         </p:txBody>
       </p:sp>
@@ -15956,8 +15986,6 @@
           <a:p>
             <a:fld id="{1D72EBF8-7CF5-44B7-B2BF-E22DE4D0703D}" type="slidenum">
               <a:rPr lang="en-US" smtClean="0"/>
-              <a:pPr/>
-              <a:t>37</a:t>
             </a:fld>
             <a:endParaRPr lang="en-US"/>
           </a:p>
@@ -15969,9 +15997,7 @@
           <p:cNvGraphicFramePr>
             <a:graphicFrameLocks noGrp="1"/>
           </p:cNvGraphicFramePr>
-          <p:nvPr>
-            <p:extLst/>
-          </p:nvPr>
+          <p:nvPr/>
         </p:nvGraphicFramePr>
         <p:xfrm>
           <a:off x="947814" y="1896344"/>
@@ -15984,41 +16010,11 @@
                 <a:tableStyleId>{C4B1156A-380E-4F78-BDF5-A606A8083BF9}</a:tableStyleId>
               </a:tblPr>
               <a:tblGrid>
-                <a:gridCol w="1568587">
-                  <a:extLst>
-                    <a:ext uri="{9D8B030D-6E8A-4147-A177-3AD203B41FA5}">
-                      <a16:colId xmlns:a16="http://schemas.microsoft.com/office/drawing/2014/main" xmlns="" val="20000"/>
-                    </a:ext>
-                  </a:extLst>
-                </a:gridCol>
-                <a:gridCol w="1493379">
-                  <a:extLst>
-                    <a:ext uri="{9D8B030D-6E8A-4147-A177-3AD203B41FA5}">
-                      <a16:colId xmlns:a16="http://schemas.microsoft.com/office/drawing/2014/main" xmlns="" val="20001"/>
-                    </a:ext>
-                  </a:extLst>
-                </a:gridCol>
-                <a:gridCol w="1552172">
-                  <a:extLst>
-                    <a:ext uri="{9D8B030D-6E8A-4147-A177-3AD203B41FA5}">
-                      <a16:colId xmlns:a16="http://schemas.microsoft.com/office/drawing/2014/main" xmlns="" val="20002"/>
-                    </a:ext>
-                  </a:extLst>
-                </a:gridCol>
-                <a:gridCol w="1399307">
-                  <a:extLst>
-                    <a:ext uri="{9D8B030D-6E8A-4147-A177-3AD203B41FA5}">
-                      <a16:colId xmlns:a16="http://schemas.microsoft.com/office/drawing/2014/main" xmlns="" val="20003"/>
-                    </a:ext>
-                  </a:extLst>
-                </a:gridCol>
-                <a:gridCol w="1269958">
-                  <a:extLst>
-                    <a:ext uri="{9D8B030D-6E8A-4147-A177-3AD203B41FA5}">
-                      <a16:colId xmlns:a16="http://schemas.microsoft.com/office/drawing/2014/main" xmlns="" val="20004"/>
-                    </a:ext>
-                  </a:extLst>
-                </a:gridCol>
+                <a:gridCol w="1568587"/>
+                <a:gridCol w="1493379"/>
+                <a:gridCol w="1552172"/>
+                <a:gridCol w="1399307"/>
+                <a:gridCol w="1269958"/>
               </a:tblGrid>
               <a:tr h="835280">
                 <a:tc>
@@ -16031,6 +16027,7 @@
                         <a:rPr lang="en-US" sz="2400" dirty="0" smtClean="0"/>
                         <a:t>Kernel</a:t>
                       </a:r>
+                      <a:endParaRPr lang="en-US" sz="2400" dirty="0" smtClean="0"/>
                     </a:p>
                     <a:p>
                       <a:pPr algn="ctr"/>
@@ -16135,22 +16132,12 @@
                   </a:txBody>
                   <a:tcPr anchor="ctr"/>
                 </a:tc>
-                <a:extLst>
-                  <a:ext uri="{0D108BD9-81ED-4DB2-BD59-A6C34878D82A}">
-                    <a16:rowId xmlns:a16="http://schemas.microsoft.com/office/drawing/2014/main" xmlns="" val="10000"/>
-                  </a:ext>
-                </a:extLst>
               </a:tr>
             </a:tbl>
           </a:graphicData>
         </a:graphic>
       </p:graphicFrame>
     </p:spTree>
-    <p:extLst>
-      <p:ext uri="{BB962C8B-B14F-4D97-AF65-F5344CB8AC3E}">
-        <p14:creationId xmlns:p14="http://schemas.microsoft.com/office/powerpoint/2010/main" val="3246564641"/>
-      </p:ext>
-    </p:extLst>
   </p:cSld>
   <p:clrMapOvr>
     <a:masterClrMapping/>
@@ -16229,6 +16216,7 @@
               <a:rPr lang="en-US" altLang="ko-KR" dirty="0" smtClean="0"/>
               <a:t>Microkernel</a:t>
             </a:r>
+            <a:endParaRPr lang="en-US" altLang="ko-KR" dirty="0" smtClean="0"/>
           </a:p>
           <a:p>
             <a:pPr marL="457200" lvl="1" indent="0">
@@ -16256,6 +16244,7 @@
               <a:rPr lang="en-US" altLang="zh-CN" sz="1800" dirty="0" smtClean="0"/>
               <a:t>) and so on …</a:t>
             </a:r>
+            <a:endParaRPr lang="en-US" altLang="zh-CN" sz="1800" dirty="0" smtClean="0"/>
           </a:p>
           <a:p>
             <a:pPr marL="457200" lvl="1" indent="0">
@@ -16288,6 +16277,7 @@
               <a:rPr lang="en-US" altLang="ko-KR" dirty="0"/>
               <a:t>Hybrid kernel</a:t>
             </a:r>
+            <a:endParaRPr lang="en-US" altLang="ko-KR" dirty="0"/>
           </a:p>
           <a:p>
             <a:pPr marL="457200" lvl="1" indent="0">
@@ -16305,6 +16295,7 @@
               <a:rPr lang="en-US" altLang="zh-CN" sz="2000" dirty="0" smtClean="0"/>
               <a:t>.</a:t>
             </a:r>
+            <a:endParaRPr lang="en-US" altLang="zh-CN" sz="2000" dirty="0" smtClean="0"/>
           </a:p>
           <a:p>
             <a:pPr marL="457200" lvl="1" indent="0">
@@ -16317,6 +16308,10 @@
               </a:rPr>
               <a:t>Windows NT kernel</a:t>
             </a:r>
+            <a:endParaRPr lang="en-US" altLang="ko-KR" sz="2000" dirty="0" smtClean="0">
+              <a:latin typeface="HY강M" pitchFamily="18" charset="-127"/>
+              <a:ea typeface="HY강M" pitchFamily="18" charset="-127"/>
+            </a:endParaRPr>
           </a:p>
         </p:txBody>
       </p:sp>
@@ -16337,28 +16332,21 @@
           <a:p>
             <a:fld id="{1D72EBF8-7CF5-44B7-B2BF-E22DE4D0703D}" type="slidenum">
               <a:rPr lang="en-US" smtClean="0"/>
-              <a:pPr/>
-              <a:t>38</a:t>
             </a:fld>
             <a:endParaRPr lang="en-US"/>
           </a:p>
         </p:txBody>
       </p:sp>
     </p:spTree>
-    <p:extLst>
-      <p:ext uri="{BB962C8B-B14F-4D97-AF65-F5344CB8AC3E}">
-        <p14:creationId xmlns:p14="http://schemas.microsoft.com/office/powerpoint/2010/main" val="633393547"/>
-      </p:ext>
-    </p:extLst>
   </p:cSld>
   <p:clrMapOvr>
     <a:masterClrMapping/>
   </p:clrMapOvr>
-  <mc:AlternateContent xmlns:mc="http://schemas.openxmlformats.org/markup-compatibility/2006" xmlns:p14="http://schemas.microsoft.com/office/powerpoint/2010/main">
-    <mc:Choice Requires="p14">
+  <mc:AlternateContent xmlns:mc="http://schemas.openxmlformats.org/markup-compatibility/2006">
+    <mc:Choice xmlns:p14="http://schemas.microsoft.com/office/powerpoint/2010/main" Requires="p14">
       <p:transition spd="slow" p14:dur="2000"/>
     </mc:Choice>
-    <mc:Fallback xmlns="">
+    <mc:Fallback>
       <p:transition spd="slow"/>
     </mc:Fallback>
   </mc:AlternateContent>
@@ -16444,8 +16432,6 @@
           <a:p>
             <a:fld id="{1D72EBF8-7CF5-44B7-B2BF-E22DE4D0703D}" type="slidenum">
               <a:rPr lang="en-US" smtClean="0"/>
-              <a:pPr/>
-              <a:t>39</a:t>
             </a:fld>
             <a:endParaRPr lang="en-US"/>
           </a:p>
@@ -16460,7 +16446,7 @@
           <p:nvPr/>
         </p:nvPicPr>
         <p:blipFill>
-          <a:blip r:embed="rId3" cstate="email">
+          <a:blip r:embed="rId1" cstate="email">
             <a:extLst>
               <a:ext uri="{28A0092B-C50C-407E-A947-70E740481C1C}">
                 <a14:useLocalDpi xmlns:a14="http://schemas.microsoft.com/office/drawing/2010/main" val="0"/>
@@ -16481,23 +16467,9 @@
             <a:avLst/>
           </a:prstGeom>
           <a:noFill/>
-          <a:extLst>
-            <a:ext uri="{909E8E84-426E-40dd-AFC4-6F175D3DCCD1}">
-              <a14:hiddenFill xmlns:a14="http://schemas.microsoft.com/office/drawing/2010/main" xmlns="">
-                <a:solidFill>
-                  <a:srgbClr val="FFFFFF"/>
-                </a:solidFill>
-              </a14:hiddenFill>
-            </a:ext>
-          </a:extLst>
         </p:spPr>
       </p:pic>
     </p:spTree>
-    <p:extLst>
-      <p:ext uri="{BB962C8B-B14F-4D97-AF65-F5344CB8AC3E}">
-        <p14:creationId xmlns:p14="http://schemas.microsoft.com/office/powerpoint/2010/main" val="1987963242"/>
-      </p:ext>
-    </p:extLst>
   </p:cSld>
   <p:clrMapOvr>
     <a:masterClrMapping/>
@@ -16576,11 +16548,6 @@
         </p:txBody>
       </p:sp>
     </p:spTree>
-    <p:extLst>
-      <p:ext uri="{BB962C8B-B14F-4D97-AF65-F5344CB8AC3E}">
-        <p14:creationId xmlns:p14="http://schemas.microsoft.com/office/powerpoint/2010/main" val="351361781"/>
-      </p:ext>
-    </p:extLst>
   </p:cSld>
   <p:clrMapOvr>
     <a:masterClrMapping/>
@@ -16657,6 +16624,7 @@
               <a:rPr lang="en-US" altLang="zh-CN" dirty="0" smtClean="0"/>
               <a:t>What’s the shortcoming of those kernels</a:t>
             </a:r>
+            <a:endParaRPr lang="en-US" altLang="zh-CN" dirty="0" smtClean="0"/>
           </a:p>
           <a:p>
             <a:pPr marL="457200" lvl="1" indent="0">
@@ -16691,19 +16659,12 @@
           <a:p>
             <a:fld id="{1D72EBF8-7CF5-44B7-B2BF-E22DE4D0703D}" type="slidenum">
               <a:rPr lang="en-US" smtClean="0"/>
-              <a:pPr/>
-              <a:t>40</a:t>
             </a:fld>
             <a:endParaRPr lang="en-US"/>
           </a:p>
         </p:txBody>
       </p:sp>
     </p:spTree>
-    <p:extLst>
-      <p:ext uri="{BB962C8B-B14F-4D97-AF65-F5344CB8AC3E}">
-        <p14:creationId xmlns:p14="http://schemas.microsoft.com/office/powerpoint/2010/main" val="2302180403"/>
-      </p:ext>
-    </p:extLst>
   </p:cSld>
   <p:clrMapOvr>
     <a:masterClrMapping/>
@@ -16782,6 +16743,7 @@
               <a:rPr lang="en-US" dirty="0" smtClean="0"/>
               <a:t>Exokernel’s Motivation</a:t>
             </a:r>
+            <a:endParaRPr lang="en-US" dirty="0" smtClean="0"/>
           </a:p>
           <a:p>
             <a:pPr marL="457200" lvl="1" indent="0">
@@ -16815,6 +16777,7 @@
               <a:rPr lang="en-US" altLang="ko-KR" dirty="0" smtClean="0"/>
               <a:t> can manage system resources</a:t>
             </a:r>
+            <a:endParaRPr lang="en-US" altLang="ko-KR" dirty="0" smtClean="0"/>
           </a:p>
           <a:p>
             <a:pPr marL="457200" lvl="1" indent="0">
@@ -16828,6 +16791,7 @@
               <a:rPr lang="en-US" altLang="ko-KR" u="sng" dirty="0" smtClean="0"/>
               <a:t>abstraction model</a:t>
             </a:r>
+            <a:endParaRPr lang="en-US" altLang="ko-KR" u="sng" dirty="0" smtClean="0"/>
           </a:p>
           <a:p>
             <a:pPr marL="914400" lvl="2" indent="0">
@@ -16849,6 +16813,7 @@
               <a:rPr lang="en-US" altLang="ko-KR" dirty="0" smtClean="0"/>
               <a:t>for memory, etc.</a:t>
             </a:r>
+            <a:endParaRPr lang="en-US" altLang="ko-KR" dirty="0" smtClean="0"/>
           </a:p>
           <a:p>
             <a:pPr marL="914400" lvl="2" indent="0">
@@ -16873,6 +16838,13 @@
               </a:rPr>
               <a:t> Application demands vary widely!!</a:t>
             </a:r>
+            <a:endParaRPr lang="en-US" altLang="ko-KR" u="dottedHeavy" dirty="0" smtClean="0">
+              <a:uFill>
+                <a:solidFill>
+                  <a:srgbClr val="FF0000"/>
+                </a:solidFill>
+              </a:uFill>
+            </a:endParaRPr>
           </a:p>
           <a:p>
             <a:pPr marL="914400" lvl="2" indent="0">
@@ -16886,6 +16858,7 @@
               <a:rPr lang="en-US" altLang="ko-KR" b="1" dirty="0" smtClean="0"/>
               <a:t>all possible needs</a:t>
             </a:r>
+            <a:endParaRPr lang="en-US" altLang="ko-KR" b="1" dirty="0" smtClean="0"/>
           </a:p>
         </p:txBody>
       </p:sp>
@@ -16906,19 +16879,12 @@
           <a:p>
             <a:fld id="{1D72EBF8-7CF5-44B7-B2BF-E22DE4D0703D}" type="slidenum">
               <a:rPr lang="en-US" smtClean="0"/>
-              <a:pPr/>
-              <a:t>41</a:t>
             </a:fld>
             <a:endParaRPr lang="en-US"/>
           </a:p>
         </p:txBody>
       </p:sp>
     </p:spTree>
-    <p:extLst>
-      <p:ext uri="{BB962C8B-B14F-4D97-AF65-F5344CB8AC3E}">
-        <p14:creationId xmlns:p14="http://schemas.microsoft.com/office/powerpoint/2010/main" val="4017682660"/>
-      </p:ext>
-    </p:extLst>
   </p:cSld>
   <p:clrMapOvr>
     <a:masterClrMapping/>
@@ -16974,6 +16940,7 @@
               <a:rPr lang="en-US" dirty="0"/>
               <a:t> Idea</a:t>
             </a:r>
+            <a:endParaRPr lang="en-US" dirty="0"/>
           </a:p>
         </p:txBody>
       </p:sp>
@@ -17009,6 +16976,7 @@
               <a:rPr lang="en-US" dirty="0" smtClean="0"/>
               <a:t>over physical resources as possible</a:t>
             </a:r>
+            <a:endParaRPr lang="en-US" dirty="0" smtClean="0"/>
           </a:p>
           <a:p>
             <a:pPr marL="57150" indent="0">
@@ -17040,6 +17008,7 @@
               <a:rPr lang="en-US" dirty="0" smtClean="0"/>
               <a:t>as possible about hardware abstractions.</a:t>
             </a:r>
+            <a:endParaRPr lang="en-US" dirty="0" smtClean="0"/>
           </a:p>
           <a:p>
             <a:pPr marL="514350" lvl="1" indent="0">
@@ -17057,6 +17026,7 @@
               <a:rPr lang="en-US" altLang="ko-KR" dirty="0" smtClean="0"/>
               <a:t>allocate the basic physical resources of the machine</a:t>
             </a:r>
+            <a:endParaRPr lang="en-US" altLang="ko-KR" dirty="0" smtClean="0"/>
           </a:p>
           <a:p>
             <a:pPr marL="514350" lvl="1" indent="0">
@@ -17074,6 +17044,7 @@
               <a:rPr lang="en-US" altLang="ko-KR" dirty="0" smtClean="0"/>
               <a:t>decide what to do with these resources</a:t>
             </a:r>
+            <a:endParaRPr lang="en-US" altLang="ko-KR" dirty="0" smtClean="0"/>
           </a:p>
           <a:p>
             <a:pPr marL="514350" lvl="1" indent="0">
@@ -17101,6 +17072,7 @@
               <a:rPr lang="en-US" altLang="ko-KR" i="1" dirty="0" smtClean="0"/>
               <a:t>management</a:t>
             </a:r>
+            <a:endParaRPr lang="en-US" altLang="ko-KR" i="1" dirty="0" smtClean="0"/>
           </a:p>
           <a:p>
             <a:pPr marL="514350" lvl="1" indent="0">
@@ -17126,6 +17098,7 @@
               <a:rPr lang="en-US" altLang="ko-KR" dirty="0" smtClean="0"/>
               <a:t> to application</a:t>
             </a:r>
+            <a:endParaRPr lang="en-US" altLang="ko-KR" dirty="0" smtClean="0"/>
           </a:p>
         </p:txBody>
       </p:sp>
@@ -17146,19 +17119,12 @@
           <a:p>
             <a:fld id="{1D72EBF8-7CF5-44B7-B2BF-E22DE4D0703D}" type="slidenum">
               <a:rPr lang="en-US" smtClean="0"/>
-              <a:pPr/>
-              <a:t>42</a:t>
             </a:fld>
             <a:endParaRPr lang="en-US"/>
           </a:p>
         </p:txBody>
       </p:sp>
     </p:spTree>
-    <p:extLst>
-      <p:ext uri="{BB962C8B-B14F-4D97-AF65-F5344CB8AC3E}">
-        <p14:creationId xmlns:p14="http://schemas.microsoft.com/office/powerpoint/2010/main" val="3364297166"/>
-      </p:ext>
-    </p:extLst>
   </p:cSld>
   <p:clrMapOvr>
     <a:masterClrMapping/>
@@ -17245,6 +17211,7 @@
               <a:rPr lang="en-US" dirty="0" smtClean="0"/>
               <a:t>instead of communicating with the exokernel directly</a:t>
             </a:r>
+            <a:endParaRPr lang="en-US" dirty="0" smtClean="0"/>
           </a:p>
           <a:p>
             <a:pPr marL="514350" lvl="1" indent="0">
@@ -17254,6 +17221,7 @@
               <a:rPr lang="en-US" dirty="0" smtClean="0"/>
               <a:t>The libraries hide low-level resources</a:t>
             </a:r>
+            <a:endParaRPr lang="en-US" dirty="0" smtClean="0"/>
           </a:p>
           <a:p>
             <a:pPr marL="57150" indent="0">
@@ -17269,6 +17237,7 @@
               <a:rPr lang="en-US" dirty="0" smtClean="0"/>
               <a:t>An applications can choose the library which best suits its needs, or even build its own</a:t>
             </a:r>
+            <a:endParaRPr lang="en-US" dirty="0" smtClean="0"/>
           </a:p>
           <a:p>
             <a:pPr marL="57150" indent="0">
@@ -17298,6 +17267,7 @@
               <a:rPr lang="en-US" altLang="ko-KR" dirty="0" smtClean="0"/>
               <a:t>is allowed to access it.</a:t>
             </a:r>
+            <a:endParaRPr lang="en-US" altLang="ko-KR" dirty="0" smtClean="0"/>
           </a:p>
           <a:p>
             <a:pPr marL="514350" lvl="1" indent="0">
@@ -17328,19 +17298,12 @@
           <a:p>
             <a:fld id="{1D72EBF8-7CF5-44B7-B2BF-E22DE4D0703D}" type="slidenum">
               <a:rPr lang="en-US" smtClean="0"/>
-              <a:pPr/>
-              <a:t>43</a:t>
             </a:fld>
             <a:endParaRPr lang="en-US"/>
           </a:p>
         </p:txBody>
       </p:sp>
     </p:spTree>
-    <p:extLst>
-      <p:ext uri="{BB962C8B-B14F-4D97-AF65-F5344CB8AC3E}">
-        <p14:creationId xmlns:p14="http://schemas.microsoft.com/office/powerpoint/2010/main" val="1428782438"/>
-      </p:ext>
-    </p:extLst>
   </p:cSld>
   <p:clrMapOvr>
     <a:masterClrMapping/>
@@ -17412,8 +17375,6 @@
           <a:p>
             <a:fld id="{1D72EBF8-7CF5-44B7-B2BF-E22DE4D0703D}" type="slidenum">
               <a:rPr lang="en-US" smtClean="0"/>
-              <a:pPr/>
-              <a:t>44</a:t>
             </a:fld>
             <a:endParaRPr lang="en-US"/>
           </a:p>
@@ -17428,7 +17389,7 @@
           <p:nvPr/>
         </p:nvPicPr>
         <p:blipFill>
-          <a:blip r:embed="rId3" cstate="print"/>
+          <a:blip r:embed="rId1" cstate="print"/>
           <a:stretch>
             <a:fillRect/>
           </a:stretch>
@@ -17484,11 +17445,6 @@
         </p:txBody>
       </p:sp>
     </p:spTree>
-    <p:extLst>
-      <p:ext uri="{BB962C8B-B14F-4D97-AF65-F5344CB8AC3E}">
-        <p14:creationId xmlns:p14="http://schemas.microsoft.com/office/powerpoint/2010/main" val="2125428276"/>
-      </p:ext>
-    </p:extLst>
   </p:cSld>
   <p:clrMapOvr>
     <a:masterClrMapping/>
@@ -17560,8 +17516,6 @@
           <a:p>
             <a:fld id="{1D72EBF8-7CF5-44B7-B2BF-E22DE4D0703D}" type="slidenum">
               <a:rPr lang="en-US" smtClean="0"/>
-              <a:pPr/>
-              <a:t>45</a:t>
             </a:fld>
             <a:endParaRPr lang="en-US"/>
           </a:p>
@@ -17570,9 +17524,7 @@
       <p:grpSp>
         <p:nvGrpSpPr>
           <p:cNvPr id="6" name="Group 19"/>
-          <p:cNvGrpSpPr>
-            <a:grpSpLocks/>
-          </p:cNvGrpSpPr>
+          <p:cNvGrpSpPr/>
           <p:nvPr/>
         </p:nvGrpSpPr>
         <p:grpSpPr bwMode="auto">
@@ -17605,7 +17557,6 @@
                 <a:srgbClr val="FF6600"/>
               </a:solidFill>
               <a:round/>
-              <a:headEnd/>
               <a:tailEnd type="triangle" w="med" len="med"/>
             </a:ln>
             <a:effectLst/>
@@ -17627,7 +17578,7 @@
                   <a:solidFill>
                     <a:schemeClr val="tx1"/>
                   </a:solidFill>
-                  <a:latin typeface="Times New Roman" pitchFamily="18" charset="0"/>
+                  <a:latin typeface="Times New Roman" panose="02020603050405020304" pitchFamily="18" charset="0"/>
                   <a:ea typeface="+mn-ea"/>
                   <a:cs typeface="+mn-cs"/>
                 </a:defRPr>
@@ -17643,7 +17594,7 @@
                   <a:solidFill>
                     <a:schemeClr val="tx1"/>
                   </a:solidFill>
-                  <a:latin typeface="Times New Roman" pitchFamily="18" charset="0"/>
+                  <a:latin typeface="Times New Roman" panose="02020603050405020304" pitchFamily="18" charset="0"/>
                   <a:ea typeface="+mn-ea"/>
                   <a:cs typeface="+mn-cs"/>
                 </a:defRPr>
@@ -17659,7 +17610,7 @@
                   <a:solidFill>
                     <a:schemeClr val="tx1"/>
                   </a:solidFill>
-                  <a:latin typeface="Times New Roman" pitchFamily="18" charset="0"/>
+                  <a:latin typeface="Times New Roman" panose="02020603050405020304" pitchFamily="18" charset="0"/>
                   <a:ea typeface="+mn-ea"/>
                   <a:cs typeface="+mn-cs"/>
                 </a:defRPr>
@@ -17675,7 +17626,7 @@
                   <a:solidFill>
                     <a:schemeClr val="tx1"/>
                   </a:solidFill>
-                  <a:latin typeface="Times New Roman" pitchFamily="18" charset="0"/>
+                  <a:latin typeface="Times New Roman" panose="02020603050405020304" pitchFamily="18" charset="0"/>
                   <a:ea typeface="+mn-ea"/>
                   <a:cs typeface="+mn-cs"/>
                 </a:defRPr>
@@ -17691,7 +17642,7 @@
                   <a:solidFill>
                     <a:schemeClr val="tx1"/>
                   </a:solidFill>
-                  <a:latin typeface="Times New Roman" pitchFamily="18" charset="0"/>
+                  <a:latin typeface="Times New Roman" panose="02020603050405020304" pitchFamily="18" charset="0"/>
                   <a:ea typeface="+mn-ea"/>
                   <a:cs typeface="+mn-cs"/>
                 </a:defRPr>
@@ -17701,7 +17652,7 @@
                   <a:solidFill>
                     <a:schemeClr val="tx1"/>
                   </a:solidFill>
-                  <a:latin typeface="Times New Roman" pitchFamily="18" charset="0"/>
+                  <a:latin typeface="Times New Roman" panose="02020603050405020304" pitchFamily="18" charset="0"/>
                   <a:ea typeface="+mn-ea"/>
                   <a:cs typeface="+mn-cs"/>
                 </a:defRPr>
@@ -17711,7 +17662,7 @@
                   <a:solidFill>
                     <a:schemeClr val="tx1"/>
                   </a:solidFill>
-                  <a:latin typeface="Times New Roman" pitchFamily="18" charset="0"/>
+                  <a:latin typeface="Times New Roman" panose="02020603050405020304" pitchFamily="18" charset="0"/>
                   <a:ea typeface="+mn-ea"/>
                   <a:cs typeface="+mn-cs"/>
                 </a:defRPr>
@@ -17721,7 +17672,7 @@
                   <a:solidFill>
                     <a:schemeClr val="tx1"/>
                   </a:solidFill>
-                  <a:latin typeface="Times New Roman" pitchFamily="18" charset="0"/>
+                  <a:latin typeface="Times New Roman" panose="02020603050405020304" pitchFamily="18" charset="0"/>
                   <a:ea typeface="+mn-ea"/>
                   <a:cs typeface="+mn-cs"/>
                 </a:defRPr>
@@ -17731,7 +17682,7 @@
                   <a:solidFill>
                     <a:schemeClr val="tx1"/>
                   </a:solidFill>
-                  <a:latin typeface="Times New Roman" pitchFamily="18" charset="0"/>
+                  <a:latin typeface="Times New Roman" panose="02020603050405020304" pitchFamily="18" charset="0"/>
                   <a:ea typeface="+mn-ea"/>
                   <a:cs typeface="+mn-cs"/>
                 </a:defRPr>
@@ -17764,8 +17715,6 @@
             <a:ln w="9525">
               <a:noFill/>
               <a:miter lim="800000"/>
-              <a:headEnd/>
-              <a:tailEnd/>
             </a:ln>
             <a:effectLst/>
           </p:spPr>
@@ -17788,7 +17737,7 @@
                   <a:solidFill>
                     <a:schemeClr val="tx1"/>
                   </a:solidFill>
-                  <a:latin typeface="Times New Roman" pitchFamily="18" charset="0"/>
+                  <a:latin typeface="Times New Roman" panose="02020603050405020304" pitchFamily="18" charset="0"/>
                   <a:ea typeface="+mn-ea"/>
                   <a:cs typeface="+mn-cs"/>
                 </a:defRPr>
@@ -17804,7 +17753,7 @@
                   <a:solidFill>
                     <a:schemeClr val="tx1"/>
                   </a:solidFill>
-                  <a:latin typeface="Times New Roman" pitchFamily="18" charset="0"/>
+                  <a:latin typeface="Times New Roman" panose="02020603050405020304" pitchFamily="18" charset="0"/>
                   <a:ea typeface="+mn-ea"/>
                   <a:cs typeface="+mn-cs"/>
                 </a:defRPr>
@@ -17820,7 +17769,7 @@
                   <a:solidFill>
                     <a:schemeClr val="tx1"/>
                   </a:solidFill>
-                  <a:latin typeface="Times New Roman" pitchFamily="18" charset="0"/>
+                  <a:latin typeface="Times New Roman" panose="02020603050405020304" pitchFamily="18" charset="0"/>
                   <a:ea typeface="+mn-ea"/>
                   <a:cs typeface="+mn-cs"/>
                 </a:defRPr>
@@ -17836,7 +17785,7 @@
                   <a:solidFill>
                     <a:schemeClr val="tx1"/>
                   </a:solidFill>
-                  <a:latin typeface="Times New Roman" pitchFamily="18" charset="0"/>
+                  <a:latin typeface="Times New Roman" panose="02020603050405020304" pitchFamily="18" charset="0"/>
                   <a:ea typeface="+mn-ea"/>
                   <a:cs typeface="+mn-cs"/>
                 </a:defRPr>
@@ -17852,7 +17801,7 @@
                   <a:solidFill>
                     <a:schemeClr val="tx1"/>
                   </a:solidFill>
-                  <a:latin typeface="Times New Roman" pitchFamily="18" charset="0"/>
+                  <a:latin typeface="Times New Roman" panose="02020603050405020304" pitchFamily="18" charset="0"/>
                   <a:ea typeface="+mn-ea"/>
                   <a:cs typeface="+mn-cs"/>
                 </a:defRPr>
@@ -17862,7 +17811,7 @@
                   <a:solidFill>
                     <a:schemeClr val="tx1"/>
                   </a:solidFill>
-                  <a:latin typeface="Times New Roman" pitchFamily="18" charset="0"/>
+                  <a:latin typeface="Times New Roman" panose="02020603050405020304" pitchFamily="18" charset="0"/>
                   <a:ea typeface="+mn-ea"/>
                   <a:cs typeface="+mn-cs"/>
                 </a:defRPr>
@@ -17872,7 +17821,7 @@
                   <a:solidFill>
                     <a:schemeClr val="tx1"/>
                   </a:solidFill>
-                  <a:latin typeface="Times New Roman" pitchFamily="18" charset="0"/>
+                  <a:latin typeface="Times New Roman" panose="02020603050405020304" pitchFamily="18" charset="0"/>
                   <a:ea typeface="+mn-ea"/>
                   <a:cs typeface="+mn-cs"/>
                 </a:defRPr>
@@ -17882,7 +17831,7 @@
                   <a:solidFill>
                     <a:schemeClr val="tx1"/>
                   </a:solidFill>
-                  <a:latin typeface="Times New Roman" pitchFamily="18" charset="0"/>
+                  <a:latin typeface="Times New Roman" panose="02020603050405020304" pitchFamily="18" charset="0"/>
                   <a:ea typeface="+mn-ea"/>
                   <a:cs typeface="+mn-cs"/>
                 </a:defRPr>
@@ -17892,7 +17841,7 @@
                   <a:solidFill>
                     <a:schemeClr val="tx1"/>
                   </a:solidFill>
-                  <a:latin typeface="Times New Roman" pitchFamily="18" charset="0"/>
+                  <a:latin typeface="Times New Roman" panose="02020603050405020304" pitchFamily="18" charset="0"/>
                   <a:ea typeface="+mn-ea"/>
                   <a:cs typeface="+mn-cs"/>
                 </a:defRPr>
@@ -17943,8 +17892,6 @@
                 <a:schemeClr val="tx1"/>
               </a:solidFill>
               <a:miter lim="800000"/>
-              <a:headEnd/>
-              <a:tailEnd/>
             </a:ln>
             <a:effectLst/>
           </p:spPr>
@@ -17965,7 +17912,7 @@
                   <a:solidFill>
                     <a:schemeClr val="tx1"/>
                   </a:solidFill>
-                  <a:latin typeface="Times New Roman" pitchFamily="18" charset="0"/>
+                  <a:latin typeface="Times New Roman" panose="02020603050405020304" pitchFamily="18" charset="0"/>
                   <a:ea typeface="+mn-ea"/>
                   <a:cs typeface="+mn-cs"/>
                 </a:defRPr>
@@ -17981,7 +17928,7 @@
                   <a:solidFill>
                     <a:schemeClr val="tx1"/>
                   </a:solidFill>
-                  <a:latin typeface="Times New Roman" pitchFamily="18" charset="0"/>
+                  <a:latin typeface="Times New Roman" panose="02020603050405020304" pitchFamily="18" charset="0"/>
                   <a:ea typeface="+mn-ea"/>
                   <a:cs typeface="+mn-cs"/>
                 </a:defRPr>
@@ -17997,7 +17944,7 @@
                   <a:solidFill>
                     <a:schemeClr val="tx1"/>
                   </a:solidFill>
-                  <a:latin typeface="Times New Roman" pitchFamily="18" charset="0"/>
+                  <a:latin typeface="Times New Roman" panose="02020603050405020304" pitchFamily="18" charset="0"/>
                   <a:ea typeface="+mn-ea"/>
                   <a:cs typeface="+mn-cs"/>
                 </a:defRPr>
@@ -18013,7 +17960,7 @@
                   <a:solidFill>
                     <a:schemeClr val="tx1"/>
                   </a:solidFill>
-                  <a:latin typeface="Times New Roman" pitchFamily="18" charset="0"/>
+                  <a:latin typeface="Times New Roman" panose="02020603050405020304" pitchFamily="18" charset="0"/>
                   <a:ea typeface="+mn-ea"/>
                   <a:cs typeface="+mn-cs"/>
                 </a:defRPr>
@@ -18029,7 +17976,7 @@
                   <a:solidFill>
                     <a:schemeClr val="tx1"/>
                   </a:solidFill>
-                  <a:latin typeface="Times New Roman" pitchFamily="18" charset="0"/>
+                  <a:latin typeface="Times New Roman" panose="02020603050405020304" pitchFamily="18" charset="0"/>
                   <a:ea typeface="+mn-ea"/>
                   <a:cs typeface="+mn-cs"/>
                 </a:defRPr>
@@ -18039,7 +17986,7 @@
                   <a:solidFill>
                     <a:schemeClr val="tx1"/>
                   </a:solidFill>
-                  <a:latin typeface="Times New Roman" pitchFamily="18" charset="0"/>
+                  <a:latin typeface="Times New Roman" panose="02020603050405020304" pitchFamily="18" charset="0"/>
                   <a:ea typeface="+mn-ea"/>
                   <a:cs typeface="+mn-cs"/>
                 </a:defRPr>
@@ -18049,7 +17996,7 @@
                   <a:solidFill>
                     <a:schemeClr val="tx1"/>
                   </a:solidFill>
-                  <a:latin typeface="Times New Roman" pitchFamily="18" charset="0"/>
+                  <a:latin typeface="Times New Roman" panose="02020603050405020304" pitchFamily="18" charset="0"/>
                   <a:ea typeface="+mn-ea"/>
                   <a:cs typeface="+mn-cs"/>
                 </a:defRPr>
@@ -18059,7 +18006,7 @@
                   <a:solidFill>
                     <a:schemeClr val="tx1"/>
                   </a:solidFill>
-                  <a:latin typeface="Times New Roman" pitchFamily="18" charset="0"/>
+                  <a:latin typeface="Times New Roman" panose="02020603050405020304" pitchFamily="18" charset="0"/>
                   <a:ea typeface="+mn-ea"/>
                   <a:cs typeface="+mn-cs"/>
                 </a:defRPr>
@@ -18069,7 +18016,7 @@
                   <a:solidFill>
                     <a:schemeClr val="tx1"/>
                   </a:solidFill>
-                  <a:latin typeface="Times New Roman" pitchFamily="18" charset="0"/>
+                  <a:latin typeface="Times New Roman" panose="02020603050405020304" pitchFamily="18" charset="0"/>
                   <a:ea typeface="+mn-ea"/>
                   <a:cs typeface="+mn-cs"/>
                 </a:defRPr>
@@ -18084,6 +18031,10 @@
                 </a:rPr>
                 <a:t>Hardware</a:t>
               </a:r>
+              <a:endParaRPr lang="en-US" altLang="ko-KR" dirty="0">
+                <a:latin typeface="+mn-lt"/>
+                <a:ea typeface="굴림" charset="-127"/>
+              </a:endParaRPr>
             </a:p>
           </p:txBody>
         </p:sp>
@@ -18111,8 +18062,6 @@
                 <a:schemeClr val="tx1"/>
               </a:solidFill>
               <a:miter lim="800000"/>
-              <a:headEnd/>
-              <a:tailEnd/>
             </a:ln>
             <a:effectLst/>
           </p:spPr>
@@ -18133,7 +18082,7 @@
                   <a:solidFill>
                     <a:schemeClr val="tx1"/>
                   </a:solidFill>
-                  <a:latin typeface="Times New Roman" pitchFamily="18" charset="0"/>
+                  <a:latin typeface="Times New Roman" panose="02020603050405020304" pitchFamily="18" charset="0"/>
                   <a:ea typeface="+mn-ea"/>
                   <a:cs typeface="+mn-cs"/>
                 </a:defRPr>
@@ -18149,7 +18098,7 @@
                   <a:solidFill>
                     <a:schemeClr val="tx1"/>
                   </a:solidFill>
-                  <a:latin typeface="Times New Roman" pitchFamily="18" charset="0"/>
+                  <a:latin typeface="Times New Roman" panose="02020603050405020304" pitchFamily="18" charset="0"/>
                   <a:ea typeface="+mn-ea"/>
                   <a:cs typeface="+mn-cs"/>
                 </a:defRPr>
@@ -18165,7 +18114,7 @@
                   <a:solidFill>
                     <a:schemeClr val="tx1"/>
                   </a:solidFill>
-                  <a:latin typeface="Times New Roman" pitchFamily="18" charset="0"/>
+                  <a:latin typeface="Times New Roman" panose="02020603050405020304" pitchFamily="18" charset="0"/>
                   <a:ea typeface="+mn-ea"/>
                   <a:cs typeface="+mn-cs"/>
                 </a:defRPr>
@@ -18181,7 +18130,7 @@
                   <a:solidFill>
                     <a:schemeClr val="tx1"/>
                   </a:solidFill>
-                  <a:latin typeface="Times New Roman" pitchFamily="18" charset="0"/>
+                  <a:latin typeface="Times New Roman" panose="02020603050405020304" pitchFamily="18" charset="0"/>
                   <a:ea typeface="+mn-ea"/>
                   <a:cs typeface="+mn-cs"/>
                 </a:defRPr>
@@ -18197,7 +18146,7 @@
                   <a:solidFill>
                     <a:schemeClr val="tx1"/>
                   </a:solidFill>
-                  <a:latin typeface="Times New Roman" pitchFamily="18" charset="0"/>
+                  <a:latin typeface="Times New Roman" panose="02020603050405020304" pitchFamily="18" charset="0"/>
                   <a:ea typeface="+mn-ea"/>
                   <a:cs typeface="+mn-cs"/>
                 </a:defRPr>
@@ -18207,7 +18156,7 @@
                   <a:solidFill>
                     <a:schemeClr val="tx1"/>
                   </a:solidFill>
-                  <a:latin typeface="Times New Roman" pitchFamily="18" charset="0"/>
+                  <a:latin typeface="Times New Roman" panose="02020603050405020304" pitchFamily="18" charset="0"/>
                   <a:ea typeface="+mn-ea"/>
                   <a:cs typeface="+mn-cs"/>
                 </a:defRPr>
@@ -18217,7 +18166,7 @@
                   <a:solidFill>
                     <a:schemeClr val="tx1"/>
                   </a:solidFill>
-                  <a:latin typeface="Times New Roman" pitchFamily="18" charset="0"/>
+                  <a:latin typeface="Times New Roman" panose="02020603050405020304" pitchFamily="18" charset="0"/>
                   <a:ea typeface="+mn-ea"/>
                   <a:cs typeface="+mn-cs"/>
                 </a:defRPr>
@@ -18227,7 +18176,7 @@
                   <a:solidFill>
                     <a:schemeClr val="tx1"/>
                   </a:solidFill>
-                  <a:latin typeface="Times New Roman" pitchFamily="18" charset="0"/>
+                  <a:latin typeface="Times New Roman" panose="02020603050405020304" pitchFamily="18" charset="0"/>
                   <a:ea typeface="+mn-ea"/>
                   <a:cs typeface="+mn-cs"/>
                 </a:defRPr>
@@ -18237,7 +18186,7 @@
                   <a:solidFill>
                     <a:schemeClr val="tx1"/>
                   </a:solidFill>
-                  <a:latin typeface="Times New Roman" pitchFamily="18" charset="0"/>
+                  <a:latin typeface="Times New Roman" panose="02020603050405020304" pitchFamily="18" charset="0"/>
                   <a:ea typeface="+mn-ea"/>
                   <a:cs typeface="+mn-cs"/>
                 </a:defRPr>
@@ -18252,6 +18201,10 @@
                 </a:rPr>
                 <a:t>Apache</a:t>
               </a:r>
+              <a:endParaRPr lang="en-US" altLang="ko-KR">
+                <a:latin typeface="+mn-lt"/>
+                <a:ea typeface="굴림" charset="-127"/>
+              </a:endParaRPr>
             </a:p>
           </p:txBody>
         </p:sp>
@@ -18279,8 +18232,6 @@
                 <a:schemeClr val="tx1"/>
               </a:solidFill>
               <a:miter lim="800000"/>
-              <a:headEnd/>
-              <a:tailEnd/>
             </a:ln>
             <a:effectLst/>
           </p:spPr>
@@ -18301,7 +18252,7 @@
                   <a:solidFill>
                     <a:schemeClr val="tx1"/>
                   </a:solidFill>
-                  <a:latin typeface="Times New Roman" pitchFamily="18" charset="0"/>
+                  <a:latin typeface="Times New Roman" panose="02020603050405020304" pitchFamily="18" charset="0"/>
                   <a:ea typeface="+mn-ea"/>
                   <a:cs typeface="+mn-cs"/>
                 </a:defRPr>
@@ -18317,7 +18268,7 @@
                   <a:solidFill>
                     <a:schemeClr val="tx1"/>
                   </a:solidFill>
-                  <a:latin typeface="Times New Roman" pitchFamily="18" charset="0"/>
+                  <a:latin typeface="Times New Roman" panose="02020603050405020304" pitchFamily="18" charset="0"/>
                   <a:ea typeface="+mn-ea"/>
                   <a:cs typeface="+mn-cs"/>
                 </a:defRPr>
@@ -18333,7 +18284,7 @@
                   <a:solidFill>
                     <a:schemeClr val="tx1"/>
                   </a:solidFill>
-                  <a:latin typeface="Times New Roman" pitchFamily="18" charset="0"/>
+                  <a:latin typeface="Times New Roman" panose="02020603050405020304" pitchFamily="18" charset="0"/>
                   <a:ea typeface="+mn-ea"/>
                   <a:cs typeface="+mn-cs"/>
                 </a:defRPr>
@@ -18349,7 +18300,7 @@
                   <a:solidFill>
                     <a:schemeClr val="tx1"/>
                   </a:solidFill>
-                  <a:latin typeface="Times New Roman" pitchFamily="18" charset="0"/>
+                  <a:latin typeface="Times New Roman" panose="02020603050405020304" pitchFamily="18" charset="0"/>
                   <a:ea typeface="+mn-ea"/>
                   <a:cs typeface="+mn-cs"/>
                 </a:defRPr>
@@ -18365,7 +18316,7 @@
                   <a:solidFill>
                     <a:schemeClr val="tx1"/>
                   </a:solidFill>
-                  <a:latin typeface="Times New Roman" pitchFamily="18" charset="0"/>
+                  <a:latin typeface="Times New Roman" panose="02020603050405020304" pitchFamily="18" charset="0"/>
                   <a:ea typeface="+mn-ea"/>
                   <a:cs typeface="+mn-cs"/>
                 </a:defRPr>
@@ -18375,7 +18326,7 @@
                   <a:solidFill>
                     <a:schemeClr val="tx1"/>
                   </a:solidFill>
-                  <a:latin typeface="Times New Roman" pitchFamily="18" charset="0"/>
+                  <a:latin typeface="Times New Roman" panose="02020603050405020304" pitchFamily="18" charset="0"/>
                   <a:ea typeface="+mn-ea"/>
                   <a:cs typeface="+mn-cs"/>
                 </a:defRPr>
@@ -18385,7 +18336,7 @@
                   <a:solidFill>
                     <a:schemeClr val="tx1"/>
                   </a:solidFill>
-                  <a:latin typeface="Times New Roman" pitchFamily="18" charset="0"/>
+                  <a:latin typeface="Times New Roman" panose="02020603050405020304" pitchFamily="18" charset="0"/>
                   <a:ea typeface="+mn-ea"/>
                   <a:cs typeface="+mn-cs"/>
                 </a:defRPr>
@@ -18395,7 +18346,7 @@
                   <a:solidFill>
                     <a:schemeClr val="tx1"/>
                   </a:solidFill>
-                  <a:latin typeface="Times New Roman" pitchFamily="18" charset="0"/>
+                  <a:latin typeface="Times New Roman" panose="02020603050405020304" pitchFamily="18" charset="0"/>
                   <a:ea typeface="+mn-ea"/>
                   <a:cs typeface="+mn-cs"/>
                 </a:defRPr>
@@ -18405,7 +18356,7 @@
                   <a:solidFill>
                     <a:schemeClr val="tx1"/>
                   </a:solidFill>
-                  <a:latin typeface="Times New Roman" pitchFamily="18" charset="0"/>
+                  <a:latin typeface="Times New Roman" panose="02020603050405020304" pitchFamily="18" charset="0"/>
                   <a:ea typeface="+mn-ea"/>
                   <a:cs typeface="+mn-cs"/>
                 </a:defRPr>
@@ -18420,6 +18371,10 @@
                 </a:rPr>
                 <a:t>Interface</a:t>
               </a:r>
+              <a:endParaRPr lang="en-US" altLang="ko-KR">
+                <a:latin typeface="+mn-lt"/>
+                <a:ea typeface="굴림" charset="-127"/>
+              </a:endParaRPr>
             </a:p>
           </p:txBody>
         </p:sp>
@@ -18447,8 +18402,6 @@
                 <a:schemeClr val="tx1"/>
               </a:solidFill>
               <a:miter lim="800000"/>
-              <a:headEnd/>
-              <a:tailEnd/>
             </a:ln>
             <a:effectLst/>
           </p:spPr>
@@ -18469,7 +18422,7 @@
                   <a:solidFill>
                     <a:schemeClr val="tx1"/>
                   </a:solidFill>
-                  <a:latin typeface="Times New Roman" pitchFamily="18" charset="0"/>
+                  <a:latin typeface="Times New Roman" panose="02020603050405020304" pitchFamily="18" charset="0"/>
                   <a:ea typeface="+mn-ea"/>
                   <a:cs typeface="+mn-cs"/>
                 </a:defRPr>
@@ -18485,7 +18438,7 @@
                   <a:solidFill>
                     <a:schemeClr val="tx1"/>
                   </a:solidFill>
-                  <a:latin typeface="Times New Roman" pitchFamily="18" charset="0"/>
+                  <a:latin typeface="Times New Roman" panose="02020603050405020304" pitchFamily="18" charset="0"/>
                   <a:ea typeface="+mn-ea"/>
                   <a:cs typeface="+mn-cs"/>
                 </a:defRPr>
@@ -18501,7 +18454,7 @@
                   <a:solidFill>
                     <a:schemeClr val="tx1"/>
                   </a:solidFill>
-                  <a:latin typeface="Times New Roman" pitchFamily="18" charset="0"/>
+                  <a:latin typeface="Times New Roman" panose="02020603050405020304" pitchFamily="18" charset="0"/>
                   <a:ea typeface="+mn-ea"/>
                   <a:cs typeface="+mn-cs"/>
                 </a:defRPr>
@@ -18517,7 +18470,7 @@
                   <a:solidFill>
                     <a:schemeClr val="tx1"/>
                   </a:solidFill>
-                  <a:latin typeface="Times New Roman" pitchFamily="18" charset="0"/>
+                  <a:latin typeface="Times New Roman" panose="02020603050405020304" pitchFamily="18" charset="0"/>
                   <a:ea typeface="+mn-ea"/>
                   <a:cs typeface="+mn-cs"/>
                 </a:defRPr>
@@ -18533,7 +18486,7 @@
                   <a:solidFill>
                     <a:schemeClr val="tx1"/>
                   </a:solidFill>
-                  <a:latin typeface="Times New Roman" pitchFamily="18" charset="0"/>
+                  <a:latin typeface="Times New Roman" panose="02020603050405020304" pitchFamily="18" charset="0"/>
                   <a:ea typeface="+mn-ea"/>
                   <a:cs typeface="+mn-cs"/>
                 </a:defRPr>
@@ -18543,7 +18496,7 @@
                   <a:solidFill>
                     <a:schemeClr val="tx1"/>
                   </a:solidFill>
-                  <a:latin typeface="Times New Roman" pitchFamily="18" charset="0"/>
+                  <a:latin typeface="Times New Roman" panose="02020603050405020304" pitchFamily="18" charset="0"/>
                   <a:ea typeface="+mn-ea"/>
                   <a:cs typeface="+mn-cs"/>
                 </a:defRPr>
@@ -18553,7 +18506,7 @@
                   <a:solidFill>
                     <a:schemeClr val="tx1"/>
                   </a:solidFill>
-                  <a:latin typeface="Times New Roman" pitchFamily="18" charset="0"/>
+                  <a:latin typeface="Times New Roman" panose="02020603050405020304" pitchFamily="18" charset="0"/>
                   <a:ea typeface="+mn-ea"/>
                   <a:cs typeface="+mn-cs"/>
                 </a:defRPr>
@@ -18563,7 +18516,7 @@
                   <a:solidFill>
                     <a:schemeClr val="tx1"/>
                   </a:solidFill>
-                  <a:latin typeface="Times New Roman" pitchFamily="18" charset="0"/>
+                  <a:latin typeface="Times New Roman" panose="02020603050405020304" pitchFamily="18" charset="0"/>
                   <a:ea typeface="+mn-ea"/>
                   <a:cs typeface="+mn-cs"/>
                 </a:defRPr>
@@ -18573,7 +18526,7 @@
                   <a:solidFill>
                     <a:schemeClr val="tx1"/>
                   </a:solidFill>
-                  <a:latin typeface="Times New Roman" pitchFamily="18" charset="0"/>
+                  <a:latin typeface="Times New Roman" panose="02020603050405020304" pitchFamily="18" charset="0"/>
                   <a:ea typeface="+mn-ea"/>
                   <a:cs typeface="+mn-cs"/>
                 </a:defRPr>
@@ -18588,6 +18541,10 @@
                 </a:rPr>
                 <a:t>Abstractions</a:t>
               </a:r>
+              <a:endParaRPr lang="en-US" altLang="ko-KR" dirty="0">
+                <a:latin typeface="+mn-lt"/>
+                <a:ea typeface="굴림" charset="-127"/>
+              </a:endParaRPr>
             </a:p>
           </p:txBody>
         </p:sp>
@@ -18613,8 +18570,6 @@
                 <a:srgbClr val="FF0000"/>
               </a:solidFill>
               <a:miter lim="800000"/>
-              <a:headEnd/>
-              <a:tailEnd/>
             </a:ln>
             <a:effectLst/>
           </p:spPr>
@@ -18635,7 +18590,7 @@
                   <a:solidFill>
                     <a:schemeClr val="tx1"/>
                   </a:solidFill>
-                  <a:latin typeface="Times New Roman" pitchFamily="18" charset="0"/>
+                  <a:latin typeface="Times New Roman" panose="02020603050405020304" pitchFamily="18" charset="0"/>
                   <a:ea typeface="+mn-ea"/>
                   <a:cs typeface="+mn-cs"/>
                 </a:defRPr>
@@ -18651,7 +18606,7 @@
                   <a:solidFill>
                     <a:schemeClr val="tx1"/>
                   </a:solidFill>
-                  <a:latin typeface="Times New Roman" pitchFamily="18" charset="0"/>
+                  <a:latin typeface="Times New Roman" panose="02020603050405020304" pitchFamily="18" charset="0"/>
                   <a:ea typeface="+mn-ea"/>
                   <a:cs typeface="+mn-cs"/>
                 </a:defRPr>
@@ -18667,7 +18622,7 @@
                   <a:solidFill>
                     <a:schemeClr val="tx1"/>
                   </a:solidFill>
-                  <a:latin typeface="Times New Roman" pitchFamily="18" charset="0"/>
+                  <a:latin typeface="Times New Roman" panose="02020603050405020304" pitchFamily="18" charset="0"/>
                   <a:ea typeface="+mn-ea"/>
                   <a:cs typeface="+mn-cs"/>
                 </a:defRPr>
@@ -18683,7 +18638,7 @@
                   <a:solidFill>
                     <a:schemeClr val="tx1"/>
                   </a:solidFill>
-                  <a:latin typeface="Times New Roman" pitchFamily="18" charset="0"/>
+                  <a:latin typeface="Times New Roman" panose="02020603050405020304" pitchFamily="18" charset="0"/>
                   <a:ea typeface="+mn-ea"/>
                   <a:cs typeface="+mn-cs"/>
                 </a:defRPr>
@@ -18699,7 +18654,7 @@
                   <a:solidFill>
                     <a:schemeClr val="tx1"/>
                   </a:solidFill>
-                  <a:latin typeface="Times New Roman" pitchFamily="18" charset="0"/>
+                  <a:latin typeface="Times New Roman" panose="02020603050405020304" pitchFamily="18" charset="0"/>
                   <a:ea typeface="+mn-ea"/>
                   <a:cs typeface="+mn-cs"/>
                 </a:defRPr>
@@ -18709,7 +18664,7 @@
                   <a:solidFill>
                     <a:schemeClr val="tx1"/>
                   </a:solidFill>
-                  <a:latin typeface="Times New Roman" pitchFamily="18" charset="0"/>
+                  <a:latin typeface="Times New Roman" panose="02020603050405020304" pitchFamily="18" charset="0"/>
                   <a:ea typeface="+mn-ea"/>
                   <a:cs typeface="+mn-cs"/>
                 </a:defRPr>
@@ -18719,7 +18674,7 @@
                   <a:solidFill>
                     <a:schemeClr val="tx1"/>
                   </a:solidFill>
-                  <a:latin typeface="Times New Roman" pitchFamily="18" charset="0"/>
+                  <a:latin typeface="Times New Roman" panose="02020603050405020304" pitchFamily="18" charset="0"/>
                   <a:ea typeface="+mn-ea"/>
                   <a:cs typeface="+mn-cs"/>
                 </a:defRPr>
@@ -18729,7 +18684,7 @@
                   <a:solidFill>
                     <a:schemeClr val="tx1"/>
                   </a:solidFill>
-                  <a:latin typeface="Times New Roman" pitchFamily="18" charset="0"/>
+                  <a:latin typeface="Times New Roman" panose="02020603050405020304" pitchFamily="18" charset="0"/>
                   <a:ea typeface="+mn-ea"/>
                   <a:cs typeface="+mn-cs"/>
                 </a:defRPr>
@@ -18739,7 +18694,7 @@
                   <a:solidFill>
                     <a:schemeClr val="tx1"/>
                   </a:solidFill>
-                  <a:latin typeface="Times New Roman" pitchFamily="18" charset="0"/>
+                  <a:latin typeface="Times New Roman" panose="02020603050405020304" pitchFamily="18" charset="0"/>
                   <a:ea typeface="+mn-ea"/>
                   <a:cs typeface="+mn-cs"/>
                 </a:defRPr>
@@ -18776,8 +18731,6 @@
                 <a:schemeClr val="tx1"/>
               </a:solidFill>
               <a:miter lim="800000"/>
-              <a:headEnd/>
-              <a:tailEnd/>
             </a:ln>
             <a:effectLst/>
           </p:spPr>
@@ -18798,7 +18751,7 @@
                   <a:solidFill>
                     <a:schemeClr val="tx1"/>
                   </a:solidFill>
-                  <a:latin typeface="Times New Roman" pitchFamily="18" charset="0"/>
+                  <a:latin typeface="Times New Roman" panose="02020603050405020304" pitchFamily="18" charset="0"/>
                   <a:ea typeface="+mn-ea"/>
                   <a:cs typeface="+mn-cs"/>
                 </a:defRPr>
@@ -18814,7 +18767,7 @@
                   <a:solidFill>
                     <a:schemeClr val="tx1"/>
                   </a:solidFill>
-                  <a:latin typeface="Times New Roman" pitchFamily="18" charset="0"/>
+                  <a:latin typeface="Times New Roman" panose="02020603050405020304" pitchFamily="18" charset="0"/>
                   <a:ea typeface="+mn-ea"/>
                   <a:cs typeface="+mn-cs"/>
                 </a:defRPr>
@@ -18830,7 +18783,7 @@
                   <a:solidFill>
                     <a:schemeClr val="tx1"/>
                   </a:solidFill>
-                  <a:latin typeface="Times New Roman" pitchFamily="18" charset="0"/>
+                  <a:latin typeface="Times New Roman" panose="02020603050405020304" pitchFamily="18" charset="0"/>
                   <a:ea typeface="+mn-ea"/>
                   <a:cs typeface="+mn-cs"/>
                 </a:defRPr>
@@ -18846,7 +18799,7 @@
                   <a:solidFill>
                     <a:schemeClr val="tx1"/>
                   </a:solidFill>
-                  <a:latin typeface="Times New Roman" pitchFamily="18" charset="0"/>
+                  <a:latin typeface="Times New Roman" panose="02020603050405020304" pitchFamily="18" charset="0"/>
                   <a:ea typeface="+mn-ea"/>
                   <a:cs typeface="+mn-cs"/>
                 </a:defRPr>
@@ -18862,7 +18815,7 @@
                   <a:solidFill>
                     <a:schemeClr val="tx1"/>
                   </a:solidFill>
-                  <a:latin typeface="Times New Roman" pitchFamily="18" charset="0"/>
+                  <a:latin typeface="Times New Roman" panose="02020603050405020304" pitchFamily="18" charset="0"/>
                   <a:ea typeface="+mn-ea"/>
                   <a:cs typeface="+mn-cs"/>
                 </a:defRPr>
@@ -18872,7 +18825,7 @@
                   <a:solidFill>
                     <a:schemeClr val="tx1"/>
                   </a:solidFill>
-                  <a:latin typeface="Times New Roman" pitchFamily="18" charset="0"/>
+                  <a:latin typeface="Times New Roman" panose="02020603050405020304" pitchFamily="18" charset="0"/>
                   <a:ea typeface="+mn-ea"/>
                   <a:cs typeface="+mn-cs"/>
                 </a:defRPr>
@@ -18882,7 +18835,7 @@
                   <a:solidFill>
                     <a:schemeClr val="tx1"/>
                   </a:solidFill>
-                  <a:latin typeface="Times New Roman" pitchFamily="18" charset="0"/>
+                  <a:latin typeface="Times New Roman" panose="02020603050405020304" pitchFamily="18" charset="0"/>
                   <a:ea typeface="+mn-ea"/>
                   <a:cs typeface="+mn-cs"/>
                 </a:defRPr>
@@ -18892,7 +18845,7 @@
                   <a:solidFill>
                     <a:schemeClr val="tx1"/>
                   </a:solidFill>
-                  <a:latin typeface="Times New Roman" pitchFamily="18" charset="0"/>
+                  <a:latin typeface="Times New Roman" panose="02020603050405020304" pitchFamily="18" charset="0"/>
                   <a:ea typeface="+mn-ea"/>
                   <a:cs typeface="+mn-cs"/>
                 </a:defRPr>
@@ -18902,7 +18855,7 @@
                   <a:solidFill>
                     <a:schemeClr val="tx1"/>
                   </a:solidFill>
-                  <a:latin typeface="Times New Roman" pitchFamily="18" charset="0"/>
+                  <a:latin typeface="Times New Roman" panose="02020603050405020304" pitchFamily="18" charset="0"/>
                   <a:ea typeface="+mn-ea"/>
                   <a:cs typeface="+mn-cs"/>
                 </a:defRPr>
@@ -18917,6 +18870,10 @@
                 </a:rPr>
                 <a:t>SQL Server</a:t>
               </a:r>
+              <a:endParaRPr lang="en-US" altLang="ko-KR">
+                <a:latin typeface="+mn-lt"/>
+                <a:ea typeface="굴림" charset="-127"/>
+              </a:endParaRPr>
             </a:p>
           </p:txBody>
         </p:sp>
@@ -18942,7 +18899,6 @@
                 <a:schemeClr val="tx1"/>
               </a:solidFill>
               <a:round/>
-              <a:headEnd/>
               <a:tailEnd type="triangle" w="med" len="med"/>
             </a:ln>
             <a:effectLst/>
@@ -18964,7 +18920,7 @@
                   <a:solidFill>
                     <a:schemeClr val="tx1"/>
                   </a:solidFill>
-                  <a:latin typeface="Times New Roman" pitchFamily="18" charset="0"/>
+                  <a:latin typeface="Times New Roman" panose="02020603050405020304" pitchFamily="18" charset="0"/>
                   <a:ea typeface="+mn-ea"/>
                   <a:cs typeface="+mn-cs"/>
                 </a:defRPr>
@@ -18980,7 +18936,7 @@
                   <a:solidFill>
                     <a:schemeClr val="tx1"/>
                   </a:solidFill>
-                  <a:latin typeface="Times New Roman" pitchFamily="18" charset="0"/>
+                  <a:latin typeface="Times New Roman" panose="02020603050405020304" pitchFamily="18" charset="0"/>
                   <a:ea typeface="+mn-ea"/>
                   <a:cs typeface="+mn-cs"/>
                 </a:defRPr>
@@ -18996,7 +18952,7 @@
                   <a:solidFill>
                     <a:schemeClr val="tx1"/>
                   </a:solidFill>
-                  <a:latin typeface="Times New Roman" pitchFamily="18" charset="0"/>
+                  <a:latin typeface="Times New Roman" panose="02020603050405020304" pitchFamily="18" charset="0"/>
                   <a:ea typeface="+mn-ea"/>
                   <a:cs typeface="+mn-cs"/>
                 </a:defRPr>
@@ -19012,7 +18968,7 @@
                   <a:solidFill>
                     <a:schemeClr val="tx1"/>
                   </a:solidFill>
-                  <a:latin typeface="Times New Roman" pitchFamily="18" charset="0"/>
+                  <a:latin typeface="Times New Roman" panose="02020603050405020304" pitchFamily="18" charset="0"/>
                   <a:ea typeface="+mn-ea"/>
                   <a:cs typeface="+mn-cs"/>
                 </a:defRPr>
@@ -19028,7 +18984,7 @@
                   <a:solidFill>
                     <a:schemeClr val="tx1"/>
                   </a:solidFill>
-                  <a:latin typeface="Times New Roman" pitchFamily="18" charset="0"/>
+                  <a:latin typeface="Times New Roman" panose="02020603050405020304" pitchFamily="18" charset="0"/>
                   <a:ea typeface="+mn-ea"/>
                   <a:cs typeface="+mn-cs"/>
                 </a:defRPr>
@@ -19038,7 +18994,7 @@
                   <a:solidFill>
                     <a:schemeClr val="tx1"/>
                   </a:solidFill>
-                  <a:latin typeface="Times New Roman" pitchFamily="18" charset="0"/>
+                  <a:latin typeface="Times New Roman" panose="02020603050405020304" pitchFamily="18" charset="0"/>
                   <a:ea typeface="+mn-ea"/>
                   <a:cs typeface="+mn-cs"/>
                 </a:defRPr>
@@ -19048,7 +19004,7 @@
                   <a:solidFill>
                     <a:schemeClr val="tx1"/>
                   </a:solidFill>
-                  <a:latin typeface="Times New Roman" pitchFamily="18" charset="0"/>
+                  <a:latin typeface="Times New Roman" panose="02020603050405020304" pitchFamily="18" charset="0"/>
                   <a:ea typeface="+mn-ea"/>
                   <a:cs typeface="+mn-cs"/>
                 </a:defRPr>
@@ -19058,7 +19014,7 @@
                   <a:solidFill>
                     <a:schemeClr val="tx1"/>
                   </a:solidFill>
-                  <a:latin typeface="Times New Roman" pitchFamily="18" charset="0"/>
+                  <a:latin typeface="Times New Roman" panose="02020603050405020304" pitchFamily="18" charset="0"/>
                   <a:ea typeface="+mn-ea"/>
                   <a:cs typeface="+mn-cs"/>
                 </a:defRPr>
@@ -19068,7 +19024,7 @@
                   <a:solidFill>
                     <a:schemeClr val="tx1"/>
                   </a:solidFill>
-                  <a:latin typeface="Times New Roman" pitchFamily="18" charset="0"/>
+                  <a:latin typeface="Times New Roman" panose="02020603050405020304" pitchFamily="18" charset="0"/>
                   <a:ea typeface="+mn-ea"/>
                   <a:cs typeface="+mn-cs"/>
                 </a:defRPr>
@@ -19103,7 +19059,6 @@
                 <a:schemeClr val="tx1"/>
               </a:solidFill>
               <a:round/>
-              <a:headEnd/>
               <a:tailEnd type="triangle" w="med" len="med"/>
             </a:ln>
             <a:effectLst/>
@@ -19125,7 +19080,7 @@
                   <a:solidFill>
                     <a:schemeClr val="tx1"/>
                   </a:solidFill>
-                  <a:latin typeface="Times New Roman" pitchFamily="18" charset="0"/>
+                  <a:latin typeface="Times New Roman" panose="02020603050405020304" pitchFamily="18" charset="0"/>
                   <a:ea typeface="+mn-ea"/>
                   <a:cs typeface="+mn-cs"/>
                 </a:defRPr>
@@ -19141,7 +19096,7 @@
                   <a:solidFill>
                     <a:schemeClr val="tx1"/>
                   </a:solidFill>
-                  <a:latin typeface="Times New Roman" pitchFamily="18" charset="0"/>
+                  <a:latin typeface="Times New Roman" panose="02020603050405020304" pitchFamily="18" charset="0"/>
                   <a:ea typeface="+mn-ea"/>
                   <a:cs typeface="+mn-cs"/>
                 </a:defRPr>
@@ -19157,7 +19112,7 @@
                   <a:solidFill>
                     <a:schemeClr val="tx1"/>
                   </a:solidFill>
-                  <a:latin typeface="Times New Roman" pitchFamily="18" charset="0"/>
+                  <a:latin typeface="Times New Roman" panose="02020603050405020304" pitchFamily="18" charset="0"/>
                   <a:ea typeface="+mn-ea"/>
                   <a:cs typeface="+mn-cs"/>
                 </a:defRPr>
@@ -19173,7 +19128,7 @@
                   <a:solidFill>
                     <a:schemeClr val="tx1"/>
                   </a:solidFill>
-                  <a:latin typeface="Times New Roman" pitchFamily="18" charset="0"/>
+                  <a:latin typeface="Times New Roman" panose="02020603050405020304" pitchFamily="18" charset="0"/>
                   <a:ea typeface="+mn-ea"/>
                   <a:cs typeface="+mn-cs"/>
                 </a:defRPr>
@@ -19189,7 +19144,7 @@
                   <a:solidFill>
                     <a:schemeClr val="tx1"/>
                   </a:solidFill>
-                  <a:latin typeface="Times New Roman" pitchFamily="18" charset="0"/>
+                  <a:latin typeface="Times New Roman" panose="02020603050405020304" pitchFamily="18" charset="0"/>
                   <a:ea typeface="+mn-ea"/>
                   <a:cs typeface="+mn-cs"/>
                 </a:defRPr>
@@ -19199,7 +19154,7 @@
                   <a:solidFill>
                     <a:schemeClr val="tx1"/>
                   </a:solidFill>
-                  <a:latin typeface="Times New Roman" pitchFamily="18" charset="0"/>
+                  <a:latin typeface="Times New Roman" panose="02020603050405020304" pitchFamily="18" charset="0"/>
                   <a:ea typeface="+mn-ea"/>
                   <a:cs typeface="+mn-cs"/>
                 </a:defRPr>
@@ -19209,7 +19164,7 @@
                   <a:solidFill>
                     <a:schemeClr val="tx1"/>
                   </a:solidFill>
-                  <a:latin typeface="Times New Roman" pitchFamily="18" charset="0"/>
+                  <a:latin typeface="Times New Roman" panose="02020603050405020304" pitchFamily="18" charset="0"/>
                   <a:ea typeface="+mn-ea"/>
                   <a:cs typeface="+mn-cs"/>
                 </a:defRPr>
@@ -19219,7 +19174,7 @@
                   <a:solidFill>
                     <a:schemeClr val="tx1"/>
                   </a:solidFill>
-                  <a:latin typeface="Times New Roman" pitchFamily="18" charset="0"/>
+                  <a:latin typeface="Times New Roman" panose="02020603050405020304" pitchFamily="18" charset="0"/>
                   <a:ea typeface="+mn-ea"/>
                   <a:cs typeface="+mn-cs"/>
                 </a:defRPr>
@@ -19229,7 +19184,7 @@
                   <a:solidFill>
                     <a:schemeClr val="tx1"/>
                   </a:solidFill>
-                  <a:latin typeface="Times New Roman" pitchFamily="18" charset="0"/>
+                  <a:latin typeface="Times New Roman" panose="02020603050405020304" pitchFamily="18" charset="0"/>
                   <a:ea typeface="+mn-ea"/>
                   <a:cs typeface="+mn-cs"/>
                 </a:defRPr>
@@ -19263,8 +19218,6 @@
           <a:ln w="9525">
             <a:noFill/>
             <a:miter lim="800000"/>
-            <a:headEnd/>
-            <a:tailEnd/>
           </a:ln>
           <a:effectLst/>
         </p:spPr>
@@ -19287,7 +19240,7 @@
                 <a:solidFill>
                   <a:schemeClr val="tx1"/>
                 </a:solidFill>
-                <a:latin typeface="Times New Roman" pitchFamily="18" charset="0"/>
+                <a:latin typeface="Times New Roman" panose="02020603050405020304" pitchFamily="18" charset="0"/>
                 <a:ea typeface="+mn-ea"/>
                 <a:cs typeface="+mn-cs"/>
               </a:defRPr>
@@ -19303,7 +19256,7 @@
                 <a:solidFill>
                   <a:schemeClr val="tx1"/>
                 </a:solidFill>
-                <a:latin typeface="Times New Roman" pitchFamily="18" charset="0"/>
+                <a:latin typeface="Times New Roman" panose="02020603050405020304" pitchFamily="18" charset="0"/>
                 <a:ea typeface="+mn-ea"/>
                 <a:cs typeface="+mn-cs"/>
               </a:defRPr>
@@ -19319,7 +19272,7 @@
                 <a:solidFill>
                   <a:schemeClr val="tx1"/>
                 </a:solidFill>
-                <a:latin typeface="Times New Roman" pitchFamily="18" charset="0"/>
+                <a:latin typeface="Times New Roman" panose="02020603050405020304" pitchFamily="18" charset="0"/>
                 <a:ea typeface="+mn-ea"/>
                 <a:cs typeface="+mn-cs"/>
               </a:defRPr>
@@ -19335,7 +19288,7 @@
                 <a:solidFill>
                   <a:schemeClr val="tx1"/>
                 </a:solidFill>
-                <a:latin typeface="Times New Roman" pitchFamily="18" charset="0"/>
+                <a:latin typeface="Times New Roman" panose="02020603050405020304" pitchFamily="18" charset="0"/>
                 <a:ea typeface="+mn-ea"/>
                 <a:cs typeface="+mn-cs"/>
               </a:defRPr>
@@ -19351,7 +19304,7 @@
                 <a:solidFill>
                   <a:schemeClr val="tx1"/>
                 </a:solidFill>
-                <a:latin typeface="Times New Roman" pitchFamily="18" charset="0"/>
+                <a:latin typeface="Times New Roman" panose="02020603050405020304" pitchFamily="18" charset="0"/>
                 <a:ea typeface="+mn-ea"/>
                 <a:cs typeface="+mn-cs"/>
               </a:defRPr>
@@ -19361,7 +19314,7 @@
                 <a:solidFill>
                   <a:schemeClr val="tx1"/>
                 </a:solidFill>
-                <a:latin typeface="Times New Roman" pitchFamily="18" charset="0"/>
+                <a:latin typeface="Times New Roman" panose="02020603050405020304" pitchFamily="18" charset="0"/>
                 <a:ea typeface="+mn-ea"/>
                 <a:cs typeface="+mn-cs"/>
               </a:defRPr>
@@ -19371,7 +19324,7 @@
                 <a:solidFill>
                   <a:schemeClr val="tx1"/>
                 </a:solidFill>
-                <a:latin typeface="Times New Roman" pitchFamily="18" charset="0"/>
+                <a:latin typeface="Times New Roman" panose="02020603050405020304" pitchFamily="18" charset="0"/>
                 <a:ea typeface="+mn-ea"/>
                 <a:cs typeface="+mn-cs"/>
               </a:defRPr>
@@ -19381,7 +19334,7 @@
                 <a:solidFill>
                   <a:schemeClr val="tx1"/>
                 </a:solidFill>
-                <a:latin typeface="Times New Roman" pitchFamily="18" charset="0"/>
+                <a:latin typeface="Times New Roman" panose="02020603050405020304" pitchFamily="18" charset="0"/>
                 <a:ea typeface="+mn-ea"/>
                 <a:cs typeface="+mn-cs"/>
               </a:defRPr>
@@ -19391,7 +19344,7 @@
                 <a:solidFill>
                   <a:schemeClr val="tx1"/>
                 </a:solidFill>
-                <a:latin typeface="Times New Roman" pitchFamily="18" charset="0"/>
+                <a:latin typeface="Times New Roman" panose="02020603050405020304" pitchFamily="18" charset="0"/>
                 <a:ea typeface="+mn-ea"/>
                 <a:cs typeface="+mn-cs"/>
               </a:defRPr>
@@ -19412,15 +19365,14 @@
               </a:rPr>
               <a:t>OS</a:t>
             </a:r>
+            <a:endParaRPr lang="en-US" altLang="ko-KR" sz="3200" b="1" dirty="0">
+              <a:latin typeface="+mn-lt"/>
+              <a:ea typeface="굴림" charset="-127"/>
+            </a:endParaRPr>
           </a:p>
         </p:txBody>
       </p:sp>
     </p:spTree>
-    <p:extLst>
-      <p:ext uri="{BB962C8B-B14F-4D97-AF65-F5344CB8AC3E}">
-        <p14:creationId xmlns:p14="http://schemas.microsoft.com/office/powerpoint/2010/main" val="1170116842"/>
-      </p:ext>
-    </p:extLst>
   </p:cSld>
   <p:clrMapOvr>
     <a:masterClrMapping/>
@@ -19492,8 +19444,6 @@
           <a:p>
             <a:fld id="{1D72EBF8-7CF5-44B7-B2BF-E22DE4D0703D}" type="slidenum">
               <a:rPr lang="en-US" smtClean="0"/>
-              <a:pPr/>
-              <a:t>46</a:t>
             </a:fld>
             <a:endParaRPr lang="en-US"/>
           </a:p>
@@ -19519,8 +19469,6 @@
           <a:ln w="9525">
             <a:noFill/>
             <a:miter lim="800000"/>
-            <a:headEnd/>
-            <a:tailEnd/>
           </a:ln>
           <a:effectLst/>
         </p:spPr>
@@ -19543,7 +19491,7 @@
                 <a:solidFill>
                   <a:schemeClr val="tx1"/>
                 </a:solidFill>
-                <a:latin typeface="Times New Roman" pitchFamily="18" charset="0"/>
+                <a:latin typeface="Times New Roman" panose="02020603050405020304" pitchFamily="18" charset="0"/>
                 <a:ea typeface="+mn-ea"/>
                 <a:cs typeface="+mn-cs"/>
               </a:defRPr>
@@ -19559,7 +19507,7 @@
                 <a:solidFill>
                   <a:schemeClr val="tx1"/>
                 </a:solidFill>
-                <a:latin typeface="Times New Roman" pitchFamily="18" charset="0"/>
+                <a:latin typeface="Times New Roman" panose="02020603050405020304" pitchFamily="18" charset="0"/>
                 <a:ea typeface="+mn-ea"/>
                 <a:cs typeface="+mn-cs"/>
               </a:defRPr>
@@ -19575,7 +19523,7 @@
                 <a:solidFill>
                   <a:schemeClr val="tx1"/>
                 </a:solidFill>
-                <a:latin typeface="Times New Roman" pitchFamily="18" charset="0"/>
+                <a:latin typeface="Times New Roman" panose="02020603050405020304" pitchFamily="18" charset="0"/>
                 <a:ea typeface="+mn-ea"/>
                 <a:cs typeface="+mn-cs"/>
               </a:defRPr>
@@ -19591,7 +19539,7 @@
                 <a:solidFill>
                   <a:schemeClr val="tx1"/>
                 </a:solidFill>
-                <a:latin typeface="Times New Roman" pitchFamily="18" charset="0"/>
+                <a:latin typeface="Times New Roman" panose="02020603050405020304" pitchFamily="18" charset="0"/>
                 <a:ea typeface="+mn-ea"/>
                 <a:cs typeface="+mn-cs"/>
               </a:defRPr>
@@ -19607,7 +19555,7 @@
                 <a:solidFill>
                   <a:schemeClr val="tx1"/>
                 </a:solidFill>
-                <a:latin typeface="Times New Roman" pitchFamily="18" charset="0"/>
+                <a:latin typeface="Times New Roman" panose="02020603050405020304" pitchFamily="18" charset="0"/>
                 <a:ea typeface="+mn-ea"/>
                 <a:cs typeface="+mn-cs"/>
               </a:defRPr>
@@ -19617,7 +19565,7 @@
                 <a:solidFill>
                   <a:schemeClr val="tx1"/>
                 </a:solidFill>
-                <a:latin typeface="Times New Roman" pitchFamily="18" charset="0"/>
+                <a:latin typeface="Times New Roman" panose="02020603050405020304" pitchFamily="18" charset="0"/>
                 <a:ea typeface="+mn-ea"/>
                 <a:cs typeface="+mn-cs"/>
               </a:defRPr>
@@ -19627,7 +19575,7 @@
                 <a:solidFill>
                   <a:schemeClr val="tx1"/>
                 </a:solidFill>
-                <a:latin typeface="Times New Roman" pitchFamily="18" charset="0"/>
+                <a:latin typeface="Times New Roman" panose="02020603050405020304" pitchFamily="18" charset="0"/>
                 <a:ea typeface="+mn-ea"/>
                 <a:cs typeface="+mn-cs"/>
               </a:defRPr>
@@ -19637,7 +19585,7 @@
                 <a:solidFill>
                   <a:schemeClr val="tx1"/>
                 </a:solidFill>
-                <a:latin typeface="Times New Roman" pitchFamily="18" charset="0"/>
+                <a:latin typeface="Times New Roman" panose="02020603050405020304" pitchFamily="18" charset="0"/>
                 <a:ea typeface="+mn-ea"/>
                 <a:cs typeface="+mn-cs"/>
               </a:defRPr>
@@ -19647,7 +19595,7 @@
                 <a:solidFill>
                   <a:schemeClr val="tx1"/>
                 </a:solidFill>
-                <a:latin typeface="Times New Roman" pitchFamily="18" charset="0"/>
+                <a:latin typeface="Times New Roman" panose="02020603050405020304" pitchFamily="18" charset="0"/>
                 <a:ea typeface="+mn-ea"/>
                 <a:cs typeface="+mn-cs"/>
               </a:defRPr>
@@ -19727,8 +19675,6 @@
                 <a:schemeClr val="tx1"/>
               </a:solidFill>
               <a:miter lim="800000"/>
-              <a:headEnd/>
-              <a:tailEnd/>
             </a:ln>
             <a:effectLst/>
           </p:spPr>
@@ -19749,7 +19695,7 @@
                   <a:solidFill>
                     <a:schemeClr val="tx1"/>
                   </a:solidFill>
-                  <a:latin typeface="Times New Roman" pitchFamily="18" charset="0"/>
+                  <a:latin typeface="Times New Roman" panose="02020603050405020304" pitchFamily="18" charset="0"/>
                   <a:ea typeface="+mn-ea"/>
                   <a:cs typeface="+mn-cs"/>
                 </a:defRPr>
@@ -19765,7 +19711,7 @@
                   <a:solidFill>
                     <a:schemeClr val="tx1"/>
                   </a:solidFill>
-                  <a:latin typeface="Times New Roman" pitchFamily="18" charset="0"/>
+                  <a:latin typeface="Times New Roman" panose="02020603050405020304" pitchFamily="18" charset="0"/>
                   <a:ea typeface="+mn-ea"/>
                   <a:cs typeface="+mn-cs"/>
                 </a:defRPr>
@@ -19781,7 +19727,7 @@
                   <a:solidFill>
                     <a:schemeClr val="tx1"/>
                   </a:solidFill>
-                  <a:latin typeface="Times New Roman" pitchFamily="18" charset="0"/>
+                  <a:latin typeface="Times New Roman" panose="02020603050405020304" pitchFamily="18" charset="0"/>
                   <a:ea typeface="+mn-ea"/>
                   <a:cs typeface="+mn-cs"/>
                 </a:defRPr>
@@ -19797,7 +19743,7 @@
                   <a:solidFill>
                     <a:schemeClr val="tx1"/>
                   </a:solidFill>
-                  <a:latin typeface="Times New Roman" pitchFamily="18" charset="0"/>
+                  <a:latin typeface="Times New Roman" panose="02020603050405020304" pitchFamily="18" charset="0"/>
                   <a:ea typeface="+mn-ea"/>
                   <a:cs typeface="+mn-cs"/>
                 </a:defRPr>
@@ -19813,7 +19759,7 @@
                   <a:solidFill>
                     <a:schemeClr val="tx1"/>
                   </a:solidFill>
-                  <a:latin typeface="Times New Roman" pitchFamily="18" charset="0"/>
+                  <a:latin typeface="Times New Roman" panose="02020603050405020304" pitchFamily="18" charset="0"/>
                   <a:ea typeface="+mn-ea"/>
                   <a:cs typeface="+mn-cs"/>
                 </a:defRPr>
@@ -19823,7 +19769,7 @@
                   <a:solidFill>
                     <a:schemeClr val="tx1"/>
                   </a:solidFill>
-                  <a:latin typeface="Times New Roman" pitchFamily="18" charset="0"/>
+                  <a:latin typeface="Times New Roman" panose="02020603050405020304" pitchFamily="18" charset="0"/>
                   <a:ea typeface="+mn-ea"/>
                   <a:cs typeface="+mn-cs"/>
                 </a:defRPr>
@@ -19833,7 +19779,7 @@
                   <a:solidFill>
                     <a:schemeClr val="tx1"/>
                   </a:solidFill>
-                  <a:latin typeface="Times New Roman" pitchFamily="18" charset="0"/>
+                  <a:latin typeface="Times New Roman" panose="02020603050405020304" pitchFamily="18" charset="0"/>
                   <a:ea typeface="+mn-ea"/>
                   <a:cs typeface="+mn-cs"/>
                 </a:defRPr>
@@ -19843,7 +19789,7 @@
                   <a:solidFill>
                     <a:schemeClr val="tx1"/>
                   </a:solidFill>
-                  <a:latin typeface="Times New Roman" pitchFamily="18" charset="0"/>
+                  <a:latin typeface="Times New Roman" panose="02020603050405020304" pitchFamily="18" charset="0"/>
                   <a:ea typeface="+mn-ea"/>
                   <a:cs typeface="+mn-cs"/>
                 </a:defRPr>
@@ -19853,7 +19799,7 @@
                   <a:solidFill>
                     <a:schemeClr val="tx1"/>
                   </a:solidFill>
-                  <a:latin typeface="Times New Roman" pitchFamily="18" charset="0"/>
+                  <a:latin typeface="Times New Roman" panose="02020603050405020304" pitchFamily="18" charset="0"/>
                   <a:ea typeface="+mn-ea"/>
                   <a:cs typeface="+mn-cs"/>
                 </a:defRPr>
@@ -19868,6 +19814,10 @@
                 </a:rPr>
                 <a:t>Hardware</a:t>
               </a:r>
+              <a:endParaRPr lang="en-US" altLang="ko-KR" dirty="0">
+                <a:latin typeface="+mn-lt"/>
+                <a:ea typeface="굴림" charset="-127"/>
+              </a:endParaRPr>
             </a:p>
           </p:txBody>
         </p:sp>
@@ -19895,8 +19845,6 @@
                 <a:schemeClr val="tx1"/>
               </a:solidFill>
               <a:miter lim="800000"/>
-              <a:headEnd/>
-              <a:tailEnd/>
             </a:ln>
             <a:effectLst/>
           </p:spPr>
@@ -19917,7 +19865,7 @@
                   <a:solidFill>
                     <a:schemeClr val="tx1"/>
                   </a:solidFill>
-                  <a:latin typeface="Times New Roman" pitchFamily="18" charset="0"/>
+                  <a:latin typeface="Times New Roman" panose="02020603050405020304" pitchFamily="18" charset="0"/>
                   <a:ea typeface="+mn-ea"/>
                   <a:cs typeface="+mn-cs"/>
                 </a:defRPr>
@@ -19933,7 +19881,7 @@
                   <a:solidFill>
                     <a:schemeClr val="tx1"/>
                   </a:solidFill>
-                  <a:latin typeface="Times New Roman" pitchFamily="18" charset="0"/>
+                  <a:latin typeface="Times New Roman" panose="02020603050405020304" pitchFamily="18" charset="0"/>
                   <a:ea typeface="+mn-ea"/>
                   <a:cs typeface="+mn-cs"/>
                 </a:defRPr>
@@ -19949,7 +19897,7 @@
                   <a:solidFill>
                     <a:schemeClr val="tx1"/>
                   </a:solidFill>
-                  <a:latin typeface="Times New Roman" pitchFamily="18" charset="0"/>
+                  <a:latin typeface="Times New Roman" panose="02020603050405020304" pitchFamily="18" charset="0"/>
                   <a:ea typeface="+mn-ea"/>
                   <a:cs typeface="+mn-cs"/>
                 </a:defRPr>
@@ -19965,7 +19913,7 @@
                   <a:solidFill>
                     <a:schemeClr val="tx1"/>
                   </a:solidFill>
-                  <a:latin typeface="Times New Roman" pitchFamily="18" charset="0"/>
+                  <a:latin typeface="Times New Roman" panose="02020603050405020304" pitchFamily="18" charset="0"/>
                   <a:ea typeface="+mn-ea"/>
                   <a:cs typeface="+mn-cs"/>
                 </a:defRPr>
@@ -19981,7 +19929,7 @@
                   <a:solidFill>
                     <a:schemeClr val="tx1"/>
                   </a:solidFill>
-                  <a:latin typeface="Times New Roman" pitchFamily="18" charset="0"/>
+                  <a:latin typeface="Times New Roman" panose="02020603050405020304" pitchFamily="18" charset="0"/>
                   <a:ea typeface="+mn-ea"/>
                   <a:cs typeface="+mn-cs"/>
                 </a:defRPr>
@@ -19991,7 +19939,7 @@
                   <a:solidFill>
                     <a:schemeClr val="tx1"/>
                   </a:solidFill>
-                  <a:latin typeface="Times New Roman" pitchFamily="18" charset="0"/>
+                  <a:latin typeface="Times New Roman" panose="02020603050405020304" pitchFamily="18" charset="0"/>
                   <a:ea typeface="+mn-ea"/>
                   <a:cs typeface="+mn-cs"/>
                 </a:defRPr>
@@ -20001,7 +19949,7 @@
                   <a:solidFill>
                     <a:schemeClr val="tx1"/>
                   </a:solidFill>
-                  <a:latin typeface="Times New Roman" pitchFamily="18" charset="0"/>
+                  <a:latin typeface="Times New Roman" panose="02020603050405020304" pitchFamily="18" charset="0"/>
                   <a:ea typeface="+mn-ea"/>
                   <a:cs typeface="+mn-cs"/>
                 </a:defRPr>
@@ -20011,7 +19959,7 @@
                   <a:solidFill>
                     <a:schemeClr val="tx1"/>
                   </a:solidFill>
-                  <a:latin typeface="Times New Roman" pitchFamily="18" charset="0"/>
+                  <a:latin typeface="Times New Roman" panose="02020603050405020304" pitchFamily="18" charset="0"/>
                   <a:ea typeface="+mn-ea"/>
                   <a:cs typeface="+mn-cs"/>
                 </a:defRPr>
@@ -20021,7 +19969,7 @@
                   <a:solidFill>
                     <a:schemeClr val="tx1"/>
                   </a:solidFill>
-                  <a:latin typeface="Times New Roman" pitchFamily="18" charset="0"/>
+                  <a:latin typeface="Times New Roman" panose="02020603050405020304" pitchFamily="18" charset="0"/>
                   <a:ea typeface="+mn-ea"/>
                   <a:cs typeface="+mn-cs"/>
                 </a:defRPr>
@@ -20036,6 +19984,10 @@
                 </a:rPr>
                 <a:t>Apache</a:t>
               </a:r>
+              <a:endParaRPr lang="en-US" altLang="ko-KR">
+                <a:latin typeface="+mn-lt"/>
+                <a:ea typeface="굴림" charset="-127"/>
+              </a:endParaRPr>
             </a:p>
           </p:txBody>
         </p:sp>
@@ -20063,8 +20015,6 @@
                 <a:schemeClr val="tx1"/>
               </a:solidFill>
               <a:miter lim="800000"/>
-              <a:headEnd/>
-              <a:tailEnd/>
             </a:ln>
             <a:effectLst/>
           </p:spPr>
@@ -20085,7 +20035,7 @@
                   <a:solidFill>
                     <a:schemeClr val="tx1"/>
                   </a:solidFill>
-                  <a:latin typeface="Times New Roman" pitchFamily="18" charset="0"/>
+                  <a:latin typeface="Times New Roman" panose="02020603050405020304" pitchFamily="18" charset="0"/>
                   <a:ea typeface="+mn-ea"/>
                   <a:cs typeface="+mn-cs"/>
                 </a:defRPr>
@@ -20101,7 +20051,7 @@
                   <a:solidFill>
                     <a:schemeClr val="tx1"/>
                   </a:solidFill>
-                  <a:latin typeface="Times New Roman" pitchFamily="18" charset="0"/>
+                  <a:latin typeface="Times New Roman" panose="02020603050405020304" pitchFamily="18" charset="0"/>
                   <a:ea typeface="+mn-ea"/>
                   <a:cs typeface="+mn-cs"/>
                 </a:defRPr>
@@ -20117,7 +20067,7 @@
                   <a:solidFill>
                     <a:schemeClr val="tx1"/>
                   </a:solidFill>
-                  <a:latin typeface="Times New Roman" pitchFamily="18" charset="0"/>
+                  <a:latin typeface="Times New Roman" panose="02020603050405020304" pitchFamily="18" charset="0"/>
                   <a:ea typeface="+mn-ea"/>
                   <a:cs typeface="+mn-cs"/>
                 </a:defRPr>
@@ -20133,7 +20083,7 @@
                   <a:solidFill>
                     <a:schemeClr val="tx1"/>
                   </a:solidFill>
-                  <a:latin typeface="Times New Roman" pitchFamily="18" charset="0"/>
+                  <a:latin typeface="Times New Roman" panose="02020603050405020304" pitchFamily="18" charset="0"/>
                   <a:ea typeface="+mn-ea"/>
                   <a:cs typeface="+mn-cs"/>
                 </a:defRPr>
@@ -20149,7 +20099,7 @@
                   <a:solidFill>
                     <a:schemeClr val="tx1"/>
                   </a:solidFill>
-                  <a:latin typeface="Times New Roman" pitchFamily="18" charset="0"/>
+                  <a:latin typeface="Times New Roman" panose="02020603050405020304" pitchFamily="18" charset="0"/>
                   <a:ea typeface="+mn-ea"/>
                   <a:cs typeface="+mn-cs"/>
                 </a:defRPr>
@@ -20159,7 +20109,7 @@
                   <a:solidFill>
                     <a:schemeClr val="tx1"/>
                   </a:solidFill>
-                  <a:latin typeface="Times New Roman" pitchFamily="18" charset="0"/>
+                  <a:latin typeface="Times New Roman" panose="02020603050405020304" pitchFamily="18" charset="0"/>
                   <a:ea typeface="+mn-ea"/>
                   <a:cs typeface="+mn-cs"/>
                 </a:defRPr>
@@ -20169,7 +20119,7 @@
                   <a:solidFill>
                     <a:schemeClr val="tx1"/>
                   </a:solidFill>
-                  <a:latin typeface="Times New Roman" pitchFamily="18" charset="0"/>
+                  <a:latin typeface="Times New Roman" panose="02020603050405020304" pitchFamily="18" charset="0"/>
                   <a:ea typeface="+mn-ea"/>
                   <a:cs typeface="+mn-cs"/>
                 </a:defRPr>
@@ -20179,7 +20129,7 @@
                   <a:solidFill>
                     <a:schemeClr val="tx1"/>
                   </a:solidFill>
-                  <a:latin typeface="Times New Roman" pitchFamily="18" charset="0"/>
+                  <a:latin typeface="Times New Roman" panose="02020603050405020304" pitchFamily="18" charset="0"/>
                   <a:ea typeface="+mn-ea"/>
                   <a:cs typeface="+mn-cs"/>
                 </a:defRPr>
@@ -20189,7 +20139,7 @@
                   <a:solidFill>
                     <a:schemeClr val="tx1"/>
                   </a:solidFill>
-                  <a:latin typeface="Times New Roman" pitchFamily="18" charset="0"/>
+                  <a:latin typeface="Times New Roman" panose="02020603050405020304" pitchFamily="18" charset="0"/>
                   <a:ea typeface="+mn-ea"/>
                   <a:cs typeface="+mn-cs"/>
                 </a:defRPr>
@@ -20207,6 +20157,13 @@
                 </a:rPr>
                 <a:t>Interface</a:t>
               </a:r>
+              <a:endParaRPr lang="en-US" altLang="ko-KR" dirty="0">
+                <a:solidFill>
+                  <a:srgbClr val="FF0000"/>
+                </a:solidFill>
+                <a:latin typeface="+mn-lt"/>
+                <a:ea typeface="굴림" charset="-127"/>
+              </a:endParaRPr>
             </a:p>
           </p:txBody>
         </p:sp>
@@ -20234,8 +20191,6 @@
                 <a:schemeClr val="tx1"/>
               </a:solidFill>
               <a:miter lim="800000"/>
-              <a:headEnd/>
-              <a:tailEnd/>
             </a:ln>
             <a:effectLst/>
           </p:spPr>
@@ -20256,7 +20211,7 @@
                   <a:solidFill>
                     <a:schemeClr val="tx1"/>
                   </a:solidFill>
-                  <a:latin typeface="Times New Roman" pitchFamily="18" charset="0"/>
+                  <a:latin typeface="Times New Roman" panose="02020603050405020304" pitchFamily="18" charset="0"/>
                   <a:ea typeface="+mn-ea"/>
                   <a:cs typeface="+mn-cs"/>
                 </a:defRPr>
@@ -20272,7 +20227,7 @@
                   <a:solidFill>
                     <a:schemeClr val="tx1"/>
                   </a:solidFill>
-                  <a:latin typeface="Times New Roman" pitchFamily="18" charset="0"/>
+                  <a:latin typeface="Times New Roman" panose="02020603050405020304" pitchFamily="18" charset="0"/>
                   <a:ea typeface="+mn-ea"/>
                   <a:cs typeface="+mn-cs"/>
                 </a:defRPr>
@@ -20288,7 +20243,7 @@
                   <a:solidFill>
                     <a:schemeClr val="tx1"/>
                   </a:solidFill>
-                  <a:latin typeface="Times New Roman" pitchFamily="18" charset="0"/>
+                  <a:latin typeface="Times New Roman" panose="02020603050405020304" pitchFamily="18" charset="0"/>
                   <a:ea typeface="+mn-ea"/>
                   <a:cs typeface="+mn-cs"/>
                 </a:defRPr>
@@ -20304,7 +20259,7 @@
                   <a:solidFill>
                     <a:schemeClr val="tx1"/>
                   </a:solidFill>
-                  <a:latin typeface="Times New Roman" pitchFamily="18" charset="0"/>
+                  <a:latin typeface="Times New Roman" panose="02020603050405020304" pitchFamily="18" charset="0"/>
                   <a:ea typeface="+mn-ea"/>
                   <a:cs typeface="+mn-cs"/>
                 </a:defRPr>
@@ -20320,7 +20275,7 @@
                   <a:solidFill>
                     <a:schemeClr val="tx1"/>
                   </a:solidFill>
-                  <a:latin typeface="Times New Roman" pitchFamily="18" charset="0"/>
+                  <a:latin typeface="Times New Roman" panose="02020603050405020304" pitchFamily="18" charset="0"/>
                   <a:ea typeface="+mn-ea"/>
                   <a:cs typeface="+mn-cs"/>
                 </a:defRPr>
@@ -20330,7 +20285,7 @@
                   <a:solidFill>
                     <a:schemeClr val="tx1"/>
                   </a:solidFill>
-                  <a:latin typeface="Times New Roman" pitchFamily="18" charset="0"/>
+                  <a:latin typeface="Times New Roman" panose="02020603050405020304" pitchFamily="18" charset="0"/>
                   <a:ea typeface="+mn-ea"/>
                   <a:cs typeface="+mn-cs"/>
                 </a:defRPr>
@@ -20340,7 +20295,7 @@
                   <a:solidFill>
                     <a:schemeClr val="tx1"/>
                   </a:solidFill>
-                  <a:latin typeface="Times New Roman" pitchFamily="18" charset="0"/>
+                  <a:latin typeface="Times New Roman" panose="02020603050405020304" pitchFamily="18" charset="0"/>
                   <a:ea typeface="+mn-ea"/>
                   <a:cs typeface="+mn-cs"/>
                 </a:defRPr>
@@ -20350,7 +20305,7 @@
                   <a:solidFill>
                     <a:schemeClr val="tx1"/>
                   </a:solidFill>
-                  <a:latin typeface="Times New Roman" pitchFamily="18" charset="0"/>
+                  <a:latin typeface="Times New Roman" panose="02020603050405020304" pitchFamily="18" charset="0"/>
                   <a:ea typeface="+mn-ea"/>
                   <a:cs typeface="+mn-cs"/>
                 </a:defRPr>
@@ -20360,7 +20315,7 @@
                   <a:solidFill>
                     <a:schemeClr val="tx1"/>
                   </a:solidFill>
-                  <a:latin typeface="Times New Roman" pitchFamily="18" charset="0"/>
+                  <a:latin typeface="Times New Roman" panose="02020603050405020304" pitchFamily="18" charset="0"/>
                   <a:ea typeface="+mn-ea"/>
                   <a:cs typeface="+mn-cs"/>
                 </a:defRPr>
@@ -20378,6 +20333,13 @@
                 </a:rPr>
                 <a:t>Abstractions</a:t>
               </a:r>
+              <a:endParaRPr lang="en-US" altLang="ko-KR" dirty="0">
+                <a:solidFill>
+                  <a:srgbClr val="FF0000"/>
+                </a:solidFill>
+                <a:latin typeface="+mn-lt"/>
+                <a:ea typeface="굴림" charset="-127"/>
+              </a:endParaRPr>
             </a:p>
           </p:txBody>
         </p:sp>
@@ -20403,8 +20365,6 @@
                 <a:srgbClr val="FF0000"/>
               </a:solidFill>
               <a:miter lim="800000"/>
-              <a:headEnd/>
-              <a:tailEnd/>
             </a:ln>
             <a:effectLst/>
           </p:spPr>
@@ -20425,7 +20385,7 @@
                   <a:solidFill>
                     <a:schemeClr val="tx1"/>
                   </a:solidFill>
-                  <a:latin typeface="Times New Roman" pitchFamily="18" charset="0"/>
+                  <a:latin typeface="Times New Roman" panose="02020603050405020304" pitchFamily="18" charset="0"/>
                   <a:ea typeface="+mn-ea"/>
                   <a:cs typeface="+mn-cs"/>
                 </a:defRPr>
@@ -20441,7 +20401,7 @@
                   <a:solidFill>
                     <a:schemeClr val="tx1"/>
                   </a:solidFill>
-                  <a:latin typeface="Times New Roman" pitchFamily="18" charset="0"/>
+                  <a:latin typeface="Times New Roman" panose="02020603050405020304" pitchFamily="18" charset="0"/>
                   <a:ea typeface="+mn-ea"/>
                   <a:cs typeface="+mn-cs"/>
                 </a:defRPr>
@@ -20457,7 +20417,7 @@
                   <a:solidFill>
                     <a:schemeClr val="tx1"/>
                   </a:solidFill>
-                  <a:latin typeface="Times New Roman" pitchFamily="18" charset="0"/>
+                  <a:latin typeface="Times New Roman" panose="02020603050405020304" pitchFamily="18" charset="0"/>
                   <a:ea typeface="+mn-ea"/>
                   <a:cs typeface="+mn-cs"/>
                 </a:defRPr>
@@ -20473,7 +20433,7 @@
                   <a:solidFill>
                     <a:schemeClr val="tx1"/>
                   </a:solidFill>
-                  <a:latin typeface="Times New Roman" pitchFamily="18" charset="0"/>
+                  <a:latin typeface="Times New Roman" panose="02020603050405020304" pitchFamily="18" charset="0"/>
                   <a:ea typeface="+mn-ea"/>
                   <a:cs typeface="+mn-cs"/>
                 </a:defRPr>
@@ -20489,7 +20449,7 @@
                   <a:solidFill>
                     <a:schemeClr val="tx1"/>
                   </a:solidFill>
-                  <a:latin typeface="Times New Roman" pitchFamily="18" charset="0"/>
+                  <a:latin typeface="Times New Roman" panose="02020603050405020304" pitchFamily="18" charset="0"/>
                   <a:ea typeface="+mn-ea"/>
                   <a:cs typeface="+mn-cs"/>
                 </a:defRPr>
@@ -20499,7 +20459,7 @@
                   <a:solidFill>
                     <a:schemeClr val="tx1"/>
                   </a:solidFill>
-                  <a:latin typeface="Times New Roman" pitchFamily="18" charset="0"/>
+                  <a:latin typeface="Times New Roman" panose="02020603050405020304" pitchFamily="18" charset="0"/>
                   <a:ea typeface="+mn-ea"/>
                   <a:cs typeface="+mn-cs"/>
                 </a:defRPr>
@@ -20509,7 +20469,7 @@
                   <a:solidFill>
                     <a:schemeClr val="tx1"/>
                   </a:solidFill>
-                  <a:latin typeface="Times New Roman" pitchFamily="18" charset="0"/>
+                  <a:latin typeface="Times New Roman" panose="02020603050405020304" pitchFamily="18" charset="0"/>
                   <a:ea typeface="+mn-ea"/>
                   <a:cs typeface="+mn-cs"/>
                 </a:defRPr>
@@ -20519,7 +20479,7 @@
                   <a:solidFill>
                     <a:schemeClr val="tx1"/>
                   </a:solidFill>
-                  <a:latin typeface="Times New Roman" pitchFamily="18" charset="0"/>
+                  <a:latin typeface="Times New Roman" panose="02020603050405020304" pitchFamily="18" charset="0"/>
                   <a:ea typeface="+mn-ea"/>
                   <a:cs typeface="+mn-cs"/>
                 </a:defRPr>
@@ -20529,7 +20489,7 @@
                   <a:solidFill>
                     <a:schemeClr val="tx1"/>
                   </a:solidFill>
-                  <a:latin typeface="Times New Roman" pitchFamily="18" charset="0"/>
+                  <a:latin typeface="Times New Roman" panose="02020603050405020304" pitchFamily="18" charset="0"/>
                   <a:ea typeface="+mn-ea"/>
                   <a:cs typeface="+mn-cs"/>
                 </a:defRPr>
@@ -20566,8 +20526,6 @@
                 <a:schemeClr val="tx1"/>
               </a:solidFill>
               <a:miter lim="800000"/>
-              <a:headEnd/>
-              <a:tailEnd/>
             </a:ln>
             <a:effectLst/>
           </p:spPr>
@@ -20588,7 +20546,7 @@
                   <a:solidFill>
                     <a:schemeClr val="tx1"/>
                   </a:solidFill>
-                  <a:latin typeface="Times New Roman" pitchFamily="18" charset="0"/>
+                  <a:latin typeface="Times New Roman" panose="02020603050405020304" pitchFamily="18" charset="0"/>
                   <a:ea typeface="+mn-ea"/>
                   <a:cs typeface="+mn-cs"/>
                 </a:defRPr>
@@ -20604,7 +20562,7 @@
                   <a:solidFill>
                     <a:schemeClr val="tx1"/>
                   </a:solidFill>
-                  <a:latin typeface="Times New Roman" pitchFamily="18" charset="0"/>
+                  <a:latin typeface="Times New Roman" panose="02020603050405020304" pitchFamily="18" charset="0"/>
                   <a:ea typeface="+mn-ea"/>
                   <a:cs typeface="+mn-cs"/>
                 </a:defRPr>
@@ -20620,7 +20578,7 @@
                   <a:solidFill>
                     <a:schemeClr val="tx1"/>
                   </a:solidFill>
-                  <a:latin typeface="Times New Roman" pitchFamily="18" charset="0"/>
+                  <a:latin typeface="Times New Roman" panose="02020603050405020304" pitchFamily="18" charset="0"/>
                   <a:ea typeface="+mn-ea"/>
                   <a:cs typeface="+mn-cs"/>
                 </a:defRPr>
@@ -20636,7 +20594,7 @@
                   <a:solidFill>
                     <a:schemeClr val="tx1"/>
                   </a:solidFill>
-                  <a:latin typeface="Times New Roman" pitchFamily="18" charset="0"/>
+                  <a:latin typeface="Times New Roman" panose="02020603050405020304" pitchFamily="18" charset="0"/>
                   <a:ea typeface="+mn-ea"/>
                   <a:cs typeface="+mn-cs"/>
                 </a:defRPr>
@@ -20652,7 +20610,7 @@
                   <a:solidFill>
                     <a:schemeClr val="tx1"/>
                   </a:solidFill>
-                  <a:latin typeface="Times New Roman" pitchFamily="18" charset="0"/>
+                  <a:latin typeface="Times New Roman" panose="02020603050405020304" pitchFamily="18" charset="0"/>
                   <a:ea typeface="+mn-ea"/>
                   <a:cs typeface="+mn-cs"/>
                 </a:defRPr>
@@ -20662,7 +20620,7 @@
                   <a:solidFill>
                     <a:schemeClr val="tx1"/>
                   </a:solidFill>
-                  <a:latin typeface="Times New Roman" pitchFamily="18" charset="0"/>
+                  <a:latin typeface="Times New Roman" panose="02020603050405020304" pitchFamily="18" charset="0"/>
                   <a:ea typeface="+mn-ea"/>
                   <a:cs typeface="+mn-cs"/>
                 </a:defRPr>
@@ -20672,7 +20630,7 @@
                   <a:solidFill>
                     <a:schemeClr val="tx1"/>
                   </a:solidFill>
-                  <a:latin typeface="Times New Roman" pitchFamily="18" charset="0"/>
+                  <a:latin typeface="Times New Roman" panose="02020603050405020304" pitchFamily="18" charset="0"/>
                   <a:ea typeface="+mn-ea"/>
                   <a:cs typeface="+mn-cs"/>
                 </a:defRPr>
@@ -20682,7 +20640,7 @@
                   <a:solidFill>
                     <a:schemeClr val="tx1"/>
                   </a:solidFill>
-                  <a:latin typeface="Times New Roman" pitchFamily="18" charset="0"/>
+                  <a:latin typeface="Times New Roman" panose="02020603050405020304" pitchFamily="18" charset="0"/>
                   <a:ea typeface="+mn-ea"/>
                   <a:cs typeface="+mn-cs"/>
                 </a:defRPr>
@@ -20692,7 +20650,7 @@
                   <a:solidFill>
                     <a:schemeClr val="tx1"/>
                   </a:solidFill>
-                  <a:latin typeface="Times New Roman" pitchFamily="18" charset="0"/>
+                  <a:latin typeface="Times New Roman" panose="02020603050405020304" pitchFamily="18" charset="0"/>
                   <a:ea typeface="+mn-ea"/>
                   <a:cs typeface="+mn-cs"/>
                 </a:defRPr>
@@ -20707,6 +20665,10 @@
                 </a:rPr>
                 <a:t>SQL Server</a:t>
               </a:r>
+              <a:endParaRPr lang="en-US" altLang="ko-KR">
+                <a:latin typeface="+mn-lt"/>
+                <a:ea typeface="굴림" charset="-127"/>
+              </a:endParaRPr>
             </a:p>
           </p:txBody>
         </p:sp>
@@ -20732,7 +20694,6 @@
                 <a:srgbClr val="FF0000"/>
               </a:solidFill>
               <a:round/>
-              <a:headEnd/>
               <a:tailEnd type="triangle" w="med" len="med"/>
             </a:ln>
             <a:effectLst/>
@@ -20754,7 +20715,7 @@
                   <a:solidFill>
                     <a:schemeClr val="tx1"/>
                   </a:solidFill>
-                  <a:latin typeface="Times New Roman" pitchFamily="18" charset="0"/>
+                  <a:latin typeface="Times New Roman" panose="02020603050405020304" pitchFamily="18" charset="0"/>
                   <a:ea typeface="+mn-ea"/>
                   <a:cs typeface="+mn-cs"/>
                 </a:defRPr>
@@ -20770,7 +20731,7 @@
                   <a:solidFill>
                     <a:schemeClr val="tx1"/>
                   </a:solidFill>
-                  <a:latin typeface="Times New Roman" pitchFamily="18" charset="0"/>
+                  <a:latin typeface="Times New Roman" panose="02020603050405020304" pitchFamily="18" charset="0"/>
                   <a:ea typeface="+mn-ea"/>
                   <a:cs typeface="+mn-cs"/>
                 </a:defRPr>
@@ -20786,7 +20747,7 @@
                   <a:solidFill>
                     <a:schemeClr val="tx1"/>
                   </a:solidFill>
-                  <a:latin typeface="Times New Roman" pitchFamily="18" charset="0"/>
+                  <a:latin typeface="Times New Roman" panose="02020603050405020304" pitchFamily="18" charset="0"/>
                   <a:ea typeface="+mn-ea"/>
                   <a:cs typeface="+mn-cs"/>
                 </a:defRPr>
@@ -20802,7 +20763,7 @@
                   <a:solidFill>
                     <a:schemeClr val="tx1"/>
                   </a:solidFill>
-                  <a:latin typeface="Times New Roman" pitchFamily="18" charset="0"/>
+                  <a:latin typeface="Times New Roman" panose="02020603050405020304" pitchFamily="18" charset="0"/>
                   <a:ea typeface="+mn-ea"/>
                   <a:cs typeface="+mn-cs"/>
                 </a:defRPr>
@@ -20818,7 +20779,7 @@
                   <a:solidFill>
                     <a:schemeClr val="tx1"/>
                   </a:solidFill>
-                  <a:latin typeface="Times New Roman" pitchFamily="18" charset="0"/>
+                  <a:latin typeface="Times New Roman" panose="02020603050405020304" pitchFamily="18" charset="0"/>
                   <a:ea typeface="+mn-ea"/>
                   <a:cs typeface="+mn-cs"/>
                 </a:defRPr>
@@ -20828,7 +20789,7 @@
                   <a:solidFill>
                     <a:schemeClr val="tx1"/>
                   </a:solidFill>
-                  <a:latin typeface="Times New Roman" pitchFamily="18" charset="0"/>
+                  <a:latin typeface="Times New Roman" panose="02020603050405020304" pitchFamily="18" charset="0"/>
                   <a:ea typeface="+mn-ea"/>
                   <a:cs typeface="+mn-cs"/>
                 </a:defRPr>
@@ -20838,7 +20799,7 @@
                   <a:solidFill>
                     <a:schemeClr val="tx1"/>
                   </a:solidFill>
-                  <a:latin typeface="Times New Roman" pitchFamily="18" charset="0"/>
+                  <a:latin typeface="Times New Roman" panose="02020603050405020304" pitchFamily="18" charset="0"/>
                   <a:ea typeface="+mn-ea"/>
                   <a:cs typeface="+mn-cs"/>
                 </a:defRPr>
@@ -20848,7 +20809,7 @@
                   <a:solidFill>
                     <a:schemeClr val="tx1"/>
                   </a:solidFill>
-                  <a:latin typeface="Times New Roman" pitchFamily="18" charset="0"/>
+                  <a:latin typeface="Times New Roman" panose="02020603050405020304" pitchFamily="18" charset="0"/>
                   <a:ea typeface="+mn-ea"/>
                   <a:cs typeface="+mn-cs"/>
                 </a:defRPr>
@@ -20858,7 +20819,7 @@
                   <a:solidFill>
                     <a:schemeClr val="tx1"/>
                   </a:solidFill>
-                  <a:latin typeface="Times New Roman" pitchFamily="18" charset="0"/>
+                  <a:latin typeface="Times New Roman" panose="02020603050405020304" pitchFamily="18" charset="0"/>
                   <a:ea typeface="+mn-ea"/>
                   <a:cs typeface="+mn-cs"/>
                 </a:defRPr>
@@ -20895,8 +20856,6 @@
                 <a:schemeClr val="tx1"/>
               </a:solidFill>
               <a:miter lim="800000"/>
-              <a:headEnd/>
-              <a:tailEnd/>
             </a:ln>
             <a:effectLst/>
           </p:spPr>
@@ -20917,7 +20876,7 @@
                   <a:solidFill>
                     <a:schemeClr val="tx1"/>
                   </a:solidFill>
-                  <a:latin typeface="Times New Roman" pitchFamily="18" charset="0"/>
+                  <a:latin typeface="Times New Roman" panose="02020603050405020304" pitchFamily="18" charset="0"/>
                   <a:ea typeface="+mn-ea"/>
                   <a:cs typeface="+mn-cs"/>
                 </a:defRPr>
@@ -20933,7 +20892,7 @@
                   <a:solidFill>
                     <a:schemeClr val="tx1"/>
                   </a:solidFill>
-                  <a:latin typeface="Times New Roman" pitchFamily="18" charset="0"/>
+                  <a:latin typeface="Times New Roman" panose="02020603050405020304" pitchFamily="18" charset="0"/>
                   <a:ea typeface="+mn-ea"/>
                   <a:cs typeface="+mn-cs"/>
                 </a:defRPr>
@@ -20949,7 +20908,7 @@
                   <a:solidFill>
                     <a:schemeClr val="tx1"/>
                   </a:solidFill>
-                  <a:latin typeface="Times New Roman" pitchFamily="18" charset="0"/>
+                  <a:latin typeface="Times New Roman" panose="02020603050405020304" pitchFamily="18" charset="0"/>
                   <a:ea typeface="+mn-ea"/>
                   <a:cs typeface="+mn-cs"/>
                 </a:defRPr>
@@ -20965,7 +20924,7 @@
                   <a:solidFill>
                     <a:schemeClr val="tx1"/>
                   </a:solidFill>
-                  <a:latin typeface="Times New Roman" pitchFamily="18" charset="0"/>
+                  <a:latin typeface="Times New Roman" panose="02020603050405020304" pitchFamily="18" charset="0"/>
                   <a:ea typeface="+mn-ea"/>
                   <a:cs typeface="+mn-cs"/>
                 </a:defRPr>
@@ -20981,7 +20940,7 @@
                   <a:solidFill>
                     <a:schemeClr val="tx1"/>
                   </a:solidFill>
-                  <a:latin typeface="Times New Roman" pitchFamily="18" charset="0"/>
+                  <a:latin typeface="Times New Roman" panose="02020603050405020304" pitchFamily="18" charset="0"/>
                   <a:ea typeface="+mn-ea"/>
                   <a:cs typeface="+mn-cs"/>
                 </a:defRPr>
@@ -20991,7 +20950,7 @@
                   <a:solidFill>
                     <a:schemeClr val="tx1"/>
                   </a:solidFill>
-                  <a:latin typeface="Times New Roman" pitchFamily="18" charset="0"/>
+                  <a:latin typeface="Times New Roman" panose="02020603050405020304" pitchFamily="18" charset="0"/>
                   <a:ea typeface="+mn-ea"/>
                   <a:cs typeface="+mn-cs"/>
                 </a:defRPr>
@@ -21001,7 +20960,7 @@
                   <a:solidFill>
                     <a:schemeClr val="tx1"/>
                   </a:solidFill>
-                  <a:latin typeface="Times New Roman" pitchFamily="18" charset="0"/>
+                  <a:latin typeface="Times New Roman" panose="02020603050405020304" pitchFamily="18" charset="0"/>
                   <a:ea typeface="+mn-ea"/>
                   <a:cs typeface="+mn-cs"/>
                 </a:defRPr>
@@ -21011,7 +20970,7 @@
                   <a:solidFill>
                     <a:schemeClr val="tx1"/>
                   </a:solidFill>
-                  <a:latin typeface="Times New Roman" pitchFamily="18" charset="0"/>
+                  <a:latin typeface="Times New Roman" panose="02020603050405020304" pitchFamily="18" charset="0"/>
                   <a:ea typeface="+mn-ea"/>
                   <a:cs typeface="+mn-cs"/>
                 </a:defRPr>
@@ -21021,7 +20980,7 @@
                   <a:solidFill>
                     <a:schemeClr val="tx1"/>
                   </a:solidFill>
-                  <a:latin typeface="Times New Roman" pitchFamily="18" charset="0"/>
+                  <a:latin typeface="Times New Roman" panose="02020603050405020304" pitchFamily="18" charset="0"/>
                   <a:ea typeface="+mn-ea"/>
                   <a:cs typeface="+mn-cs"/>
                 </a:defRPr>
@@ -21086,6 +21045,11 @@
                 </a:rPr>
                 <a:t>OS</a:t>
               </a:r>
+              <a:endParaRPr lang="en-US" altLang="ko-KR" sz="2400" b="1" dirty="0" smtClean="0">
+                <a:solidFill>
+                  <a:srgbClr val="FF0000"/>
+                </a:solidFill>
+              </a:endParaRPr>
             </a:p>
             <a:p>
               <a:pPr algn="ctr">
@@ -21131,8 +21095,6 @@
                 <a:srgbClr val="0070C0"/>
               </a:solidFill>
               <a:miter lim="800000"/>
-              <a:headEnd/>
-              <a:tailEnd/>
             </a:ln>
             <a:effectLst/>
           </p:spPr>
@@ -21153,7 +21115,7 @@
                   <a:solidFill>
                     <a:schemeClr val="tx1"/>
                   </a:solidFill>
-                  <a:latin typeface="Times New Roman" pitchFamily="18" charset="0"/>
+                  <a:latin typeface="Times New Roman" panose="02020603050405020304" pitchFamily="18" charset="0"/>
                   <a:ea typeface="+mn-ea"/>
                   <a:cs typeface="+mn-cs"/>
                 </a:defRPr>
@@ -21169,7 +21131,7 @@
                   <a:solidFill>
                     <a:schemeClr val="tx1"/>
                   </a:solidFill>
-                  <a:latin typeface="Times New Roman" pitchFamily="18" charset="0"/>
+                  <a:latin typeface="Times New Roman" panose="02020603050405020304" pitchFamily="18" charset="0"/>
                   <a:ea typeface="+mn-ea"/>
                   <a:cs typeface="+mn-cs"/>
                 </a:defRPr>
@@ -21185,7 +21147,7 @@
                   <a:solidFill>
                     <a:schemeClr val="tx1"/>
                   </a:solidFill>
-                  <a:latin typeface="Times New Roman" pitchFamily="18" charset="0"/>
+                  <a:latin typeface="Times New Roman" panose="02020603050405020304" pitchFamily="18" charset="0"/>
                   <a:ea typeface="+mn-ea"/>
                   <a:cs typeface="+mn-cs"/>
                 </a:defRPr>
@@ -21201,7 +21163,7 @@
                   <a:solidFill>
                     <a:schemeClr val="tx1"/>
                   </a:solidFill>
-                  <a:latin typeface="Times New Roman" pitchFamily="18" charset="0"/>
+                  <a:latin typeface="Times New Roman" panose="02020603050405020304" pitchFamily="18" charset="0"/>
                   <a:ea typeface="+mn-ea"/>
                   <a:cs typeface="+mn-cs"/>
                 </a:defRPr>
@@ -21217,7 +21179,7 @@
                   <a:solidFill>
                     <a:schemeClr val="tx1"/>
                   </a:solidFill>
-                  <a:latin typeface="Times New Roman" pitchFamily="18" charset="0"/>
+                  <a:latin typeface="Times New Roman" panose="02020603050405020304" pitchFamily="18" charset="0"/>
                   <a:ea typeface="+mn-ea"/>
                   <a:cs typeface="+mn-cs"/>
                 </a:defRPr>
@@ -21227,7 +21189,7 @@
                   <a:solidFill>
                     <a:schemeClr val="tx1"/>
                   </a:solidFill>
-                  <a:latin typeface="Times New Roman" pitchFamily="18" charset="0"/>
+                  <a:latin typeface="Times New Roman" panose="02020603050405020304" pitchFamily="18" charset="0"/>
                   <a:ea typeface="+mn-ea"/>
                   <a:cs typeface="+mn-cs"/>
                 </a:defRPr>
@@ -21237,7 +21199,7 @@
                   <a:solidFill>
                     <a:schemeClr val="tx1"/>
                   </a:solidFill>
-                  <a:latin typeface="Times New Roman" pitchFamily="18" charset="0"/>
+                  <a:latin typeface="Times New Roman" panose="02020603050405020304" pitchFamily="18" charset="0"/>
                   <a:ea typeface="+mn-ea"/>
                   <a:cs typeface="+mn-cs"/>
                 </a:defRPr>
@@ -21247,7 +21209,7 @@
                   <a:solidFill>
                     <a:schemeClr val="tx1"/>
                   </a:solidFill>
-                  <a:latin typeface="Times New Roman" pitchFamily="18" charset="0"/>
+                  <a:latin typeface="Times New Roman" panose="02020603050405020304" pitchFamily="18" charset="0"/>
                   <a:ea typeface="+mn-ea"/>
                   <a:cs typeface="+mn-cs"/>
                 </a:defRPr>
@@ -21257,7 +21219,7 @@
                   <a:solidFill>
                     <a:schemeClr val="tx1"/>
                   </a:solidFill>
-                  <a:latin typeface="Times New Roman" pitchFamily="18" charset="0"/>
+                  <a:latin typeface="Times New Roman" panose="02020603050405020304" pitchFamily="18" charset="0"/>
                   <a:ea typeface="+mn-ea"/>
                   <a:cs typeface="+mn-cs"/>
                 </a:defRPr>
@@ -21292,7 +21254,6 @@
                 <a:srgbClr val="0070C0"/>
               </a:solidFill>
               <a:round/>
-              <a:headEnd/>
               <a:tailEnd type="triangle" w="med" len="med"/>
             </a:ln>
             <a:effectLst/>
@@ -21314,7 +21275,7 @@
                   <a:solidFill>
                     <a:schemeClr val="tx1"/>
                   </a:solidFill>
-                  <a:latin typeface="Times New Roman" pitchFamily="18" charset="0"/>
+                  <a:latin typeface="Times New Roman" panose="02020603050405020304" pitchFamily="18" charset="0"/>
                   <a:ea typeface="+mn-ea"/>
                   <a:cs typeface="+mn-cs"/>
                 </a:defRPr>
@@ -21330,7 +21291,7 @@
                   <a:solidFill>
                     <a:schemeClr val="tx1"/>
                   </a:solidFill>
-                  <a:latin typeface="Times New Roman" pitchFamily="18" charset="0"/>
+                  <a:latin typeface="Times New Roman" panose="02020603050405020304" pitchFamily="18" charset="0"/>
                   <a:ea typeface="+mn-ea"/>
                   <a:cs typeface="+mn-cs"/>
                 </a:defRPr>
@@ -21346,7 +21307,7 @@
                   <a:solidFill>
                     <a:schemeClr val="tx1"/>
                   </a:solidFill>
-                  <a:latin typeface="Times New Roman" pitchFamily="18" charset="0"/>
+                  <a:latin typeface="Times New Roman" panose="02020603050405020304" pitchFamily="18" charset="0"/>
                   <a:ea typeface="+mn-ea"/>
                   <a:cs typeface="+mn-cs"/>
                 </a:defRPr>
@@ -21362,7 +21323,7 @@
                   <a:solidFill>
                     <a:schemeClr val="tx1"/>
                   </a:solidFill>
-                  <a:latin typeface="Times New Roman" pitchFamily="18" charset="0"/>
+                  <a:latin typeface="Times New Roman" panose="02020603050405020304" pitchFamily="18" charset="0"/>
                   <a:ea typeface="+mn-ea"/>
                   <a:cs typeface="+mn-cs"/>
                 </a:defRPr>
@@ -21378,7 +21339,7 @@
                   <a:solidFill>
                     <a:schemeClr val="tx1"/>
                   </a:solidFill>
-                  <a:latin typeface="Times New Roman" pitchFamily="18" charset="0"/>
+                  <a:latin typeface="Times New Roman" panose="02020603050405020304" pitchFamily="18" charset="0"/>
                   <a:ea typeface="+mn-ea"/>
                   <a:cs typeface="+mn-cs"/>
                 </a:defRPr>
@@ -21388,7 +21349,7 @@
                   <a:solidFill>
                     <a:schemeClr val="tx1"/>
                   </a:solidFill>
-                  <a:latin typeface="Times New Roman" pitchFamily="18" charset="0"/>
+                  <a:latin typeface="Times New Roman" panose="02020603050405020304" pitchFamily="18" charset="0"/>
                   <a:ea typeface="+mn-ea"/>
                   <a:cs typeface="+mn-cs"/>
                 </a:defRPr>
@@ -21398,7 +21359,7 @@
                   <a:solidFill>
                     <a:schemeClr val="tx1"/>
                   </a:solidFill>
-                  <a:latin typeface="Times New Roman" pitchFamily="18" charset="0"/>
+                  <a:latin typeface="Times New Roman" panose="02020603050405020304" pitchFamily="18" charset="0"/>
                   <a:ea typeface="+mn-ea"/>
                   <a:cs typeface="+mn-cs"/>
                 </a:defRPr>
@@ -21408,7 +21369,7 @@
                   <a:solidFill>
                     <a:schemeClr val="tx1"/>
                   </a:solidFill>
-                  <a:latin typeface="Times New Roman" pitchFamily="18" charset="0"/>
+                  <a:latin typeface="Times New Roman" panose="02020603050405020304" pitchFamily="18" charset="0"/>
                   <a:ea typeface="+mn-ea"/>
                   <a:cs typeface="+mn-cs"/>
                 </a:defRPr>
@@ -21418,7 +21379,7 @@
                   <a:solidFill>
                     <a:schemeClr val="tx1"/>
                   </a:solidFill>
-                  <a:latin typeface="Times New Roman" pitchFamily="18" charset="0"/>
+                  <a:latin typeface="Times New Roman" panose="02020603050405020304" pitchFamily="18" charset="0"/>
                   <a:ea typeface="+mn-ea"/>
                   <a:cs typeface="+mn-cs"/>
                 </a:defRPr>
@@ -21458,8 +21419,6 @@
                 <a:schemeClr val="tx1"/>
               </a:solidFill>
               <a:miter lim="800000"/>
-              <a:headEnd/>
-              <a:tailEnd/>
             </a:ln>
             <a:effectLst/>
           </p:spPr>
@@ -21480,7 +21439,7 @@
                   <a:solidFill>
                     <a:schemeClr val="tx1"/>
                   </a:solidFill>
-                  <a:latin typeface="Times New Roman" pitchFamily="18" charset="0"/>
+                  <a:latin typeface="Times New Roman" panose="02020603050405020304" pitchFamily="18" charset="0"/>
                   <a:ea typeface="+mn-ea"/>
                   <a:cs typeface="+mn-cs"/>
                 </a:defRPr>
@@ -21496,7 +21455,7 @@
                   <a:solidFill>
                     <a:schemeClr val="tx1"/>
                   </a:solidFill>
-                  <a:latin typeface="Times New Roman" pitchFamily="18" charset="0"/>
+                  <a:latin typeface="Times New Roman" panose="02020603050405020304" pitchFamily="18" charset="0"/>
                   <a:ea typeface="+mn-ea"/>
                   <a:cs typeface="+mn-cs"/>
                 </a:defRPr>
@@ -21512,7 +21471,7 @@
                   <a:solidFill>
                     <a:schemeClr val="tx1"/>
                   </a:solidFill>
-                  <a:latin typeface="Times New Roman" pitchFamily="18" charset="0"/>
+                  <a:latin typeface="Times New Roman" panose="02020603050405020304" pitchFamily="18" charset="0"/>
                   <a:ea typeface="+mn-ea"/>
                   <a:cs typeface="+mn-cs"/>
                 </a:defRPr>
@@ -21528,7 +21487,7 @@
                   <a:solidFill>
                     <a:schemeClr val="tx1"/>
                   </a:solidFill>
-                  <a:latin typeface="Times New Roman" pitchFamily="18" charset="0"/>
+                  <a:latin typeface="Times New Roman" panose="02020603050405020304" pitchFamily="18" charset="0"/>
                   <a:ea typeface="+mn-ea"/>
                   <a:cs typeface="+mn-cs"/>
                 </a:defRPr>
@@ -21544,7 +21503,7 @@
                   <a:solidFill>
                     <a:schemeClr val="tx1"/>
                   </a:solidFill>
-                  <a:latin typeface="Times New Roman" pitchFamily="18" charset="0"/>
+                  <a:latin typeface="Times New Roman" panose="02020603050405020304" pitchFamily="18" charset="0"/>
                   <a:ea typeface="+mn-ea"/>
                   <a:cs typeface="+mn-cs"/>
                 </a:defRPr>
@@ -21554,7 +21513,7 @@
                   <a:solidFill>
                     <a:schemeClr val="tx1"/>
                   </a:solidFill>
-                  <a:latin typeface="Times New Roman" pitchFamily="18" charset="0"/>
+                  <a:latin typeface="Times New Roman" panose="02020603050405020304" pitchFamily="18" charset="0"/>
                   <a:ea typeface="+mn-ea"/>
                   <a:cs typeface="+mn-cs"/>
                 </a:defRPr>
@@ -21564,7 +21523,7 @@
                   <a:solidFill>
                     <a:schemeClr val="tx1"/>
                   </a:solidFill>
-                  <a:latin typeface="Times New Roman" pitchFamily="18" charset="0"/>
+                  <a:latin typeface="Times New Roman" panose="02020603050405020304" pitchFamily="18" charset="0"/>
                   <a:ea typeface="+mn-ea"/>
                   <a:cs typeface="+mn-cs"/>
                 </a:defRPr>
@@ -21574,7 +21533,7 @@
                   <a:solidFill>
                     <a:schemeClr val="tx1"/>
                   </a:solidFill>
-                  <a:latin typeface="Times New Roman" pitchFamily="18" charset="0"/>
+                  <a:latin typeface="Times New Roman" panose="02020603050405020304" pitchFamily="18" charset="0"/>
                   <a:ea typeface="+mn-ea"/>
                   <a:cs typeface="+mn-cs"/>
                 </a:defRPr>
@@ -21584,7 +21543,7 @@
                   <a:solidFill>
                     <a:schemeClr val="tx1"/>
                   </a:solidFill>
-                  <a:latin typeface="Times New Roman" pitchFamily="18" charset="0"/>
+                  <a:latin typeface="Times New Roman" panose="02020603050405020304" pitchFamily="18" charset="0"/>
                   <a:ea typeface="+mn-ea"/>
                   <a:cs typeface="+mn-cs"/>
                 </a:defRPr>
@@ -21602,6 +21561,13 @@
                 </a:rPr>
                 <a:t>Interface</a:t>
               </a:r>
+              <a:endParaRPr lang="en-US" altLang="ko-KR" dirty="0">
+                <a:solidFill>
+                  <a:srgbClr val="0070C0"/>
+                </a:solidFill>
+                <a:latin typeface="+mn-lt"/>
+                <a:ea typeface="굴림" charset="-127"/>
+              </a:endParaRPr>
             </a:p>
           </p:txBody>
         </p:sp>
@@ -21629,8 +21595,6 @@
                 <a:schemeClr val="tx1"/>
               </a:solidFill>
               <a:miter lim="800000"/>
-              <a:headEnd/>
-              <a:tailEnd/>
             </a:ln>
             <a:effectLst/>
           </p:spPr>
@@ -21651,7 +21615,7 @@
                   <a:solidFill>
                     <a:schemeClr val="tx1"/>
                   </a:solidFill>
-                  <a:latin typeface="Times New Roman" pitchFamily="18" charset="0"/>
+                  <a:latin typeface="Times New Roman" panose="02020603050405020304" pitchFamily="18" charset="0"/>
                   <a:ea typeface="+mn-ea"/>
                   <a:cs typeface="+mn-cs"/>
                 </a:defRPr>
@@ -21667,7 +21631,7 @@
                   <a:solidFill>
                     <a:schemeClr val="tx1"/>
                   </a:solidFill>
-                  <a:latin typeface="Times New Roman" pitchFamily="18" charset="0"/>
+                  <a:latin typeface="Times New Roman" panose="02020603050405020304" pitchFamily="18" charset="0"/>
                   <a:ea typeface="+mn-ea"/>
                   <a:cs typeface="+mn-cs"/>
                 </a:defRPr>
@@ -21683,7 +21647,7 @@
                   <a:solidFill>
                     <a:schemeClr val="tx1"/>
                   </a:solidFill>
-                  <a:latin typeface="Times New Roman" pitchFamily="18" charset="0"/>
+                  <a:latin typeface="Times New Roman" panose="02020603050405020304" pitchFamily="18" charset="0"/>
                   <a:ea typeface="+mn-ea"/>
                   <a:cs typeface="+mn-cs"/>
                 </a:defRPr>
@@ -21699,7 +21663,7 @@
                   <a:solidFill>
                     <a:schemeClr val="tx1"/>
                   </a:solidFill>
-                  <a:latin typeface="Times New Roman" pitchFamily="18" charset="0"/>
+                  <a:latin typeface="Times New Roman" panose="02020603050405020304" pitchFamily="18" charset="0"/>
                   <a:ea typeface="+mn-ea"/>
                   <a:cs typeface="+mn-cs"/>
                 </a:defRPr>
@@ -21715,7 +21679,7 @@
                   <a:solidFill>
                     <a:schemeClr val="tx1"/>
                   </a:solidFill>
-                  <a:latin typeface="Times New Roman" pitchFamily="18" charset="0"/>
+                  <a:latin typeface="Times New Roman" panose="02020603050405020304" pitchFamily="18" charset="0"/>
                   <a:ea typeface="+mn-ea"/>
                   <a:cs typeface="+mn-cs"/>
                 </a:defRPr>
@@ -21725,7 +21689,7 @@
                   <a:solidFill>
                     <a:schemeClr val="tx1"/>
                   </a:solidFill>
-                  <a:latin typeface="Times New Roman" pitchFamily="18" charset="0"/>
+                  <a:latin typeface="Times New Roman" panose="02020603050405020304" pitchFamily="18" charset="0"/>
                   <a:ea typeface="+mn-ea"/>
                   <a:cs typeface="+mn-cs"/>
                 </a:defRPr>
@@ -21735,7 +21699,7 @@
                   <a:solidFill>
                     <a:schemeClr val="tx1"/>
                   </a:solidFill>
-                  <a:latin typeface="Times New Roman" pitchFamily="18" charset="0"/>
+                  <a:latin typeface="Times New Roman" panose="02020603050405020304" pitchFamily="18" charset="0"/>
                   <a:ea typeface="+mn-ea"/>
                   <a:cs typeface="+mn-cs"/>
                 </a:defRPr>
@@ -21745,7 +21709,7 @@
                   <a:solidFill>
                     <a:schemeClr val="tx1"/>
                   </a:solidFill>
-                  <a:latin typeface="Times New Roman" pitchFamily="18" charset="0"/>
+                  <a:latin typeface="Times New Roman" panose="02020603050405020304" pitchFamily="18" charset="0"/>
                   <a:ea typeface="+mn-ea"/>
                   <a:cs typeface="+mn-cs"/>
                 </a:defRPr>
@@ -21755,7 +21719,7 @@
                   <a:solidFill>
                     <a:schemeClr val="tx1"/>
                   </a:solidFill>
-                  <a:latin typeface="Times New Roman" pitchFamily="18" charset="0"/>
+                  <a:latin typeface="Times New Roman" panose="02020603050405020304" pitchFamily="18" charset="0"/>
                   <a:ea typeface="+mn-ea"/>
                   <a:cs typeface="+mn-cs"/>
                 </a:defRPr>
@@ -21773,6 +21737,13 @@
                 </a:rPr>
                 <a:t>Abstractions</a:t>
               </a:r>
+              <a:endParaRPr lang="en-US" altLang="ko-KR" dirty="0">
+                <a:solidFill>
+                  <a:srgbClr val="0070C0"/>
+                </a:solidFill>
+                <a:latin typeface="+mn-lt"/>
+                <a:ea typeface="굴림" charset="-127"/>
+              </a:endParaRPr>
             </a:p>
           </p:txBody>
         </p:sp>
@@ -21819,6 +21790,11 @@
                 </a:rPr>
                 <a:t>OS</a:t>
               </a:r>
+              <a:endParaRPr lang="en-US" altLang="ko-KR" sz="2400" b="1" dirty="0" smtClean="0">
+                <a:solidFill>
+                  <a:srgbClr val="0070C0"/>
+                </a:solidFill>
+              </a:endParaRPr>
             </a:p>
             <a:p>
               <a:pPr algn="ctr">
@@ -21864,7 +21840,6 @@
                 <a:schemeClr val="tx1"/>
               </a:solidFill>
               <a:round/>
-              <a:headEnd/>
               <a:tailEnd type="triangle" w="med" len="med"/>
             </a:ln>
             <a:effectLst/>
@@ -21886,7 +21861,7 @@
                   <a:solidFill>
                     <a:schemeClr val="tx1"/>
                   </a:solidFill>
-                  <a:latin typeface="Times New Roman" pitchFamily="18" charset="0"/>
+                  <a:latin typeface="Times New Roman" panose="02020603050405020304" pitchFamily="18" charset="0"/>
                   <a:ea typeface="+mn-ea"/>
                   <a:cs typeface="+mn-cs"/>
                 </a:defRPr>
@@ -21902,7 +21877,7 @@
                   <a:solidFill>
                     <a:schemeClr val="tx1"/>
                   </a:solidFill>
-                  <a:latin typeface="Times New Roman" pitchFamily="18" charset="0"/>
+                  <a:latin typeface="Times New Roman" panose="02020603050405020304" pitchFamily="18" charset="0"/>
                   <a:ea typeface="+mn-ea"/>
                   <a:cs typeface="+mn-cs"/>
                 </a:defRPr>
@@ -21918,7 +21893,7 @@
                   <a:solidFill>
                     <a:schemeClr val="tx1"/>
                   </a:solidFill>
-                  <a:latin typeface="Times New Roman" pitchFamily="18" charset="0"/>
+                  <a:latin typeface="Times New Roman" panose="02020603050405020304" pitchFamily="18" charset="0"/>
                   <a:ea typeface="+mn-ea"/>
                   <a:cs typeface="+mn-cs"/>
                 </a:defRPr>
@@ -21934,7 +21909,7 @@
                   <a:solidFill>
                     <a:schemeClr val="tx1"/>
                   </a:solidFill>
-                  <a:latin typeface="Times New Roman" pitchFamily="18" charset="0"/>
+                  <a:latin typeface="Times New Roman" panose="02020603050405020304" pitchFamily="18" charset="0"/>
                   <a:ea typeface="+mn-ea"/>
                   <a:cs typeface="+mn-cs"/>
                 </a:defRPr>
@@ -21950,7 +21925,7 @@
                   <a:solidFill>
                     <a:schemeClr val="tx1"/>
                   </a:solidFill>
-                  <a:latin typeface="Times New Roman" pitchFamily="18" charset="0"/>
+                  <a:latin typeface="Times New Roman" panose="02020603050405020304" pitchFamily="18" charset="0"/>
                   <a:ea typeface="+mn-ea"/>
                   <a:cs typeface="+mn-cs"/>
                 </a:defRPr>
@@ -21960,7 +21935,7 @@
                   <a:solidFill>
                     <a:schemeClr val="tx1"/>
                   </a:solidFill>
-                  <a:latin typeface="Times New Roman" pitchFamily="18" charset="0"/>
+                  <a:latin typeface="Times New Roman" panose="02020603050405020304" pitchFamily="18" charset="0"/>
                   <a:ea typeface="+mn-ea"/>
                   <a:cs typeface="+mn-cs"/>
                 </a:defRPr>
@@ -21970,7 +21945,7 @@
                   <a:solidFill>
                     <a:schemeClr val="tx1"/>
                   </a:solidFill>
-                  <a:latin typeface="Times New Roman" pitchFamily="18" charset="0"/>
+                  <a:latin typeface="Times New Roman" panose="02020603050405020304" pitchFamily="18" charset="0"/>
                   <a:ea typeface="+mn-ea"/>
                   <a:cs typeface="+mn-cs"/>
                 </a:defRPr>
@@ -21980,7 +21955,7 @@
                   <a:solidFill>
                     <a:schemeClr val="tx1"/>
                   </a:solidFill>
-                  <a:latin typeface="Times New Roman" pitchFamily="18" charset="0"/>
+                  <a:latin typeface="Times New Roman" panose="02020603050405020304" pitchFamily="18" charset="0"/>
                   <a:ea typeface="+mn-ea"/>
                   <a:cs typeface="+mn-cs"/>
                 </a:defRPr>
@@ -21990,7 +21965,7 @@
                   <a:solidFill>
                     <a:schemeClr val="tx1"/>
                   </a:solidFill>
-                  <a:latin typeface="Times New Roman" pitchFamily="18" charset="0"/>
+                  <a:latin typeface="Times New Roman" panose="02020603050405020304" pitchFamily="18" charset="0"/>
                   <a:ea typeface="+mn-ea"/>
                   <a:cs typeface="+mn-cs"/>
                 </a:defRPr>
@@ -22023,7 +21998,6 @@
                 <a:schemeClr val="tx1"/>
               </a:solidFill>
               <a:round/>
-              <a:headEnd/>
               <a:tailEnd type="triangle" w="med" len="med"/>
             </a:ln>
             <a:effectLst/>
@@ -22045,7 +22019,7 @@
                   <a:solidFill>
                     <a:schemeClr val="tx1"/>
                   </a:solidFill>
-                  <a:latin typeface="Times New Roman" pitchFamily="18" charset="0"/>
+                  <a:latin typeface="Times New Roman" panose="02020603050405020304" pitchFamily="18" charset="0"/>
                   <a:ea typeface="+mn-ea"/>
                   <a:cs typeface="+mn-cs"/>
                 </a:defRPr>
@@ -22061,7 +22035,7 @@
                   <a:solidFill>
                     <a:schemeClr val="tx1"/>
                   </a:solidFill>
-                  <a:latin typeface="Times New Roman" pitchFamily="18" charset="0"/>
+                  <a:latin typeface="Times New Roman" panose="02020603050405020304" pitchFamily="18" charset="0"/>
                   <a:ea typeface="+mn-ea"/>
                   <a:cs typeface="+mn-cs"/>
                 </a:defRPr>
@@ -22077,7 +22051,7 @@
                   <a:solidFill>
                     <a:schemeClr val="tx1"/>
                   </a:solidFill>
-                  <a:latin typeface="Times New Roman" pitchFamily="18" charset="0"/>
+                  <a:latin typeface="Times New Roman" panose="02020603050405020304" pitchFamily="18" charset="0"/>
                   <a:ea typeface="+mn-ea"/>
                   <a:cs typeface="+mn-cs"/>
                 </a:defRPr>
@@ -22093,7 +22067,7 @@
                   <a:solidFill>
                     <a:schemeClr val="tx1"/>
                   </a:solidFill>
-                  <a:latin typeface="Times New Roman" pitchFamily="18" charset="0"/>
+                  <a:latin typeface="Times New Roman" panose="02020603050405020304" pitchFamily="18" charset="0"/>
                   <a:ea typeface="+mn-ea"/>
                   <a:cs typeface="+mn-cs"/>
                 </a:defRPr>
@@ -22109,7 +22083,7 @@
                   <a:solidFill>
                     <a:schemeClr val="tx1"/>
                   </a:solidFill>
-                  <a:latin typeface="Times New Roman" pitchFamily="18" charset="0"/>
+                  <a:latin typeface="Times New Roman" panose="02020603050405020304" pitchFamily="18" charset="0"/>
                   <a:ea typeface="+mn-ea"/>
                   <a:cs typeface="+mn-cs"/>
                 </a:defRPr>
@@ -22119,7 +22093,7 @@
                   <a:solidFill>
                     <a:schemeClr val="tx1"/>
                   </a:solidFill>
-                  <a:latin typeface="Times New Roman" pitchFamily="18" charset="0"/>
+                  <a:latin typeface="Times New Roman" panose="02020603050405020304" pitchFamily="18" charset="0"/>
                   <a:ea typeface="+mn-ea"/>
                   <a:cs typeface="+mn-cs"/>
                 </a:defRPr>
@@ -22129,7 +22103,7 @@
                   <a:solidFill>
                     <a:schemeClr val="tx1"/>
                   </a:solidFill>
-                  <a:latin typeface="Times New Roman" pitchFamily="18" charset="0"/>
+                  <a:latin typeface="Times New Roman" panose="02020603050405020304" pitchFamily="18" charset="0"/>
                   <a:ea typeface="+mn-ea"/>
                   <a:cs typeface="+mn-cs"/>
                 </a:defRPr>
@@ -22139,7 +22113,7 @@
                   <a:solidFill>
                     <a:schemeClr val="tx1"/>
                   </a:solidFill>
-                  <a:latin typeface="Times New Roman" pitchFamily="18" charset="0"/>
+                  <a:latin typeface="Times New Roman" panose="02020603050405020304" pitchFamily="18" charset="0"/>
                   <a:ea typeface="+mn-ea"/>
                   <a:cs typeface="+mn-cs"/>
                 </a:defRPr>
@@ -22149,7 +22123,7 @@
                   <a:solidFill>
                     <a:schemeClr val="tx1"/>
                   </a:solidFill>
-                  <a:latin typeface="Times New Roman" pitchFamily="18" charset="0"/>
+                  <a:latin typeface="Times New Roman" panose="02020603050405020304" pitchFamily="18" charset="0"/>
                   <a:ea typeface="+mn-ea"/>
                   <a:cs typeface="+mn-cs"/>
                 </a:defRPr>
@@ -22162,11 +22136,6 @@
         </p:sp>
       </p:grpSp>
     </p:spTree>
-    <p:extLst>
-      <p:ext uri="{BB962C8B-B14F-4D97-AF65-F5344CB8AC3E}">
-        <p14:creationId xmlns:p14="http://schemas.microsoft.com/office/powerpoint/2010/main" val="3983393841"/>
-      </p:ext>
-    </p:extLst>
   </p:cSld>
   <p:clrMapOvr>
     <a:masterClrMapping/>
@@ -22243,6 +22212,7 @@
               <a:rPr lang="en-US" altLang="ko-KR" dirty="0" smtClean="0"/>
               <a:t>Kernel’s new role</a:t>
             </a:r>
+            <a:endParaRPr lang="en-US" altLang="ko-KR" dirty="0" smtClean="0"/>
           </a:p>
           <a:p>
             <a:pPr marL="457200" lvl="1" indent="0">
@@ -22252,6 +22222,7 @@
               <a:rPr lang="en-US" altLang="ko-KR" dirty="0" smtClean="0"/>
               <a:t>Tracking ownership of resources</a:t>
             </a:r>
+            <a:endParaRPr lang="en-US" altLang="ko-KR" dirty="0" smtClean="0"/>
           </a:p>
           <a:p>
             <a:pPr marL="457200" lvl="1" indent="0">
@@ -22261,6 +22232,7 @@
               <a:rPr lang="en-US" altLang="ko-KR" dirty="0" smtClean="0"/>
               <a:t>Ensuring resource protection</a:t>
             </a:r>
+            <a:endParaRPr lang="en-US" altLang="ko-KR" dirty="0" smtClean="0"/>
           </a:p>
           <a:p>
             <a:pPr marL="457200" lvl="1" indent="0">
@@ -22270,6 +22242,7 @@
               <a:rPr lang="en-US" altLang="ko-KR" dirty="0" smtClean="0"/>
               <a:t>Revoking resource access</a:t>
             </a:r>
+            <a:endParaRPr lang="en-US" altLang="ko-KR" dirty="0" smtClean="0"/>
           </a:p>
           <a:p>
             <a:pPr marL="457200" lvl="1" indent="0">
@@ -22285,6 +22258,7 @@
               <a:rPr lang="en-US" altLang="ko-KR" dirty="0" smtClean="0"/>
               <a:t>Three techniques</a:t>
             </a:r>
+            <a:endParaRPr lang="en-US" altLang="ko-KR" dirty="0" smtClean="0"/>
           </a:p>
           <a:p>
             <a:pPr marL="868680" lvl="2" indent="0">
@@ -22294,6 +22268,7 @@
               <a:rPr lang="en-US" altLang="ko-KR" sz="2400" b="1" dirty="0" smtClean="0"/>
               <a:t>Secure binding</a:t>
             </a:r>
+            <a:endParaRPr lang="en-US" altLang="ko-KR" sz="2400" b="1" dirty="0" smtClean="0"/>
           </a:p>
           <a:p>
             <a:pPr marL="868680" lvl="2" indent="0">
@@ -22303,6 +22278,7 @@
               <a:rPr lang="en-US" altLang="ko-KR" sz="2400" b="1" dirty="0" smtClean="0"/>
               <a:t>Visible revocation</a:t>
             </a:r>
+            <a:endParaRPr lang="en-US" altLang="ko-KR" sz="2400" b="1" dirty="0" smtClean="0"/>
           </a:p>
           <a:p>
             <a:pPr marL="868680" lvl="2" indent="0">
@@ -22333,19 +22309,12 @@
           <a:p>
             <a:fld id="{1D72EBF8-7CF5-44B7-B2BF-E22DE4D0703D}" type="slidenum">
               <a:rPr lang="en-US" smtClean="0"/>
-              <a:pPr/>
-              <a:t>47</a:t>
             </a:fld>
             <a:endParaRPr lang="en-US"/>
           </a:p>
         </p:txBody>
       </p:sp>
     </p:spTree>
-    <p:extLst>
-      <p:ext uri="{BB962C8B-B14F-4D97-AF65-F5344CB8AC3E}">
-        <p14:creationId xmlns:p14="http://schemas.microsoft.com/office/powerpoint/2010/main" val="2967387241"/>
-      </p:ext>
-    </p:extLst>
   </p:cSld>
   <p:clrMapOvr>
     <a:masterClrMapping/>
@@ -22436,6 +22405,7 @@
               <a:rPr lang="en-US" altLang="ko-KR" dirty="0" smtClean="0"/>
               <a:t>It is a protection mechanism that decouples authorization from actual use of a resource</a:t>
             </a:r>
+            <a:endParaRPr lang="en-US" altLang="ko-KR" dirty="0" smtClean="0"/>
           </a:p>
           <a:p>
             <a:pPr marL="0" indent="0">
@@ -22451,6 +22421,7 @@
               <a:rPr lang="en-US" altLang="ko-KR" dirty="0" smtClean="0"/>
               <a:t>Can improve performance</a:t>
             </a:r>
+            <a:endParaRPr lang="en-US" altLang="ko-KR" dirty="0" smtClean="0"/>
           </a:p>
           <a:p>
             <a:pPr marL="457200" lvl="1" indent="0">
@@ -22460,6 +22431,7 @@
               <a:rPr lang="en-US" altLang="ko-KR" dirty="0" smtClean="0"/>
               <a:t>The protection checks involved in enforcing a secure binding are expressed in terms of simple operations that the kernel can implement quickly</a:t>
             </a:r>
+            <a:endParaRPr lang="en-US" altLang="ko-KR" dirty="0" smtClean="0"/>
           </a:p>
           <a:p>
             <a:pPr marL="457200" lvl="1" indent="0">
@@ -22469,6 +22441,7 @@
               <a:rPr lang="en-US" altLang="ko-KR" dirty="0" smtClean="0"/>
               <a:t>A secure binding performs authorization only at bind time, which allows management to be decoupled from protection </a:t>
             </a:r>
+            <a:endParaRPr lang="en-US" altLang="ko-KR" dirty="0" smtClean="0"/>
           </a:p>
           <a:p>
             <a:pPr marL="0" indent="0">
@@ -22484,6 +22457,7 @@
               <a:rPr lang="en-US" altLang="ko-KR" dirty="0" smtClean="0"/>
               <a:t>Three techniques</a:t>
             </a:r>
+            <a:endParaRPr lang="en-US" altLang="ko-KR" dirty="0" smtClean="0"/>
           </a:p>
           <a:p>
             <a:pPr marL="457200" lvl="1" indent="0">
@@ -22493,6 +22467,7 @@
               <a:rPr lang="en-US" altLang="ko-KR" dirty="0" smtClean="0"/>
               <a:t>Hardware mechanism, software caching, and downloading application code</a:t>
             </a:r>
+            <a:endParaRPr lang="en-US" altLang="ko-KR" dirty="0" smtClean="0"/>
           </a:p>
         </p:txBody>
       </p:sp>
@@ -22513,19 +22488,12 @@
           <a:p>
             <a:fld id="{1D72EBF8-7CF5-44B7-B2BF-E22DE4D0703D}" type="slidenum">
               <a:rPr lang="en-US" smtClean="0"/>
-              <a:pPr/>
-              <a:t>48</a:t>
             </a:fld>
             <a:endParaRPr lang="en-US"/>
           </a:p>
         </p:txBody>
       </p:sp>
     </p:spTree>
-    <p:extLst>
-      <p:ext uri="{BB962C8B-B14F-4D97-AF65-F5344CB8AC3E}">
-        <p14:creationId xmlns:p14="http://schemas.microsoft.com/office/powerpoint/2010/main" val="2223925107"/>
-      </p:ext>
-    </p:extLst>
   </p:cSld>
   <p:clrMapOvr>
     <a:masterClrMapping/>
@@ -22619,6 +22587,7 @@
               <a:rPr lang="en-US" altLang="ko-KR" dirty="0" smtClean="0"/>
               <a:t>A way to reclaim resources and break their(application &amp; resources) secure binding</a:t>
             </a:r>
+            <a:endParaRPr lang="en-US" altLang="ko-KR" dirty="0" smtClean="0"/>
           </a:p>
           <a:p>
             <a:pPr marL="57150" indent="0">
@@ -22634,6 +22603,7 @@
               <a:rPr lang="en-US" altLang="ko-KR" dirty="0" smtClean="0"/>
               <a:t>An exokernel uses visible revocation for most resources</a:t>
             </a:r>
+            <a:endParaRPr lang="en-US" altLang="ko-KR" dirty="0" smtClean="0"/>
           </a:p>
           <a:p>
             <a:pPr marL="514350" lvl="1" indent="0">
@@ -22643,6 +22613,7 @@
               <a:rPr lang="en-US" altLang="ko-KR" dirty="0" smtClean="0"/>
               <a:t>Traditionally, OS have performed revocation invisibly, de-allocating resources without application involvement</a:t>
             </a:r>
+            <a:endParaRPr lang="en-US" altLang="ko-KR" dirty="0" smtClean="0"/>
           </a:p>
           <a:p>
             <a:pPr marL="57150" indent="0">
@@ -22666,6 +22637,7 @@
               <a:rPr lang="en-US" altLang="ko-KR" dirty="0" smtClean="0"/>
               <a:t> and a library OS</a:t>
             </a:r>
+            <a:endParaRPr lang="en-US" altLang="ko-KR" dirty="0" smtClean="0"/>
           </a:p>
           <a:p>
             <a:pPr marL="514350" lvl="1" indent="0">
@@ -22675,6 +22647,7 @@
               <a:rPr lang="en-US" altLang="ko-KR" dirty="0" smtClean="0"/>
               <a:t>Library OS should organize resource lists</a:t>
             </a:r>
+            <a:endParaRPr lang="en-US" altLang="ko-KR" dirty="0" smtClean="0"/>
           </a:p>
         </p:txBody>
       </p:sp>
@@ -22695,19 +22668,12 @@
           <a:p>
             <a:fld id="{1D72EBF8-7CF5-44B7-B2BF-E22DE4D0703D}" type="slidenum">
               <a:rPr lang="en-US" smtClean="0"/>
-              <a:pPr/>
-              <a:t>49</a:t>
             </a:fld>
             <a:endParaRPr lang="en-US"/>
           </a:p>
         </p:txBody>
       </p:sp>
     </p:spTree>
-    <p:extLst>
-      <p:ext uri="{BB962C8B-B14F-4D97-AF65-F5344CB8AC3E}">
-        <p14:creationId xmlns:p14="http://schemas.microsoft.com/office/powerpoint/2010/main" val="968035765"/>
-      </p:ext>
-    </p:extLst>
   </p:cSld>
   <p:clrMapOvr>
     <a:masterClrMapping/>
@@ -22763,10 +22729,13 @@
           <a:p>
             <a:r>
               <a:rPr lang="en-US" altLang="zh-CN" sz="2800" dirty="0" smtClean="0">
-                <a:ea typeface="宋体" charset="-122"/>
+                <a:ea typeface="宋体" panose="02010600030101010101" pitchFamily="2" charset="-122"/>
               </a:rPr>
               <a:t>Operating System Design and Implementation</a:t>
             </a:r>
+            <a:endParaRPr lang="en-US" altLang="zh-CN" sz="2800" dirty="0" smtClean="0">
+              <a:ea typeface="宋体" panose="02010600030101010101" pitchFamily="2" charset="-122"/>
+            </a:endParaRPr>
           </a:p>
         </p:txBody>
       </p:sp>
@@ -22797,10 +22766,13 @@
             </a:pPr>
             <a:r>
               <a:rPr lang="en-US" altLang="zh-CN" sz="3200" dirty="0" smtClean="0">
-                <a:ea typeface="宋体" charset="-122"/>
+                <a:ea typeface="宋体" panose="02010600030101010101" pitchFamily="2" charset="-122"/>
               </a:rPr>
               <a:t>Design and Implementation of OS not “solvable”, but some approaches have proven successful</a:t>
             </a:r>
+            <a:endParaRPr lang="en-US" altLang="zh-CN" sz="3200" dirty="0" smtClean="0">
+              <a:ea typeface="宋体" panose="02010600030101010101" pitchFamily="2" charset="-122"/>
+            </a:endParaRPr>
           </a:p>
           <a:p>
             <a:pPr marL="400050" lvl="1" indent="0">
@@ -22808,10 +22780,13 @@
             </a:pPr>
             <a:r>
               <a:rPr lang="en-US" altLang="zh-CN" sz="2800" dirty="0" smtClean="0">
-                <a:ea typeface="宋体" charset="-122"/>
+                <a:ea typeface="宋体" panose="02010600030101010101" pitchFamily="2" charset="-122"/>
               </a:rPr>
               <a:t>Internal structure of different Operating Systems can vary widely</a:t>
             </a:r>
+            <a:endParaRPr lang="en-US" altLang="zh-CN" sz="2800" dirty="0" smtClean="0">
+              <a:ea typeface="宋体" panose="02010600030101010101" pitchFamily="2" charset="-122"/>
+            </a:endParaRPr>
           </a:p>
           <a:p>
             <a:pPr marL="400050" lvl="1" indent="0">
@@ -22819,10 +22794,13 @@
             </a:pPr>
             <a:r>
               <a:rPr lang="en-US" altLang="zh-CN" sz="2800" dirty="0" smtClean="0">
-                <a:ea typeface="宋体" charset="-122"/>
+                <a:ea typeface="宋体" panose="02010600030101010101" pitchFamily="2" charset="-122"/>
               </a:rPr>
               <a:t>Start by defining goals and specifications </a:t>
             </a:r>
+            <a:endParaRPr lang="en-US" altLang="zh-CN" sz="2800" dirty="0" smtClean="0">
+              <a:ea typeface="宋体" panose="02010600030101010101" pitchFamily="2" charset="-122"/>
+            </a:endParaRPr>
           </a:p>
           <a:p>
             <a:pPr marL="400050" lvl="1" indent="0">
@@ -22830,17 +22808,20 @@
             </a:pPr>
             <a:r>
               <a:rPr lang="en-US" altLang="zh-CN" sz="2800" dirty="0" smtClean="0">
-                <a:ea typeface="宋体" charset="-122"/>
+                <a:ea typeface="宋体" panose="02010600030101010101" pitchFamily="2" charset="-122"/>
               </a:rPr>
               <a:t>Affected by choice of hardware, type of system</a:t>
             </a:r>
+            <a:endParaRPr lang="en-US" altLang="zh-CN" sz="2800" dirty="0" smtClean="0">
+              <a:ea typeface="宋体" panose="02010600030101010101" pitchFamily="2" charset="-122"/>
+            </a:endParaRPr>
           </a:p>
           <a:p>
             <a:pPr marL="457200" lvl="1" indent="0">
               <a:buNone/>
             </a:pPr>
             <a:endParaRPr lang="en-US" altLang="zh-CN" sz="2800" dirty="0" smtClean="0">
-              <a:ea typeface="宋体" charset="-122"/>
+              <a:ea typeface="宋体" panose="02010600030101010101" pitchFamily="2" charset="-122"/>
             </a:endParaRPr>
           </a:p>
         </p:txBody>
@@ -22887,11 +22868,6 @@
         </p:txBody>
       </p:sp>
     </p:spTree>
-    <p:extLst>
-      <p:ext uri="{BB962C8B-B14F-4D97-AF65-F5344CB8AC3E}">
-        <p14:creationId xmlns:p14="http://schemas.microsoft.com/office/powerpoint/2010/main" val="3305977687"/>
-      </p:ext>
-    </p:extLst>
   </p:cSld>
   <p:clrMapOvr>
     <a:masterClrMapping/>
@@ -23149,6 +23125,7 @@
               <a:rPr lang="en-US" altLang="ko-KR" dirty="0" smtClean="0"/>
               <a:t>An exokernel must also be able to take resources from library operating systems that fail to respond satisfactorily to revocation requests</a:t>
             </a:r>
+            <a:endParaRPr lang="en-US" altLang="ko-KR" dirty="0" smtClean="0"/>
           </a:p>
           <a:p>
             <a:pPr marL="57150" indent="0">
@@ -23172,6 +23149,7 @@
               <a:rPr lang="en-US" altLang="ko-KR" dirty="0" smtClean="0"/>
               <a:t>”</a:t>
             </a:r>
+            <a:endParaRPr lang="en-US" altLang="ko-KR" dirty="0" smtClean="0"/>
           </a:p>
           <a:p>
             <a:pPr marL="57150" indent="0">
@@ -23187,6 +23165,7 @@
               <a:rPr lang="en-US" altLang="ko-KR" dirty="0" smtClean="0"/>
               <a:t>An exokernel simply breaks all secure bindings to the resource and informs the library operating system</a:t>
             </a:r>
+            <a:endParaRPr lang="en-US" altLang="ko-KR" dirty="0" smtClean="0"/>
           </a:p>
         </p:txBody>
       </p:sp>
@@ -23207,19 +23186,12 @@
           <a:p>
             <a:fld id="{1D72EBF8-7CF5-44B7-B2BF-E22DE4D0703D}" type="slidenum">
               <a:rPr lang="en-US" smtClean="0"/>
-              <a:pPr/>
-              <a:t>50</a:t>
             </a:fld>
             <a:endParaRPr lang="en-US"/>
           </a:p>
         </p:txBody>
       </p:sp>
     </p:spTree>
-    <p:extLst>
-      <p:ext uri="{BB962C8B-B14F-4D97-AF65-F5344CB8AC3E}">
-        <p14:creationId xmlns:p14="http://schemas.microsoft.com/office/powerpoint/2010/main" val="2985178528"/>
-      </p:ext>
-    </p:extLst>
   </p:cSld>
   <p:clrMapOvr>
     <a:masterClrMapping/>
@@ -23291,8 +23263,6 @@
           <a:p>
             <a:fld id="{1D72EBF8-7CF5-44B7-B2BF-E22DE4D0703D}" type="slidenum">
               <a:rPr lang="en-US" smtClean="0"/>
-              <a:pPr/>
-              <a:t>51</a:t>
             </a:fld>
             <a:endParaRPr lang="en-US"/>
           </a:p>
@@ -23307,7 +23277,7 @@
           <p:nvPr/>
         </p:nvPicPr>
         <p:blipFill>
-          <a:blip r:embed="rId3" cstate="print"/>
+          <a:blip r:embed="rId1" cstate="print"/>
           <a:srcRect l="2309" t="7533" b="4043"/>
           <a:stretch>
             <a:fillRect/>
@@ -23413,11 +23383,6 @@
         </p:txBody>
       </p:sp>
     </p:spTree>
-    <p:extLst>
-      <p:ext uri="{BB962C8B-B14F-4D97-AF65-F5344CB8AC3E}">
-        <p14:creationId xmlns:p14="http://schemas.microsoft.com/office/powerpoint/2010/main" val="2577585177"/>
-      </p:ext>
-    </p:extLst>
   </p:cSld>
   <p:clrMapOvr>
     <a:masterClrMapping/>
@@ -23502,6 +23467,7 @@
               <a:rPr lang="en-US" altLang="ko-KR" dirty="0" smtClean="0"/>
               <a:t>( Xok / ExOS ) </a:t>
             </a:r>
+            <a:endParaRPr lang="en-US" altLang="ko-KR" dirty="0" smtClean="0"/>
           </a:p>
           <a:p>
             <a:pPr marL="457200" lvl="1" indent="0">
@@ -23511,6 +23477,7 @@
               <a:rPr lang="en-US" altLang="ko-KR" dirty="0" smtClean="0"/>
               <a:t>Xok</a:t>
             </a:r>
+            <a:endParaRPr lang="en-US" altLang="ko-KR" dirty="0" smtClean="0"/>
           </a:p>
           <a:p>
             <a:pPr marL="914400" lvl="2" indent="0">
@@ -23520,6 +23487,7 @@
               <a:rPr lang="en-US" altLang="ko-KR" b="1" u="sng" dirty="0" smtClean="0"/>
               <a:t>Exokernel</a:t>
             </a:r>
+            <a:endParaRPr lang="en-US" altLang="ko-KR" b="1" u="sng" dirty="0" smtClean="0"/>
           </a:p>
           <a:p>
             <a:pPr marL="914400" lvl="2" indent="0">
@@ -23539,6 +23507,13 @@
               </a:rPr>
               <a:t>(Aegis runs on DEC)</a:t>
             </a:r>
+            <a:endParaRPr lang="en-US" altLang="ko-KR" dirty="0" smtClean="0">
+              <a:solidFill>
+                <a:schemeClr val="bg2">
+                  <a:lumMod val="75000"/>
+                </a:schemeClr>
+              </a:solidFill>
+            </a:endParaRPr>
           </a:p>
           <a:p>
             <a:pPr marL="914400" lvl="2" indent="0">
@@ -23548,6 +23523,7 @@
               <a:rPr lang="en-US" altLang="ko-KR" dirty="0" smtClean="0"/>
               <a:t>Safely multiplexes the physical resources </a:t>
             </a:r>
+            <a:endParaRPr lang="en-US" altLang="ko-KR" dirty="0" smtClean="0"/>
           </a:p>
           <a:p>
             <a:pPr marL="914400" lvl="2" indent="0">
@@ -23563,6 +23539,7 @@
               <a:rPr lang="en-US" altLang="ko-KR" dirty="0" smtClean="0"/>
               <a:t>ExOS</a:t>
             </a:r>
+            <a:endParaRPr lang="en-US" altLang="ko-KR" dirty="0" smtClean="0"/>
           </a:p>
           <a:p>
             <a:pPr marL="914400" lvl="2" indent="0">
@@ -23572,6 +23549,7 @@
               <a:rPr lang="en-US" altLang="ko-KR" b="1" u="sng" dirty="0" smtClean="0"/>
               <a:t>Library OS</a:t>
             </a:r>
+            <a:endParaRPr lang="en-US" altLang="ko-KR" b="1" u="sng" dirty="0" smtClean="0"/>
           </a:p>
           <a:p>
             <a:pPr marL="914400" lvl="2" indent="0">
@@ -23581,6 +23559,7 @@
               <a:rPr lang="en-US" altLang="ko-KR" dirty="0" smtClean="0"/>
               <a:t>Manages fundamental OS abstractions at application level</a:t>
             </a:r>
+            <a:endParaRPr lang="en-US" altLang="ko-KR" dirty="0" smtClean="0"/>
           </a:p>
           <a:p>
             <a:pPr marL="1371600" lvl="3" indent="0">
@@ -23590,6 +23569,7 @@
               <a:rPr lang="en-US" altLang="ko-KR" sz="2100" dirty="0" smtClean="0"/>
               <a:t>completely within the address space of the application that is using it</a:t>
             </a:r>
+            <a:endParaRPr lang="en-US" altLang="ko-KR" sz="2100" dirty="0" smtClean="0"/>
           </a:p>
         </p:txBody>
       </p:sp>
@@ -23610,19 +23590,12 @@
           <a:p>
             <a:fld id="{1D72EBF8-7CF5-44B7-B2BF-E22DE4D0703D}" type="slidenum">
               <a:rPr lang="en-US" smtClean="0"/>
-              <a:pPr/>
-              <a:t>52</a:t>
             </a:fld>
             <a:endParaRPr lang="en-US"/>
           </a:p>
         </p:txBody>
       </p:sp>
     </p:spTree>
-    <p:extLst>
-      <p:ext uri="{BB962C8B-B14F-4D97-AF65-F5344CB8AC3E}">
-        <p14:creationId xmlns:p14="http://schemas.microsoft.com/office/powerpoint/2010/main" val="1905087850"/>
-      </p:ext>
-    </p:extLst>
   </p:cSld>
   <p:clrMapOvr>
     <a:masterClrMapping/>
@@ -23694,8 +23667,6 @@
           <a:p>
             <a:fld id="{1D72EBF8-7CF5-44B7-B2BF-E22DE4D0703D}" type="slidenum">
               <a:rPr lang="en-US" smtClean="0"/>
-              <a:pPr/>
-              <a:t>53</a:t>
             </a:fld>
             <a:endParaRPr lang="en-US"/>
           </a:p>
@@ -23710,7 +23681,7 @@
           <p:nvPr/>
         </p:nvPicPr>
         <p:blipFill>
-          <a:blip r:embed="rId2" cstate="print"/>
+          <a:blip r:embed="rId1" cstate="print"/>
           <a:srcRect/>
           <a:stretch>
             <a:fillRect/>
@@ -23786,11 +23757,6 @@
         </p:txBody>
       </p:sp>
     </p:spTree>
-    <p:extLst>
-      <p:ext uri="{BB962C8B-B14F-4D97-AF65-F5344CB8AC3E}">
-        <p14:creationId xmlns:p14="http://schemas.microsoft.com/office/powerpoint/2010/main" val="4224611217"/>
-      </p:ext>
-    </p:extLst>
   </p:cSld>
   <p:clrMapOvr>
     <a:masterClrMapping/>
@@ -23862,8 +23828,6 @@
           <a:p>
             <a:fld id="{1D72EBF8-7CF5-44B7-B2BF-E22DE4D0703D}" type="slidenum">
               <a:rPr lang="en-US" smtClean="0"/>
-              <a:pPr/>
-              <a:t>54</a:t>
             </a:fld>
             <a:endParaRPr lang="en-US"/>
           </a:p>
@@ -23878,7 +23842,7 @@
           <p:nvPr/>
         </p:nvPicPr>
         <p:blipFill>
-          <a:blip r:embed="rId2" cstate="print"/>
+          <a:blip r:embed="rId1" cstate="print"/>
           <a:srcRect/>
           <a:stretch>
             <a:fillRect/>
@@ -23938,11 +23902,6 @@
         </p:txBody>
       </p:sp>
     </p:spTree>
-    <p:extLst>
-      <p:ext uri="{BB962C8B-B14F-4D97-AF65-F5344CB8AC3E}">
-        <p14:creationId xmlns:p14="http://schemas.microsoft.com/office/powerpoint/2010/main" val="3050159047"/>
-      </p:ext>
-    </p:extLst>
   </p:cSld>
   <p:clrMapOvr>
     <a:masterClrMapping/>
@@ -24030,6 +23989,7 @@
               <a:rPr kumimoji="1" lang="en-US" altLang="zh-CN" dirty="0"/>
               <a:t>:</a:t>
             </a:r>
+            <a:endParaRPr kumimoji="1" lang="en-US" altLang="zh-CN" dirty="0"/>
           </a:p>
           <a:p>
             <a:pPr lvl="1"/>
@@ -24062,11 +24022,6 @@
         </p:txBody>
       </p:sp>
     </p:spTree>
-    <p:extLst>
-      <p:ext uri="{BB962C8B-B14F-4D97-AF65-F5344CB8AC3E}">
-        <p14:creationId xmlns:p14="http://schemas.microsoft.com/office/powerpoint/2010/main" val="959322958"/>
-      </p:ext>
-    </p:extLst>
   </p:cSld>
   <p:clrMapOvr>
     <a:masterClrMapping/>
@@ -27436,11 +27391,6 @@
         </p:txBody>
       </p:sp>
     </p:spTree>
-    <p:extLst>
-      <p:ext uri="{BB962C8B-B14F-4D97-AF65-F5344CB8AC3E}">
-        <p14:creationId xmlns:p14="http://schemas.microsoft.com/office/powerpoint/2010/main" val="1708398791"/>
-      </p:ext>
-    </p:extLst>
   </p:cSld>
   <p:clrMapOvr>
     <a:masterClrMapping/>
@@ -27533,6 +27483,7 @@
               <a:rPr lang="en-US" dirty="0"/>
               <a:t> compared with microkernel or monolithic kernel, why? And what's the price of performance profit?</a:t>
             </a:r>
+            <a:endParaRPr lang="en-US" dirty="0"/>
           </a:p>
           <a:p>
             <a:pPr marL="0" indent="0">
@@ -27564,6 +27515,7 @@
               <a:rPr lang="en-US" dirty="0"/>
               <a:t> protect application against each other? And how to understand this goal of paper: to separate protection from management?</a:t>
             </a:r>
+            <a:endParaRPr lang="en-US" dirty="0"/>
           </a:p>
           <a:p>
             <a:pPr marL="0" indent="0">
@@ -27591,6 +27543,7 @@
               <a:rPr lang="en-US" dirty="0"/>
               <a:t> been as popular as monolithic kernel(Linux) and Hybrid kernel(Windows NT)?</a:t>
             </a:r>
+            <a:endParaRPr lang="en-US" dirty="0"/>
           </a:p>
           <a:p>
             <a:pPr marL="0" indent="0">
@@ -27622,10 +27575,8 @@
                     <a:tint val="75000"/>
                   </a:prstClr>
                 </a:solidFill>
-                <a:latin typeface="Calibri"/>
+                <a:latin typeface="Calibri" panose="020F0502020204030204"/>
               </a:rPr>
-              <a:pPr/>
-              <a:t>57</a:t>
             </a:fld>
             <a:endParaRPr lang="en-US">
               <a:solidFill>
@@ -27633,17 +27584,12 @@
                   <a:tint val="75000"/>
                 </a:prstClr>
               </a:solidFill>
-              <a:latin typeface="Calibri"/>
+              <a:latin typeface="Calibri" panose="020F0502020204030204"/>
             </a:endParaRPr>
           </a:p>
         </p:txBody>
       </p:sp>
     </p:spTree>
-    <p:extLst>
-      <p:ext uri="{BB962C8B-B14F-4D97-AF65-F5344CB8AC3E}">
-        <p14:creationId xmlns:p14="http://schemas.microsoft.com/office/powerpoint/2010/main" val="1024842729"/>
-      </p:ext>
-    </p:extLst>
   </p:cSld>
   <p:clrMapOvr>
     <a:masterClrMapping/>
@@ -27868,11 +27814,6 @@
         </p:txBody>
       </p:sp>
     </p:spTree>
-    <p:extLst>
-      <p:ext uri="{BB962C8B-B14F-4D97-AF65-F5344CB8AC3E}">
-        <p14:creationId xmlns:p14="http://schemas.microsoft.com/office/powerpoint/2010/main" val="496927324"/>
-      </p:ext>
-    </p:extLst>
   </p:cSld>
   <p:clrMapOvr>
     <a:masterClrMapping/>
@@ -27942,6 +27883,7 @@
               <a:rPr lang="en-US" dirty="0" smtClean="0"/>
               <a:t>OS evolve constantly</a:t>
             </a:r>
+            <a:endParaRPr lang="en-US" dirty="0" smtClean="0"/>
           </a:p>
           <a:p>
             <a:pPr marL="0" indent="0">
@@ -27961,6 +27903,7 @@
               <a:rPr lang="en-US" dirty="0" smtClean="0"/>
               <a:t>: application manages resources</a:t>
             </a:r>
+            <a:endParaRPr lang="en-US" dirty="0" smtClean="0"/>
           </a:p>
           <a:p>
             <a:pPr marL="0" indent="0">
@@ -27987,19 +27930,12 @@
           <a:p>
             <a:fld id="{1D72EBF8-7CF5-44B7-B2BF-E22DE4D0703D}" type="slidenum">
               <a:rPr lang="en-US" smtClean="0"/>
-              <a:pPr/>
-              <a:t>59</a:t>
             </a:fld>
             <a:endParaRPr lang="en-US"/>
           </a:p>
         </p:txBody>
       </p:sp>
     </p:spTree>
-    <p:extLst>
-      <p:ext uri="{BB962C8B-B14F-4D97-AF65-F5344CB8AC3E}">
-        <p14:creationId xmlns:p14="http://schemas.microsoft.com/office/powerpoint/2010/main" val="579403500"/>
-      </p:ext>
-    </p:extLst>
   </p:cSld>
   <p:clrMapOvr>
     <a:masterClrMapping/>
@@ -28048,10 +27984,13 @@
           <a:p>
             <a:r>
               <a:rPr lang="en-US" altLang="zh-CN" sz="2800" dirty="0" smtClean="0">
-                <a:ea typeface="宋体" charset="-122"/>
+                <a:ea typeface="宋体" panose="02010600030101010101" pitchFamily="2" charset="-122"/>
               </a:rPr>
               <a:t>Operating System Design and Implementation</a:t>
             </a:r>
+            <a:endParaRPr lang="en-US" altLang="zh-CN" sz="2800" dirty="0" smtClean="0">
+              <a:ea typeface="宋体" panose="02010600030101010101" pitchFamily="2" charset="-122"/>
+            </a:endParaRPr>
           </a:p>
         </p:txBody>
       </p:sp>
@@ -28082,28 +28021,31 @@
             </a:pPr>
             <a:r>
               <a:rPr lang="en-US" altLang="zh-CN" sz="2600" i="1" dirty="0" smtClean="0">
-                <a:ea typeface="宋体" charset="-122"/>
+                <a:ea typeface="宋体" panose="02010600030101010101" pitchFamily="2" charset="-122"/>
               </a:rPr>
               <a:t>User</a:t>
             </a:r>
             <a:r>
               <a:rPr lang="en-US" altLang="zh-CN" sz="2600" dirty="0" smtClean="0">
-                <a:ea typeface="宋体" charset="-122"/>
+                <a:ea typeface="宋体" panose="02010600030101010101" pitchFamily="2" charset="-122"/>
               </a:rPr>
               <a:t> goals and </a:t>
             </a:r>
             <a:r>
               <a:rPr lang="en-US" altLang="zh-CN" sz="2600" i="1" dirty="0" smtClean="0">
-                <a:ea typeface="宋体" charset="-122"/>
+                <a:ea typeface="宋体" panose="02010600030101010101" pitchFamily="2" charset="-122"/>
               </a:rPr>
               <a:t>System</a:t>
             </a:r>
             <a:r>
               <a:rPr lang="en-US" altLang="zh-CN" sz="2600" dirty="0" smtClean="0">
-                <a:ea typeface="宋体" charset="-122"/>
+                <a:ea typeface="宋体" panose="02010600030101010101" pitchFamily="2" charset="-122"/>
               </a:rPr>
               <a:t> goals</a:t>
             </a:r>
+            <a:endParaRPr lang="en-US" altLang="zh-CN" sz="2600" dirty="0" smtClean="0">
+              <a:ea typeface="宋体" panose="02010600030101010101" pitchFamily="2" charset="-122"/>
+            </a:endParaRPr>
           </a:p>
           <a:p>
             <a:pPr marL="457200" lvl="1" indent="0">
@@ -28111,10 +28053,13 @@
             </a:pPr>
             <a:r>
               <a:rPr lang="en-US" altLang="zh-CN" sz="2600" dirty="0" smtClean="0">
-                <a:ea typeface="宋体" charset="-122"/>
+                <a:ea typeface="宋体" panose="02010600030101010101" pitchFamily="2" charset="-122"/>
               </a:rPr>
               <a:t>User goals </a:t>
             </a:r>
+            <a:endParaRPr lang="en-US" altLang="zh-CN" sz="2600" dirty="0" smtClean="0">
+              <a:ea typeface="宋体" panose="02010600030101010101" pitchFamily="2" charset="-122"/>
+            </a:endParaRPr>
           </a:p>
           <a:p>
             <a:pPr marL="914400" lvl="2" indent="0">
@@ -28122,17 +28067,20 @@
             </a:pPr>
             <a:r>
               <a:rPr lang="en-US" altLang="zh-CN" sz="2200" dirty="0" smtClean="0">
-                <a:ea typeface="宋体" charset="-122"/>
+                <a:ea typeface="宋体" panose="02010600030101010101" pitchFamily="2" charset="-122"/>
               </a:rPr>
               <a:t>operating system should be convenient to use, easy to learn, reliable, safe, and fast</a:t>
             </a:r>
+            <a:endParaRPr lang="en-US" altLang="zh-CN" sz="2200" dirty="0" smtClean="0">
+              <a:ea typeface="宋体" panose="02010600030101010101" pitchFamily="2" charset="-122"/>
+            </a:endParaRPr>
           </a:p>
           <a:p>
             <a:pPr marL="457200" lvl="1" indent="0">
               <a:buNone/>
             </a:pPr>
             <a:endParaRPr lang="en-US" altLang="zh-CN" sz="2600" dirty="0" smtClean="0">
-              <a:ea typeface="宋体" charset="-122"/>
+              <a:ea typeface="宋体" panose="02010600030101010101" pitchFamily="2" charset="-122"/>
             </a:endParaRPr>
           </a:p>
           <a:p>
@@ -28141,10 +28089,13 @@
             </a:pPr>
             <a:r>
               <a:rPr lang="en-US" altLang="zh-CN" sz="2600" dirty="0" smtClean="0">
-                <a:ea typeface="宋体" charset="-122"/>
+                <a:ea typeface="宋体" panose="02010600030101010101" pitchFamily="2" charset="-122"/>
               </a:rPr>
               <a:t>System goals </a:t>
             </a:r>
+            <a:endParaRPr lang="en-US" altLang="zh-CN" sz="2600" dirty="0" smtClean="0">
+              <a:ea typeface="宋体" panose="02010600030101010101" pitchFamily="2" charset="-122"/>
+            </a:endParaRPr>
           </a:p>
           <a:p>
             <a:pPr marL="914400" lvl="2" indent="0">
@@ -28152,19 +28103,17 @@
             </a:pPr>
             <a:r>
               <a:rPr lang="en-US" altLang="zh-CN" sz="2200" dirty="0" smtClean="0">
-                <a:ea typeface="宋体" charset="-122"/>
+                <a:ea typeface="宋体" panose="02010600030101010101" pitchFamily="2" charset="-122"/>
               </a:rPr>
               <a:t>operating system should be easy to design, implement, and maintain, as well as flexible, reliable, error-free, and efficient</a:t>
             </a:r>
+            <a:endParaRPr lang="en-US" altLang="zh-CN" sz="2200" dirty="0" smtClean="0">
+              <a:ea typeface="宋体" panose="02010600030101010101" pitchFamily="2" charset="-122"/>
+            </a:endParaRPr>
           </a:p>
         </p:txBody>
       </p:sp>
     </p:spTree>
-    <p:extLst>
-      <p:ext uri="{BB962C8B-B14F-4D97-AF65-F5344CB8AC3E}">
-        <p14:creationId xmlns:p14="http://schemas.microsoft.com/office/powerpoint/2010/main" val="4243040763"/>
-      </p:ext>
-    </p:extLst>
   </p:cSld>
   <p:clrMapOvr>
     <a:masterClrMapping/>
@@ -28420,10 +28369,13 @@
           <a:p>
             <a:r>
               <a:rPr lang="en-US" altLang="zh-CN" sz="3200" dirty="0" smtClean="0">
-                <a:ea typeface="宋体" charset="-122"/>
+                <a:ea typeface="宋体" panose="02010600030101010101" pitchFamily="2" charset="-122"/>
               </a:rPr>
               <a:t>Operating System Design and Implementation (Cont.)</a:t>
             </a:r>
+            <a:endParaRPr lang="en-US" altLang="zh-CN" sz="3200" dirty="0" smtClean="0">
+              <a:ea typeface="宋体" panose="02010600030101010101" pitchFamily="2" charset="-122"/>
+            </a:endParaRPr>
           </a:p>
         </p:txBody>
       </p:sp>
@@ -28454,10 +28406,13 @@
             </a:pPr>
             <a:r>
               <a:rPr lang="en-US" altLang="zh-CN" dirty="0" smtClean="0">
-                <a:ea typeface="宋体" charset="-122"/>
+                <a:ea typeface="宋体" panose="02010600030101010101" pitchFamily="2" charset="-122"/>
               </a:rPr>
               <a:t>Important principle to separate</a:t>
             </a:r>
+            <a:endParaRPr lang="en-US" altLang="zh-CN" dirty="0" smtClean="0">
+              <a:ea typeface="宋体" panose="02010600030101010101" pitchFamily="2" charset="-122"/>
+            </a:endParaRPr>
           </a:p>
           <a:p>
             <a:pPr marL="0" indent="0">
@@ -28465,39 +28420,42 @@
             </a:pPr>
             <a:r>
               <a:rPr lang="en-US" altLang="zh-CN" b="1" dirty="0" smtClean="0">
-                <a:ea typeface="宋体" charset="-122"/>
+                <a:ea typeface="宋体" panose="02010600030101010101" pitchFamily="2" charset="-122"/>
               </a:rPr>
               <a:t>	Policy:   </a:t>
             </a:r>
             <a:r>
               <a:rPr lang="en-US" altLang="zh-CN" dirty="0" smtClean="0">
-                <a:ea typeface="宋体" charset="-122"/>
+                <a:ea typeface="宋体" panose="02010600030101010101" pitchFamily="2" charset="-122"/>
               </a:rPr>
               <a:t>What will be done?</a:t>
             </a:r>
             <a:r>
               <a:rPr lang="en-US" altLang="zh-CN" b="1" dirty="0" smtClean="0">
-                <a:ea typeface="宋体" charset="-122"/>
+                <a:ea typeface="宋体" panose="02010600030101010101" pitchFamily="2" charset="-122"/>
               </a:rPr>
               <a:t> </a:t>
             </a:r>
             <a:br>
               <a:rPr lang="en-US" altLang="zh-CN" b="1" dirty="0" smtClean="0">
-                <a:ea typeface="宋体" charset="-122"/>
+                <a:ea typeface="宋体" panose="02010600030101010101" pitchFamily="2" charset="-122"/>
               </a:rPr>
             </a:br>
             <a:r>
               <a:rPr lang="en-US" altLang="zh-CN" b="1" dirty="0" smtClean="0">
-                <a:ea typeface="宋体" charset="-122"/>
+                <a:ea typeface="宋体" panose="02010600030101010101" pitchFamily="2" charset="-122"/>
               </a:rPr>
               <a:t>         Mechanism:  </a:t>
             </a:r>
             <a:r>
               <a:rPr lang="en-US" altLang="zh-CN" dirty="0" smtClean="0">
-                <a:ea typeface="宋体" charset="-122"/>
+                <a:ea typeface="宋体" panose="02010600030101010101" pitchFamily="2" charset="-122"/>
               </a:rPr>
               <a:t>How to do it?</a:t>
             </a:r>
+            <a:endParaRPr lang="en-US" altLang="zh-CN" dirty="0" smtClean="0">
+              <a:ea typeface="宋体" panose="02010600030101010101" pitchFamily="2" charset="-122"/>
+            </a:endParaRPr>
           </a:p>
           <a:p>
             <a:pPr marL="0" indent="0">
@@ -28505,17 +28463,20 @@
             </a:pPr>
             <a:r>
               <a:rPr lang="en-US" altLang="zh-CN" dirty="0" smtClean="0">
-                <a:ea typeface="宋体" charset="-122"/>
+                <a:ea typeface="宋体" panose="02010600030101010101" pitchFamily="2" charset="-122"/>
               </a:rPr>
               <a:t>Mechanisms determine how to do something</a:t>
             </a:r>
+            <a:endParaRPr lang="en-US" altLang="zh-CN" dirty="0" smtClean="0">
+              <a:ea typeface="宋体" panose="02010600030101010101" pitchFamily="2" charset="-122"/>
+            </a:endParaRPr>
           </a:p>
           <a:p>
             <a:pPr marL="400050" lvl="1" indent="0">
               <a:buNone/>
             </a:pPr>
             <a:endParaRPr lang="en-US" altLang="zh-CN" dirty="0" smtClean="0">
-              <a:ea typeface="宋体" charset="-122"/>
+              <a:ea typeface="宋体" panose="02010600030101010101" pitchFamily="2" charset="-122"/>
             </a:endParaRPr>
           </a:p>
           <a:p>
@@ -28524,10 +28485,13 @@
             </a:pPr>
             <a:r>
               <a:rPr lang="en-US" altLang="zh-CN" dirty="0" smtClean="0">
-                <a:ea typeface="宋体" charset="-122"/>
+                <a:ea typeface="宋体" panose="02010600030101010101" pitchFamily="2" charset="-122"/>
               </a:rPr>
               <a:t>Policies decide what will be done</a:t>
             </a:r>
+            <a:endParaRPr lang="en-US" altLang="zh-CN" dirty="0" smtClean="0">
+              <a:ea typeface="宋体" panose="02010600030101010101" pitchFamily="2" charset="-122"/>
+            </a:endParaRPr>
           </a:p>
           <a:p>
             <a:pPr marL="457200" lvl="1" indent="0">
@@ -28535,10 +28499,13 @@
             </a:pPr>
             <a:r>
               <a:rPr lang="en-US" altLang="zh-CN" dirty="0" smtClean="0">
-                <a:ea typeface="宋体" charset="-122"/>
+                <a:ea typeface="宋体" panose="02010600030101010101" pitchFamily="2" charset="-122"/>
               </a:rPr>
               <a:t>The separation of policy from mechanism is a very important principle</a:t>
             </a:r>
+            <a:endParaRPr lang="en-US" altLang="zh-CN" dirty="0" smtClean="0">
+              <a:ea typeface="宋体" panose="02010600030101010101" pitchFamily="2" charset="-122"/>
+            </a:endParaRPr>
           </a:p>
           <a:p>
             <a:pPr marL="457200" lvl="1" indent="0">
@@ -28546,17 +28513,20 @@
             </a:pPr>
             <a:r>
               <a:rPr lang="en-US" altLang="zh-CN" dirty="0" smtClean="0">
-                <a:ea typeface="宋体" charset="-122"/>
+                <a:ea typeface="宋体" panose="02010600030101010101" pitchFamily="2" charset="-122"/>
               </a:rPr>
               <a:t>It allows maximum flexibility if policy decisions are to be changed later</a:t>
             </a:r>
+            <a:endParaRPr lang="en-US" altLang="zh-CN" dirty="0" smtClean="0">
+              <a:ea typeface="宋体" panose="02010600030101010101" pitchFamily="2" charset="-122"/>
+            </a:endParaRPr>
           </a:p>
           <a:p>
             <a:pPr marL="0" indent="0">
               <a:buNone/>
             </a:pPr>
             <a:endParaRPr lang="en-US" altLang="zh-CN" dirty="0" smtClean="0">
-              <a:ea typeface="宋体" charset="-122"/>
+              <a:ea typeface="宋体" panose="02010600030101010101" pitchFamily="2" charset="-122"/>
             </a:endParaRPr>
           </a:p>
           <a:p>
@@ -28565,17 +28535,12 @@
               <a:buNone/>
             </a:pPr>
             <a:endParaRPr lang="en-US" altLang="zh-CN" dirty="0" smtClean="0">
-              <a:ea typeface="宋体" charset="-122"/>
+              <a:ea typeface="宋体" panose="02010600030101010101" pitchFamily="2" charset="-122"/>
             </a:endParaRPr>
           </a:p>
         </p:txBody>
       </p:sp>
     </p:spTree>
-    <p:extLst>
-      <p:ext uri="{BB962C8B-B14F-4D97-AF65-F5344CB8AC3E}">
-        <p14:creationId xmlns:p14="http://schemas.microsoft.com/office/powerpoint/2010/main" val="1743141948"/>
-      </p:ext>
-    </p:extLst>
   </p:cSld>
   <p:clrMapOvr>
     <a:masterClrMapping/>
@@ -29173,12 +29138,12 @@
           <a:p>
             <a:r>
               <a:rPr lang="en-US" altLang="zh-CN" smtClean="0">
-                <a:ea typeface="宋体" charset="-122"/>
+                <a:ea typeface="宋体" panose="02010600030101010101" pitchFamily="2" charset="-122"/>
               </a:rPr>
               <a:t>Simple Structure </a:t>
             </a:r>
             <a:endParaRPr lang="en-US" altLang="zh-CN" sz="1800" smtClean="0">
-              <a:ea typeface="宋体" charset="-122"/>
+              <a:ea typeface="宋体" panose="02010600030101010101" pitchFamily="2" charset="-122"/>
             </a:endParaRPr>
           </a:p>
         </p:txBody>
@@ -29208,10 +29173,13 @@
             </a:pPr>
             <a:r>
               <a:rPr lang="en-US" altLang="zh-CN" dirty="0" smtClean="0">
-                <a:ea typeface="宋体" charset="-122"/>
+                <a:ea typeface="宋体" panose="02010600030101010101" pitchFamily="2" charset="-122"/>
               </a:rPr>
               <a:t>MS-DOS – written to provide the most functionality in the least space  (1981~1994)</a:t>
             </a:r>
+            <a:endParaRPr lang="en-US" altLang="zh-CN" dirty="0" smtClean="0">
+              <a:ea typeface="宋体" panose="02010600030101010101" pitchFamily="2" charset="-122"/>
+            </a:endParaRPr>
           </a:p>
           <a:p>
             <a:pPr marL="457200" lvl="1" indent="0">
@@ -29219,10 +29187,13 @@
             </a:pPr>
             <a:r>
               <a:rPr lang="en-US" altLang="zh-CN" dirty="0" smtClean="0">
-                <a:ea typeface="宋体" charset="-122"/>
+                <a:ea typeface="宋体" panose="02010600030101010101" pitchFamily="2" charset="-122"/>
               </a:rPr>
               <a:t>Not divided into modules</a:t>
             </a:r>
+            <a:endParaRPr lang="en-US" altLang="zh-CN" dirty="0" smtClean="0">
+              <a:ea typeface="宋体" panose="02010600030101010101" pitchFamily="2" charset="-122"/>
+            </a:endParaRPr>
           </a:p>
           <a:p>
             <a:pPr marL="457200" lvl="1" indent="0">
@@ -29230,10 +29201,13 @@
             </a:pPr>
             <a:r>
               <a:rPr lang="en-US" altLang="zh-CN" dirty="0" smtClean="0">
-                <a:ea typeface="宋体" charset="-122"/>
+                <a:ea typeface="宋体" panose="02010600030101010101" pitchFamily="2" charset="-122"/>
               </a:rPr>
               <a:t>Although MS-DOS has some structure, its interfaces and levels of functionality are not well separated</a:t>
             </a:r>
+            <a:endParaRPr lang="en-US" altLang="zh-CN" dirty="0" smtClean="0">
+              <a:ea typeface="宋体" panose="02010600030101010101" pitchFamily="2" charset="-122"/>
+            </a:endParaRPr>
           </a:p>
         </p:txBody>
       </p:sp>
@@ -29246,7 +29220,7 @@
           <p:nvPr/>
         </p:nvPicPr>
         <p:blipFill>
-          <a:blip r:embed="rId2" cstate="print"/>
+          <a:blip r:embed="rId1" cstate="print"/>
           <a:srcRect/>
           <a:stretch>
             <a:fillRect/>
@@ -29279,7 +29253,7 @@
           <p:nvPr/>
         </p:nvPicPr>
         <p:blipFill>
-          <a:blip r:embed="rId3"/>
+          <a:blip r:embed="rId2"/>
           <a:stretch>
             <a:fillRect/>
           </a:stretch>
@@ -29295,11 +29269,6 @@
         </p:spPr>
       </p:pic>
     </p:spTree>
-    <p:extLst>
-      <p:ext uri="{BB962C8B-B14F-4D97-AF65-F5344CB8AC3E}">
-        <p14:creationId xmlns:p14="http://schemas.microsoft.com/office/powerpoint/2010/main" val="4232391199"/>
-      </p:ext>
-    </p:extLst>
   </p:cSld>
   <p:clrMapOvr>
     <a:masterClrMapping/>
@@ -29354,10 +29323,13 @@
           <a:p>
             <a:r>
               <a:rPr lang="en-US" altLang="zh-CN" smtClean="0">
-                <a:ea typeface="宋体" charset="-122"/>
+                <a:ea typeface="宋体" panose="02010600030101010101" pitchFamily="2" charset="-122"/>
               </a:rPr>
               <a:t>MS-DOS Layer Structure</a:t>
             </a:r>
+            <a:endParaRPr lang="en-US" altLang="zh-CN" smtClean="0">
+              <a:ea typeface="宋体" panose="02010600030101010101" pitchFamily="2" charset="-122"/>
+            </a:endParaRPr>
           </a:p>
         </p:txBody>
       </p:sp>
@@ -29370,7 +29342,7 @@
           <p:nvPr/>
         </p:nvPicPr>
         <p:blipFill>
-          <a:blip r:embed="rId2" cstate="print"/>
+          <a:blip r:embed="rId1" cstate="print"/>
           <a:srcRect l="11720" t="757" r="11531" b="757"/>
           <a:stretch>
             <a:fillRect/>
@@ -29396,11 +29368,6 @@
         </p:spPr>
       </p:pic>
     </p:spTree>
-    <p:extLst>
-      <p:ext uri="{BB962C8B-B14F-4D97-AF65-F5344CB8AC3E}">
-        <p14:creationId xmlns:p14="http://schemas.microsoft.com/office/powerpoint/2010/main" val="937520299"/>
-      </p:ext>
-    </p:extLst>
   </p:cSld>
   <p:clrMapOvr>
     <a:masterClrMapping/>
@@ -29732,7 +29699,11 @@
       </a:style>
     </a:spDef>
   </a:objectDefaults>
-  <a:extraClrSchemeLst/>
+  <a:extLst>
+    <a:ext uri="{05A4C25C-085E-4340-85A3-A5531E510DB2}">
+      <thm15:themeFamily xmlns:thm15="http://schemas.microsoft.com/office/thememl/2012/main" name="Office Theme" id="{62F939B6-93AF-4DB8-9C6B-D6C7DFDC589F}" vid="{4A3C46E8-61CC-4603-A589-7422A47A8E4A}"/>
+    </a:ext>
+  </a:extLst>
 </a:theme>
 </file>
 
@@ -30052,7 +30023,11 @@
       </a:style>
     </a:lnDef>
   </a:objectDefaults>
-  <a:extraClrSchemeLst/>
+  <a:extLst>
+    <a:ext uri="{05A4C25C-085E-4340-85A3-A5531E510DB2}">
+      <thm15:themeFamily xmlns:thm15="http://schemas.microsoft.com/office/thememl/2012/main" name="Office Theme" id="{62F939B6-93AF-4DB8-9C6B-D6C7DFDC589F}" vid="{4A3C46E8-61CC-4603-A589-7422A47A8E4A}"/>
+    </a:ext>
+  </a:extLst>
 </a:theme>
 </file>
 
@@ -30372,6 +30347,10 @@
       </a:style>
     </a:lnDef>
   </a:objectDefaults>
-  <a:extraClrSchemeLst/>
+  <a:extLst>
+    <a:ext uri="{05A4C25C-085E-4340-85A3-A5531E510DB2}">
+      <thm15:themeFamily xmlns:thm15="http://schemas.microsoft.com/office/thememl/2012/main" name="Office Theme" id="{62F939B6-93AF-4DB8-9C6B-D6C7DFDC589F}" vid="{4A3C46E8-61CC-4603-A589-7422A47A8E4A}"/>
+    </a:ext>
+  </a:extLst>
 </a:theme>
 </file>